--- a/2019_03_21_Constructors_And_Operators/Exercise 4.pptx
+++ b/2019_03_21_Constructors_And_Operators/Exercise 4.pptx
@@ -5,27 +5,29 @@
     <p:sldMasterId id="2147483840" r:id="rId1"/>
   </p:sldMasterIdLst>
   <p:notesMasterIdLst>
-    <p:notesMasterId r:id="rId20"/>
+    <p:notesMasterId r:id="rId22"/>
   </p:notesMasterIdLst>
   <p:sldIdLst>
-    <p:sldId id="323" r:id="rId2"/>
-    <p:sldId id="324" r:id="rId3"/>
-    <p:sldId id="325" r:id="rId4"/>
-    <p:sldId id="326" r:id="rId5"/>
-    <p:sldId id="327" r:id="rId6"/>
-    <p:sldId id="328" r:id="rId7"/>
-    <p:sldId id="320" r:id="rId8"/>
-    <p:sldId id="321" r:id="rId9"/>
-    <p:sldId id="322" r:id="rId10"/>
-    <p:sldId id="329" r:id="rId11"/>
-    <p:sldId id="331" r:id="rId12"/>
-    <p:sldId id="332" r:id="rId13"/>
-    <p:sldId id="334" r:id="rId14"/>
-    <p:sldId id="335" r:id="rId15"/>
-    <p:sldId id="330" r:id="rId16"/>
-    <p:sldId id="336" r:id="rId17"/>
-    <p:sldId id="337" r:id="rId18"/>
-    <p:sldId id="338" r:id="rId19"/>
+    <p:sldId id="339" r:id="rId2"/>
+    <p:sldId id="340" r:id="rId3"/>
+    <p:sldId id="323" r:id="rId4"/>
+    <p:sldId id="324" r:id="rId5"/>
+    <p:sldId id="325" r:id="rId6"/>
+    <p:sldId id="326" r:id="rId7"/>
+    <p:sldId id="327" r:id="rId8"/>
+    <p:sldId id="328" r:id="rId9"/>
+    <p:sldId id="320" r:id="rId10"/>
+    <p:sldId id="321" r:id="rId11"/>
+    <p:sldId id="322" r:id="rId12"/>
+    <p:sldId id="329" r:id="rId13"/>
+    <p:sldId id="331" r:id="rId14"/>
+    <p:sldId id="332" r:id="rId15"/>
+    <p:sldId id="334" r:id="rId16"/>
+    <p:sldId id="335" r:id="rId17"/>
+    <p:sldId id="330" r:id="rId18"/>
+    <p:sldId id="336" r:id="rId19"/>
+    <p:sldId id="337" r:id="rId20"/>
+    <p:sldId id="338" r:id="rId21"/>
   </p:sldIdLst>
   <p:sldSz cx="12192000" cy="6858000"/>
   <p:notesSz cx="6858000" cy="9144000"/>
@@ -480,6 +482,132 @@
     </a:lvl9pPr>
   </p:notesStyle>
 </p:notesMaster>
+</file>
+
+<file path=ppt/notesSlides/notesSlide1.xml><?xml version="1.0" encoding="utf-8"?>
+<p:notes xmlns:a="http://schemas.openxmlformats.org/drawingml/2006/main" xmlns:r="http://schemas.openxmlformats.org/officeDocument/2006/relationships" xmlns:p="http://schemas.openxmlformats.org/presentationml/2006/main">
+  <p:cSld>
+    <p:spTree>
+      <p:nvGrpSpPr>
+        <p:cNvPr id="1" name=""/>
+        <p:cNvGrpSpPr/>
+        <p:nvPr/>
+      </p:nvGrpSpPr>
+      <p:grpSpPr>
+        <a:xfrm>
+          <a:off x="0" y="0"/>
+          <a:ext cx="0" cy="0"/>
+          <a:chOff x="0" y="0"/>
+          <a:chExt cx="0" cy="0"/>
+        </a:xfrm>
+      </p:grpSpPr>
+      <p:sp>
+        <p:nvSpPr>
+          <p:cNvPr id="2" name="Slide Image Placeholder 1"/>
+          <p:cNvSpPr>
+            <a:spLocks noGrp="1" noRot="1" noChangeAspect="1"/>
+          </p:cNvSpPr>
+          <p:nvPr>
+            <p:ph type="sldImg"/>
+          </p:nvPr>
+        </p:nvSpPr>
+        <p:spPr/>
+      </p:sp>
+      <p:sp>
+        <p:nvSpPr>
+          <p:cNvPr id="3" name="Notes Placeholder 2"/>
+          <p:cNvSpPr>
+            <a:spLocks noGrp="1"/>
+          </p:cNvSpPr>
+          <p:nvPr>
+            <p:ph type="body" idx="1"/>
+          </p:nvPr>
+        </p:nvSpPr>
+        <p:spPr/>
+        <p:txBody>
+          <a:bodyPr/>
+          <a:lstStyle/>
+          <a:p>
+            <a:r>
+              <a:rPr lang="en-US" sz="1200" b="0" i="0" kern="1200" dirty="0" smtClean="0">
+                <a:solidFill>
+                  <a:schemeClr val="tx1"/>
+                </a:solidFill>
+                <a:effectLst/>
+                <a:latin typeface="+mn-lt"/>
+                <a:ea typeface="+mn-ea"/>
+                <a:cs typeface="+mn-cs"/>
+              </a:rPr>
+              <a:t>C++ is a multi-paradigm programming language. Meaning, it supports different programming styles.</a:t>
+            </a:r>
+          </a:p>
+          <a:p>
+            <a:r>
+              <a:rPr lang="en-US" sz="1200" b="0" i="0" kern="1200" dirty="0" smtClean="0">
+                <a:solidFill>
+                  <a:schemeClr val="tx1"/>
+                </a:solidFill>
+                <a:effectLst/>
+                <a:latin typeface="+mn-lt"/>
+                <a:ea typeface="+mn-ea"/>
+                <a:cs typeface="+mn-cs"/>
+              </a:rPr>
+              <a:t>C++ supports object-oriented (OO) style of programming which allows you to divide complex problems into smaller sets by creating objects.</a:t>
+            </a:r>
+          </a:p>
+          <a:p>
+            <a:r>
+              <a:rPr lang="en-US" sz="1200" b="0" i="0" kern="1200" dirty="0" smtClean="0">
+                <a:solidFill>
+                  <a:schemeClr val="tx1"/>
+                </a:solidFill>
+                <a:effectLst/>
+                <a:latin typeface="+mn-lt"/>
+                <a:ea typeface="+mn-ea"/>
+                <a:cs typeface="+mn-cs"/>
+              </a:rPr>
+              <a:t>Object is simply a collection of data and functions that act on those data.</a:t>
+            </a:r>
+          </a:p>
+          <a:p>
+            <a:endParaRPr lang="en-US" dirty="0"/>
+          </a:p>
+        </p:txBody>
+      </p:sp>
+      <p:sp>
+        <p:nvSpPr>
+          <p:cNvPr id="4" name="Slide Number Placeholder 3"/>
+          <p:cNvSpPr>
+            <a:spLocks noGrp="1"/>
+          </p:cNvSpPr>
+          <p:nvPr>
+            <p:ph type="sldNum" sz="quarter" idx="10"/>
+          </p:nvPr>
+        </p:nvSpPr>
+        <p:spPr/>
+        <p:txBody>
+          <a:bodyPr/>
+          <a:lstStyle/>
+          <a:p>
+            <a:fld id="{00D5D164-6E2E-4DCE-914B-FE6706E63BD9}" type="slidenum">
+              <a:rPr lang="en-US" smtClean="0"/>
+              <a:t>2</a:t>
+            </a:fld>
+            <a:endParaRPr lang="en-US"/>
+          </a:p>
+        </p:txBody>
+      </p:sp>
+    </p:spTree>
+    <p:extLst>
+      <p:ext uri="{BB962C8B-B14F-4D97-AF65-F5344CB8AC3E}">
+        <p14:creationId xmlns:p14="http://schemas.microsoft.com/office/powerpoint/2010/main" val="1489300638"/>
+      </p:ext>
+    </p:extLst>
+  </p:cSld>
+  <p:clrMapOvr>
+    <a:masterClrMapping/>
+  </p:clrMapOvr>
+</p:notes>
 </file>
 
 <file path=ppt/slideLayouts/slideLayout1.xml><?xml version="1.0" encoding="utf-8"?>
@@ -4343,119 +4471,59 @@
             <a:spLocks noGrp="1"/>
           </p:cNvSpPr>
           <p:nvPr>
-            <p:ph type="title"/>
-          </p:nvPr>
-        </p:nvSpPr>
-        <p:spPr>
-          <a:xfrm>
-            <a:off x="494212" y="420951"/>
-            <a:ext cx="11290118" cy="2630859"/>
-          </a:xfrm>
-        </p:spPr>
-        <p:txBody>
-          <a:bodyPr>
-            <a:normAutofit fontScale="90000"/>
-          </a:bodyPr>
+            <p:ph type="ctrTitle"/>
+          </p:nvPr>
+        </p:nvSpPr>
+        <p:spPr/>
+        <p:txBody>
+          <a:bodyPr/>
           <a:lstStyle/>
           <a:p>
             <a:r>
-              <a:rPr lang="en-US" sz="4400" dirty="0" smtClean="0"/>
-              <a:t>Problem 1: </a:t>
-            </a:r>
-            <a:r>
-              <a:rPr lang="en-US" sz="4400" dirty="0"/>
-              <a:t>Use stream object to write “HELLO STREAM” in </a:t>
-            </a:r>
-            <a:r>
-              <a:rPr lang="en-US" sz="4400" dirty="0" smtClean="0"/>
-              <a:t>“myFistsFile.txt” file</a:t>
-            </a:r>
-            <a:br>
-              <a:rPr lang="en-US" sz="4400" dirty="0" smtClean="0"/>
-            </a:br>
-            <a:r>
-              <a:rPr lang="en-US" sz="4400" dirty="0" smtClean="0"/>
-              <a:t>A) using Stack for stream object</a:t>
-            </a:r>
-            <a:br>
-              <a:rPr lang="en-US" sz="4400" dirty="0" smtClean="0"/>
-            </a:br>
-            <a:r>
-              <a:rPr lang="en-US" sz="4400" dirty="0" smtClean="0"/>
-              <a:t>B) using Heap (Dynamically) for stream object</a:t>
-            </a:r>
-            <a:r>
-              <a:rPr lang="en-US" dirty="0" smtClean="0">
-                <a:solidFill>
-                  <a:srgbClr val="000000"/>
-                </a:solidFill>
-                <a:latin typeface="Segoe UI" panose="020B0502040204020203" pitchFamily="34" charset="0"/>
-              </a:rPr>
-              <a:t/>
-            </a:r>
-            <a:br>
-              <a:rPr lang="en-US" dirty="0" smtClean="0">
-                <a:solidFill>
-                  <a:srgbClr val="000000"/>
-                </a:solidFill>
-                <a:latin typeface="Segoe UI" panose="020B0502040204020203" pitchFamily="34" charset="0"/>
-              </a:rPr>
-            </a:br>
+              <a:rPr lang="en-US" sz="7200" dirty="0" smtClean="0"/>
+              <a:t>Constructors, </a:t>
+            </a:r>
+            <a:r>
+              <a:rPr lang="en-US" sz="7200" dirty="0" err="1" smtClean="0"/>
+              <a:t>Destrucors</a:t>
+            </a:r>
+            <a:r>
+              <a:rPr lang="en-US" sz="7200" dirty="0" smtClean="0"/>
+              <a:t> and Operators</a:t>
+            </a:r>
+            <a:endParaRPr lang="en-US" sz="7200" dirty="0"/>
+          </a:p>
+        </p:txBody>
+      </p:sp>
+      <p:sp>
+        <p:nvSpPr>
+          <p:cNvPr id="3" name="Subtitle 2"/>
+          <p:cNvSpPr>
+            <a:spLocks noGrp="1"/>
+          </p:cNvSpPr>
+          <p:nvPr>
+            <p:ph type="subTitle" idx="1"/>
+          </p:nvPr>
+        </p:nvSpPr>
+        <p:spPr/>
+        <p:txBody>
+          <a:bodyPr/>
+          <a:lstStyle/>
+          <a:p>
             <a:endParaRPr lang="en-US" dirty="0"/>
-          </a:p>
-        </p:txBody>
-      </p:sp>
-      <p:sp>
-        <p:nvSpPr>
-          <p:cNvPr id="3" name="Content Placeholder 2"/>
-          <p:cNvSpPr>
-            <a:spLocks noGrp="1"/>
-          </p:cNvSpPr>
-          <p:nvPr>
-            <p:ph idx="1"/>
-          </p:nvPr>
-        </p:nvSpPr>
-        <p:spPr>
-          <a:xfrm>
-            <a:off x="252549" y="3634740"/>
-            <a:ext cx="10875699" cy="2975066"/>
-          </a:xfrm>
-        </p:spPr>
-        <p:txBody>
-          <a:bodyPr>
-            <a:normAutofit/>
-          </a:bodyPr>
-          <a:lstStyle/>
-          <a:p>
-            <a:pPr marL="0" indent="0">
-              <a:buNone/>
-            </a:pPr>
-            <a:endParaRPr lang="en-US" sz="3200" dirty="0" smtClean="0">
-              <a:solidFill>
-                <a:srgbClr val="0000FF"/>
-              </a:solidFill>
-              <a:latin typeface="Consolas" panose="020B0609020204030204" pitchFamily="49" charset="0"/>
-            </a:endParaRPr>
           </a:p>
         </p:txBody>
       </p:sp>
     </p:spTree>
     <p:extLst>
       <p:ext uri="{BB962C8B-B14F-4D97-AF65-F5344CB8AC3E}">
-        <p14:creationId xmlns:p14="http://schemas.microsoft.com/office/powerpoint/2010/main" val="4218710207"/>
+        <p14:creationId xmlns:p14="http://schemas.microsoft.com/office/powerpoint/2010/main" val="562423738"/>
       </p:ext>
     </p:extLst>
   </p:cSld>
   <p:clrMapOvr>
     <a:masterClrMapping/>
   </p:clrMapOvr>
-  <p:timing>
-    <p:tnLst>
-      <p:par>
-        <p:cTn id="1" dur="indefinite" restart="never" nodeType="tmRoot"/>
-      </p:par>
-    </p:tnLst>
-  </p:timing>
 </p:sld>
 </file>
 
@@ -4488,17 +4556,19 @@
         </p:nvSpPr>
         <p:spPr>
           <a:xfrm>
-            <a:off x="478971" y="484632"/>
-            <a:ext cx="11138263" cy="1609344"/>
+            <a:off x="304799" y="484632"/>
+            <a:ext cx="11686903" cy="577814"/>
           </a:xfrm>
         </p:spPr>
         <p:txBody>
-          <a:bodyPr/>
+          <a:bodyPr>
+            <a:normAutofit fontScale="90000"/>
+          </a:bodyPr>
           <a:lstStyle/>
           <a:p>
             <a:r>
               <a:rPr lang="en-US" dirty="0" smtClean="0"/>
-              <a:t>Constructors, destructors and Operators</a:t>
+              <a:t>Solution eXAm1: Problem1 Implement Methods(2)</a:t>
             </a:r>
             <a:endParaRPr lang="en-US" dirty="0"/>
           </a:p>
@@ -4514,24 +4584,451 @@
             <p:ph idx="1"/>
           </p:nvPr>
         </p:nvSpPr>
-        <p:spPr/>
-        <p:txBody>
-          <a:bodyPr/>
+        <p:spPr>
+          <a:xfrm>
+            <a:off x="121920" y="1219200"/>
+            <a:ext cx="11006328" cy="5638800"/>
+          </a:xfrm>
+        </p:spPr>
+        <p:txBody>
+          <a:bodyPr>
+            <a:normAutofit/>
+          </a:bodyPr>
           <a:lstStyle/>
           <a:p>
-            <a:r>
-              <a:rPr lang="en-US" dirty="0" smtClean="0"/>
-              <a:t>When and why to use it</a:t>
-            </a:r>
-          </a:p>
-          <a:p>
-            <a:r>
-              <a:rPr lang="en-US" dirty="0" smtClean="0"/>
-              <a:t>How we can override default </a:t>
-            </a:r>
-            <a:r>
-              <a:rPr lang="en-US" dirty="0" err="1" smtClean="0"/>
-              <a:t>behaviour</a:t>
+            <a:pPr marL="0" indent="0">
+              <a:buNone/>
+            </a:pPr>
+            <a:r>
+              <a:rPr lang="en-US" dirty="0">
+                <a:solidFill>
+                  <a:srgbClr val="0000FF"/>
+                </a:solidFill>
+                <a:latin typeface="Consolas" panose="020B0609020204030204" pitchFamily="49" charset="0"/>
+              </a:rPr>
+              <a:t>class</a:t>
+            </a:r>
+            <a:r>
+              <a:rPr lang="en-US" dirty="0">
+                <a:solidFill>
+                  <a:srgbClr val="000000"/>
+                </a:solidFill>
+                <a:latin typeface="Consolas" panose="020B0609020204030204" pitchFamily="49" charset="0"/>
+              </a:rPr>
+              <a:t> Triangle</a:t>
+            </a:r>
+          </a:p>
+          <a:p>
+            <a:pPr marL="0" indent="0">
+              <a:buNone/>
+            </a:pPr>
+            <a:r>
+              <a:rPr lang="en-US" dirty="0">
+                <a:solidFill>
+                  <a:srgbClr val="000000"/>
+                </a:solidFill>
+                <a:latin typeface="Consolas" panose="020B0609020204030204" pitchFamily="49" charset="0"/>
+              </a:rPr>
+              <a:t>{</a:t>
+            </a:r>
+          </a:p>
+          <a:p>
+            <a:pPr marL="0" indent="0">
+              <a:buNone/>
+            </a:pPr>
+            <a:r>
+              <a:rPr lang="en-US" dirty="0">
+                <a:solidFill>
+                  <a:srgbClr val="0000FF"/>
+                </a:solidFill>
+                <a:latin typeface="Consolas" panose="020B0609020204030204" pitchFamily="49" charset="0"/>
+              </a:rPr>
+              <a:t>public</a:t>
+            </a:r>
+            <a:r>
+              <a:rPr lang="en-US" dirty="0">
+                <a:solidFill>
+                  <a:srgbClr val="000000"/>
+                </a:solidFill>
+                <a:latin typeface="Consolas" panose="020B0609020204030204" pitchFamily="49" charset="0"/>
+              </a:rPr>
+              <a:t>:</a:t>
+            </a:r>
+          </a:p>
+          <a:p>
+            <a:pPr marL="274320" lvl="1" indent="0">
+              <a:buNone/>
+            </a:pPr>
+            <a:r>
+              <a:rPr lang="en-US" dirty="0">
+                <a:solidFill>
+                  <a:srgbClr val="000000"/>
+                </a:solidFill>
+                <a:latin typeface="Consolas" panose="020B0609020204030204" pitchFamily="49" charset="0"/>
+              </a:rPr>
+              <a:t>Triangle();</a:t>
+            </a:r>
+          </a:p>
+          <a:p>
+            <a:pPr marL="274320" lvl="1" indent="0">
+              <a:buNone/>
+            </a:pPr>
+            <a:r>
+              <a:rPr lang="en-US" dirty="0">
+                <a:solidFill>
+                  <a:srgbClr val="0000FF"/>
+                </a:solidFill>
+                <a:latin typeface="Consolas" panose="020B0609020204030204" pitchFamily="49" charset="0"/>
+              </a:rPr>
+              <a:t>void</a:t>
+            </a:r>
+            <a:r>
+              <a:rPr lang="en-US" dirty="0">
+                <a:solidFill>
+                  <a:srgbClr val="000000"/>
+                </a:solidFill>
+                <a:latin typeface="Consolas" panose="020B0609020204030204" pitchFamily="49" charset="0"/>
+              </a:rPr>
+              <a:t> </a:t>
+            </a:r>
+            <a:r>
+              <a:rPr lang="en-US" dirty="0" err="1">
+                <a:solidFill>
+                  <a:srgbClr val="000000"/>
+                </a:solidFill>
+                <a:latin typeface="Consolas" panose="020B0609020204030204" pitchFamily="49" charset="0"/>
+              </a:rPr>
+              <a:t>SetA</a:t>
+            </a:r>
+            <a:r>
+              <a:rPr lang="en-US" dirty="0">
+                <a:solidFill>
+                  <a:srgbClr val="000000"/>
+                </a:solidFill>
+                <a:latin typeface="Consolas" panose="020B0609020204030204" pitchFamily="49" charset="0"/>
+              </a:rPr>
+              <a:t>(</a:t>
+            </a:r>
+            <a:r>
+              <a:rPr lang="en-US" dirty="0" err="1">
+                <a:solidFill>
+                  <a:srgbClr val="0000FF"/>
+                </a:solidFill>
+                <a:latin typeface="Consolas" panose="020B0609020204030204" pitchFamily="49" charset="0"/>
+              </a:rPr>
+              <a:t>const</a:t>
+            </a:r>
+            <a:r>
+              <a:rPr lang="en-US" dirty="0">
+                <a:solidFill>
+                  <a:srgbClr val="000000"/>
+                </a:solidFill>
+                <a:latin typeface="Consolas" panose="020B0609020204030204" pitchFamily="49" charset="0"/>
+              </a:rPr>
+              <a:t> Point3&amp;);</a:t>
+            </a:r>
+          </a:p>
+          <a:p>
+            <a:pPr marL="274320" lvl="1" indent="0">
+              <a:buNone/>
+            </a:pPr>
+            <a:r>
+              <a:rPr lang="en-US" dirty="0">
+                <a:solidFill>
+                  <a:srgbClr val="0000FF"/>
+                </a:solidFill>
+                <a:latin typeface="Consolas" panose="020B0609020204030204" pitchFamily="49" charset="0"/>
+              </a:rPr>
+              <a:t>void</a:t>
+            </a:r>
+            <a:r>
+              <a:rPr lang="en-US" dirty="0">
+                <a:solidFill>
+                  <a:srgbClr val="000000"/>
+                </a:solidFill>
+                <a:latin typeface="Consolas" panose="020B0609020204030204" pitchFamily="49" charset="0"/>
+              </a:rPr>
+              <a:t> </a:t>
+            </a:r>
+            <a:r>
+              <a:rPr lang="en-US" dirty="0" err="1">
+                <a:solidFill>
+                  <a:srgbClr val="000000"/>
+                </a:solidFill>
+                <a:latin typeface="Consolas" panose="020B0609020204030204" pitchFamily="49" charset="0"/>
+              </a:rPr>
+              <a:t>SetB</a:t>
+            </a:r>
+            <a:r>
+              <a:rPr lang="en-US" dirty="0">
+                <a:solidFill>
+                  <a:srgbClr val="000000"/>
+                </a:solidFill>
+                <a:latin typeface="Consolas" panose="020B0609020204030204" pitchFamily="49" charset="0"/>
+              </a:rPr>
+              <a:t>(</a:t>
+            </a:r>
+            <a:r>
+              <a:rPr lang="en-US" dirty="0" err="1">
+                <a:solidFill>
+                  <a:srgbClr val="0000FF"/>
+                </a:solidFill>
+                <a:latin typeface="Consolas" panose="020B0609020204030204" pitchFamily="49" charset="0"/>
+              </a:rPr>
+              <a:t>const</a:t>
+            </a:r>
+            <a:r>
+              <a:rPr lang="en-US" dirty="0">
+                <a:solidFill>
+                  <a:srgbClr val="000000"/>
+                </a:solidFill>
+                <a:latin typeface="Consolas" panose="020B0609020204030204" pitchFamily="49" charset="0"/>
+              </a:rPr>
+              <a:t> Point3&amp;);</a:t>
+            </a:r>
+          </a:p>
+          <a:p>
+            <a:pPr marL="274320" lvl="1" indent="0">
+              <a:buNone/>
+            </a:pPr>
+            <a:r>
+              <a:rPr lang="en-US" dirty="0">
+                <a:solidFill>
+                  <a:srgbClr val="0000FF"/>
+                </a:solidFill>
+                <a:latin typeface="Consolas" panose="020B0609020204030204" pitchFamily="49" charset="0"/>
+              </a:rPr>
+              <a:t>void</a:t>
+            </a:r>
+            <a:r>
+              <a:rPr lang="en-US" dirty="0">
+                <a:solidFill>
+                  <a:srgbClr val="000000"/>
+                </a:solidFill>
+                <a:latin typeface="Consolas" panose="020B0609020204030204" pitchFamily="49" charset="0"/>
+              </a:rPr>
+              <a:t> </a:t>
+            </a:r>
+            <a:r>
+              <a:rPr lang="en-US" dirty="0" err="1">
+                <a:solidFill>
+                  <a:srgbClr val="000000"/>
+                </a:solidFill>
+                <a:latin typeface="Consolas" panose="020B0609020204030204" pitchFamily="49" charset="0"/>
+              </a:rPr>
+              <a:t>SetC</a:t>
+            </a:r>
+            <a:r>
+              <a:rPr lang="en-US" dirty="0">
+                <a:solidFill>
+                  <a:srgbClr val="000000"/>
+                </a:solidFill>
+                <a:latin typeface="Consolas" panose="020B0609020204030204" pitchFamily="49" charset="0"/>
+              </a:rPr>
+              <a:t>(</a:t>
+            </a:r>
+            <a:r>
+              <a:rPr lang="en-US" dirty="0" err="1">
+                <a:solidFill>
+                  <a:srgbClr val="0000FF"/>
+                </a:solidFill>
+                <a:latin typeface="Consolas" panose="020B0609020204030204" pitchFamily="49" charset="0"/>
+              </a:rPr>
+              <a:t>const</a:t>
+            </a:r>
+            <a:r>
+              <a:rPr lang="en-US" dirty="0">
+                <a:solidFill>
+                  <a:srgbClr val="000000"/>
+                </a:solidFill>
+                <a:latin typeface="Consolas" panose="020B0609020204030204" pitchFamily="49" charset="0"/>
+              </a:rPr>
+              <a:t> Point3&amp;);</a:t>
+            </a:r>
+          </a:p>
+          <a:p>
+            <a:pPr marL="274320" lvl="1" indent="0">
+              <a:buNone/>
+            </a:pPr>
+            <a:r>
+              <a:rPr lang="en-US" dirty="0">
+                <a:solidFill>
+                  <a:srgbClr val="0000FF"/>
+                </a:solidFill>
+                <a:latin typeface="Consolas" panose="020B0609020204030204" pitchFamily="49" charset="0"/>
+              </a:rPr>
+              <a:t>double</a:t>
+            </a:r>
+            <a:r>
+              <a:rPr lang="en-US" dirty="0">
+                <a:solidFill>
+                  <a:srgbClr val="000000"/>
+                </a:solidFill>
+                <a:latin typeface="Consolas" panose="020B0609020204030204" pitchFamily="49" charset="0"/>
+              </a:rPr>
+              <a:t> </a:t>
+            </a:r>
+            <a:r>
+              <a:rPr lang="en-US" dirty="0" err="1">
+                <a:solidFill>
+                  <a:srgbClr val="000000"/>
+                </a:solidFill>
+                <a:latin typeface="Consolas" panose="020B0609020204030204" pitchFamily="49" charset="0"/>
+              </a:rPr>
+              <a:t>GetPerimeter</a:t>
+            </a:r>
+            <a:r>
+              <a:rPr lang="en-US" dirty="0" smtClean="0">
+                <a:solidFill>
+                  <a:srgbClr val="000000"/>
+                </a:solidFill>
+                <a:latin typeface="Consolas" panose="020B0609020204030204" pitchFamily="49" charset="0"/>
+              </a:rPr>
+              <a:t>();</a:t>
+            </a:r>
+          </a:p>
+          <a:p>
+            <a:pPr marL="274320" lvl="1" indent="0">
+              <a:buNone/>
+            </a:pPr>
+            <a:endParaRPr lang="en-US" dirty="0">
+              <a:solidFill>
+                <a:srgbClr val="000000"/>
+              </a:solidFill>
+              <a:latin typeface="Consolas" panose="020B0609020204030204" pitchFamily="49" charset="0"/>
+            </a:endParaRPr>
+          </a:p>
+          <a:p>
+            <a:pPr marL="0" indent="0">
+              <a:buNone/>
+            </a:pPr>
+            <a:r>
+              <a:rPr lang="en-US" dirty="0">
+                <a:solidFill>
+                  <a:srgbClr val="0000FF"/>
+                </a:solidFill>
+                <a:latin typeface="Consolas" panose="020B0609020204030204" pitchFamily="49" charset="0"/>
+              </a:rPr>
+              <a:t>private</a:t>
+            </a:r>
+            <a:r>
+              <a:rPr lang="en-US" dirty="0">
+                <a:solidFill>
+                  <a:srgbClr val="000000"/>
+                </a:solidFill>
+                <a:latin typeface="Consolas" panose="020B0609020204030204" pitchFamily="49" charset="0"/>
+              </a:rPr>
+              <a:t>:</a:t>
+            </a:r>
+          </a:p>
+          <a:p>
+            <a:pPr marL="274320" lvl="1" indent="0">
+              <a:buNone/>
+            </a:pPr>
+            <a:r>
+              <a:rPr lang="en-US" dirty="0">
+                <a:solidFill>
+                  <a:srgbClr val="000000"/>
+                </a:solidFill>
+                <a:latin typeface="Consolas" panose="020B0609020204030204" pitchFamily="49" charset="0"/>
+              </a:rPr>
+              <a:t>Point3 </a:t>
+            </a:r>
+            <a:r>
+              <a:rPr lang="en-US" dirty="0" err="1">
+                <a:solidFill>
+                  <a:srgbClr val="000000"/>
+                </a:solidFill>
+                <a:latin typeface="Consolas" panose="020B0609020204030204" pitchFamily="49" charset="0"/>
+              </a:rPr>
+              <a:t>m_a</a:t>
+            </a:r>
+            <a:r>
+              <a:rPr lang="en-US" dirty="0">
+                <a:solidFill>
+                  <a:srgbClr val="000000"/>
+                </a:solidFill>
+                <a:latin typeface="Consolas" panose="020B0609020204030204" pitchFamily="49" charset="0"/>
+              </a:rPr>
+              <a:t>;</a:t>
+            </a:r>
+          </a:p>
+          <a:p>
+            <a:pPr marL="274320" lvl="1" indent="0">
+              <a:buNone/>
+            </a:pPr>
+            <a:r>
+              <a:rPr lang="en-US" dirty="0">
+                <a:solidFill>
+                  <a:srgbClr val="000000"/>
+                </a:solidFill>
+                <a:latin typeface="Consolas" panose="020B0609020204030204" pitchFamily="49" charset="0"/>
+              </a:rPr>
+              <a:t>Point3 </a:t>
+            </a:r>
+            <a:r>
+              <a:rPr lang="en-US" dirty="0" err="1">
+                <a:solidFill>
+                  <a:srgbClr val="000000"/>
+                </a:solidFill>
+                <a:latin typeface="Consolas" panose="020B0609020204030204" pitchFamily="49" charset="0"/>
+              </a:rPr>
+              <a:t>m_b</a:t>
+            </a:r>
+            <a:r>
+              <a:rPr lang="en-US" dirty="0">
+                <a:solidFill>
+                  <a:srgbClr val="000000"/>
+                </a:solidFill>
+                <a:latin typeface="Consolas" panose="020B0609020204030204" pitchFamily="49" charset="0"/>
+              </a:rPr>
+              <a:t>;</a:t>
+            </a:r>
+          </a:p>
+          <a:p>
+            <a:pPr marL="274320" lvl="1" indent="0">
+              <a:buNone/>
+            </a:pPr>
+            <a:r>
+              <a:rPr lang="en-US" dirty="0">
+                <a:solidFill>
+                  <a:srgbClr val="000000"/>
+                </a:solidFill>
+                <a:latin typeface="Consolas" panose="020B0609020204030204" pitchFamily="49" charset="0"/>
+              </a:rPr>
+              <a:t>Point3 </a:t>
+            </a:r>
+            <a:r>
+              <a:rPr lang="en-US" dirty="0" err="1">
+                <a:solidFill>
+                  <a:srgbClr val="000000"/>
+                </a:solidFill>
+                <a:latin typeface="Consolas" panose="020B0609020204030204" pitchFamily="49" charset="0"/>
+              </a:rPr>
+              <a:t>m_c</a:t>
+            </a:r>
+            <a:r>
+              <a:rPr lang="en-US" dirty="0">
+                <a:solidFill>
+                  <a:srgbClr val="000000"/>
+                </a:solidFill>
+                <a:latin typeface="Consolas" panose="020B0609020204030204" pitchFamily="49" charset="0"/>
+              </a:rPr>
+              <a:t>;</a:t>
+            </a:r>
+          </a:p>
+          <a:p>
+            <a:pPr marL="0" indent="0">
+              <a:buNone/>
+            </a:pPr>
+            <a:r>
+              <a:rPr lang="en-US" dirty="0">
+                <a:solidFill>
+                  <a:srgbClr val="000000"/>
+                </a:solidFill>
+                <a:latin typeface="Consolas" panose="020B0609020204030204" pitchFamily="49" charset="0"/>
+              </a:rPr>
+              <a:t>};</a:t>
             </a:r>
             <a:endParaRPr lang="en-US" dirty="0"/>
           </a:p>
@@ -4540,7 +5037,7 @@
     </p:spTree>
     <p:extLst>
       <p:ext uri="{BB962C8B-B14F-4D97-AF65-F5344CB8AC3E}">
-        <p14:creationId xmlns:p14="http://schemas.microsoft.com/office/powerpoint/2010/main" val="3613436196"/>
+        <p14:creationId xmlns:p14="http://schemas.microsoft.com/office/powerpoint/2010/main" val="3329039973"/>
       </p:ext>
     </p:extLst>
   </p:cSld>
@@ -4579,60 +5076,323 @@
         </p:nvSpPr>
         <p:spPr>
           <a:xfrm>
-            <a:off x="478971" y="484632"/>
-            <a:ext cx="11138263" cy="1609344"/>
+            <a:off x="339634" y="484632"/>
+            <a:ext cx="11460480" cy="577814"/>
           </a:xfrm>
         </p:spPr>
         <p:txBody>
-          <a:bodyPr/>
+          <a:bodyPr>
+            <a:noAutofit/>
+          </a:bodyPr>
           <a:lstStyle/>
           <a:p>
             <a:r>
-              <a:rPr lang="en-US" dirty="0" smtClean="0"/>
-              <a:t>C++ Constructors</a:t>
+              <a:rPr lang="en-US" sz="4400" dirty="0" smtClean="0"/>
+              <a:t>Solution eXAm1: </a:t>
+            </a:r>
+            <a:r>
+              <a:rPr lang="en-US" sz="4400" dirty="0"/>
+              <a:t>Problem 2 : Define functions which :</a:t>
+            </a:r>
+          </a:p>
+        </p:txBody>
+      </p:sp>
+      <p:sp>
+        <p:nvSpPr>
+          <p:cNvPr id="3" name="Content Placeholder 2"/>
+          <p:cNvSpPr>
+            <a:spLocks noGrp="1"/>
+          </p:cNvSpPr>
+          <p:nvPr>
+            <p:ph idx="1"/>
+          </p:nvPr>
+        </p:nvSpPr>
+        <p:spPr>
+          <a:xfrm>
+            <a:off x="129322" y="1367246"/>
+            <a:ext cx="11853672" cy="5490754"/>
+          </a:xfrm>
+        </p:spPr>
+        <p:txBody>
+          <a:bodyPr>
+            <a:normAutofit/>
+          </a:bodyPr>
+          <a:lstStyle/>
+          <a:p>
+            <a:pPr marL="0" indent="0">
+              <a:buNone/>
+            </a:pPr>
+            <a:r>
+              <a:rPr lang="en-US" dirty="0">
+                <a:solidFill>
+                  <a:srgbClr val="000000"/>
+                </a:solidFill>
+                <a:latin typeface="Consolas" panose="020B0609020204030204" pitchFamily="49" charset="0"/>
+              </a:rPr>
+              <a:t>A) Input Array of Point3 points</a:t>
+            </a:r>
+          </a:p>
+          <a:p>
+            <a:pPr marL="0" indent="0">
+              <a:buNone/>
+            </a:pPr>
+            <a:r>
+              <a:rPr lang="en-US" dirty="0" smtClean="0">
+                <a:solidFill>
+                  <a:srgbClr val="0000FF"/>
+                </a:solidFill>
+                <a:latin typeface="Consolas" panose="020B0609020204030204" pitchFamily="49" charset="0"/>
+              </a:rPr>
+              <a:t>void</a:t>
+            </a:r>
+            <a:r>
+              <a:rPr lang="en-US" dirty="0" smtClean="0">
+                <a:solidFill>
+                  <a:srgbClr val="000000"/>
+                </a:solidFill>
+                <a:latin typeface="Consolas" panose="020B0609020204030204" pitchFamily="49" charset="0"/>
+              </a:rPr>
+              <a:t> </a:t>
+            </a:r>
+            <a:r>
+              <a:rPr lang="en-US" dirty="0">
+                <a:solidFill>
+                  <a:srgbClr val="000000"/>
+                </a:solidFill>
+                <a:latin typeface="Consolas" panose="020B0609020204030204" pitchFamily="49" charset="0"/>
+              </a:rPr>
+              <a:t>Input(</a:t>
+            </a:r>
+            <a:r>
+              <a:rPr lang="en-US" dirty="0" err="1">
+                <a:solidFill>
+                  <a:srgbClr val="0000FF"/>
+                </a:solidFill>
+                <a:latin typeface="Consolas" panose="020B0609020204030204" pitchFamily="49" charset="0"/>
+              </a:rPr>
+              <a:t>int</a:t>
+            </a:r>
+            <a:r>
+              <a:rPr lang="en-US" dirty="0">
+                <a:solidFill>
+                  <a:srgbClr val="000000"/>
+                </a:solidFill>
+                <a:latin typeface="Consolas" panose="020B0609020204030204" pitchFamily="49" charset="0"/>
+              </a:rPr>
+              <a:t> n, Point3 </a:t>
+            </a:r>
+            <a:r>
+              <a:rPr lang="en-US" dirty="0">
+                <a:solidFill>
+                  <a:srgbClr val="0000FF"/>
+                </a:solidFill>
+                <a:latin typeface="Consolas" panose="020B0609020204030204" pitchFamily="49" charset="0"/>
+              </a:rPr>
+              <a:t>array</a:t>
+            </a:r>
+            <a:r>
+              <a:rPr lang="en-US" dirty="0">
+                <a:solidFill>
+                  <a:srgbClr val="000000"/>
+                </a:solidFill>
+                <a:latin typeface="Consolas" panose="020B0609020204030204" pitchFamily="49" charset="0"/>
+              </a:rPr>
+              <a:t>[]);</a:t>
+            </a:r>
+          </a:p>
+          <a:p>
+            <a:pPr marL="0" indent="0">
+              <a:buNone/>
+            </a:pPr>
+            <a:endParaRPr lang="en-US" dirty="0">
+              <a:solidFill>
+                <a:srgbClr val="000000"/>
+              </a:solidFill>
+              <a:latin typeface="Consolas" panose="020B0609020204030204" pitchFamily="49" charset="0"/>
+            </a:endParaRPr>
+          </a:p>
+          <a:p>
+            <a:pPr marL="0" indent="0">
+              <a:buNone/>
+            </a:pPr>
+            <a:r>
+              <a:rPr lang="en-US" dirty="0">
+                <a:solidFill>
+                  <a:srgbClr val="000000"/>
+                </a:solidFill>
+                <a:latin typeface="Consolas" panose="020B0609020204030204" pitchFamily="49" charset="0"/>
+              </a:rPr>
+              <a:t>B) Modify Array of Point3 points with symmetry point by center Point3(0, 0, 0).</a:t>
+            </a:r>
+          </a:p>
+          <a:p>
+            <a:pPr marL="0" indent="0">
+              <a:buNone/>
+            </a:pPr>
+            <a:r>
+              <a:rPr lang="en-US" dirty="0" smtClean="0">
+                <a:solidFill>
+                  <a:srgbClr val="0000FF"/>
+                </a:solidFill>
+                <a:latin typeface="Consolas" panose="020B0609020204030204" pitchFamily="49" charset="0"/>
+              </a:rPr>
+              <a:t>void</a:t>
+            </a:r>
+            <a:r>
+              <a:rPr lang="en-US" dirty="0" smtClean="0">
+                <a:solidFill>
+                  <a:srgbClr val="000000"/>
+                </a:solidFill>
+                <a:latin typeface="Consolas" panose="020B0609020204030204" pitchFamily="49" charset="0"/>
+              </a:rPr>
+              <a:t> </a:t>
+            </a:r>
+            <a:r>
+              <a:rPr lang="en-US" dirty="0">
+                <a:solidFill>
+                  <a:srgbClr val="000000"/>
+                </a:solidFill>
+                <a:latin typeface="Consolas" panose="020B0609020204030204" pitchFamily="49" charset="0"/>
+              </a:rPr>
+              <a:t>Symmetry(</a:t>
+            </a:r>
+            <a:r>
+              <a:rPr lang="en-US" dirty="0" err="1">
+                <a:solidFill>
+                  <a:srgbClr val="0000FF"/>
+                </a:solidFill>
+                <a:latin typeface="Consolas" panose="020B0609020204030204" pitchFamily="49" charset="0"/>
+              </a:rPr>
+              <a:t>int</a:t>
+            </a:r>
+            <a:r>
+              <a:rPr lang="en-US" dirty="0">
+                <a:solidFill>
+                  <a:srgbClr val="000000"/>
+                </a:solidFill>
+                <a:latin typeface="Consolas" panose="020B0609020204030204" pitchFamily="49" charset="0"/>
+              </a:rPr>
+              <a:t> n, Point3 </a:t>
+            </a:r>
+            <a:r>
+              <a:rPr lang="en-US" dirty="0">
+                <a:solidFill>
+                  <a:srgbClr val="0000FF"/>
+                </a:solidFill>
+                <a:latin typeface="Consolas" panose="020B0609020204030204" pitchFamily="49" charset="0"/>
+              </a:rPr>
+              <a:t>array</a:t>
+            </a:r>
+            <a:r>
+              <a:rPr lang="en-US" dirty="0">
+                <a:solidFill>
+                  <a:srgbClr val="000000"/>
+                </a:solidFill>
+                <a:latin typeface="Consolas" panose="020B0609020204030204" pitchFamily="49" charset="0"/>
+              </a:rPr>
+              <a:t>[]);</a:t>
+            </a:r>
+          </a:p>
+          <a:p>
+            <a:pPr marL="0" indent="0">
+              <a:buNone/>
+            </a:pPr>
+            <a:endParaRPr lang="en-US" dirty="0">
+              <a:solidFill>
+                <a:srgbClr val="000000"/>
+              </a:solidFill>
+              <a:latin typeface="Consolas" panose="020B0609020204030204" pitchFamily="49" charset="0"/>
+            </a:endParaRPr>
+          </a:p>
+          <a:p>
+            <a:pPr marL="0" indent="0">
+              <a:buNone/>
+            </a:pPr>
+            <a:r>
+              <a:rPr lang="en-US" dirty="0">
+                <a:solidFill>
+                  <a:srgbClr val="000000"/>
+                </a:solidFill>
+                <a:latin typeface="Consolas" panose="020B0609020204030204" pitchFamily="49" charset="0"/>
+              </a:rPr>
+              <a:t>C) Output Array of Point3 points</a:t>
+            </a:r>
+          </a:p>
+          <a:p>
+            <a:pPr marL="0" indent="0">
+              <a:buNone/>
+            </a:pPr>
+            <a:r>
+              <a:rPr lang="en-US" dirty="0" smtClean="0">
+                <a:solidFill>
+                  <a:srgbClr val="0000FF"/>
+                </a:solidFill>
+                <a:latin typeface="Consolas" panose="020B0609020204030204" pitchFamily="49" charset="0"/>
+              </a:rPr>
+              <a:t>void</a:t>
+            </a:r>
+            <a:r>
+              <a:rPr lang="en-US" dirty="0" smtClean="0">
+                <a:solidFill>
+                  <a:srgbClr val="000000"/>
+                </a:solidFill>
+                <a:latin typeface="Consolas" panose="020B0609020204030204" pitchFamily="49" charset="0"/>
+              </a:rPr>
+              <a:t> </a:t>
+            </a:r>
+            <a:r>
+              <a:rPr lang="en-US" dirty="0">
+                <a:solidFill>
+                  <a:srgbClr val="000000"/>
+                </a:solidFill>
+                <a:latin typeface="Consolas" panose="020B0609020204030204" pitchFamily="49" charset="0"/>
+              </a:rPr>
+              <a:t>Output(</a:t>
+            </a:r>
+            <a:r>
+              <a:rPr lang="en-US" dirty="0" err="1">
+                <a:solidFill>
+                  <a:srgbClr val="0000FF"/>
+                </a:solidFill>
+                <a:latin typeface="Consolas" panose="020B0609020204030204" pitchFamily="49" charset="0"/>
+              </a:rPr>
+              <a:t>int</a:t>
+            </a:r>
+            <a:r>
+              <a:rPr lang="en-US" dirty="0">
+                <a:solidFill>
+                  <a:srgbClr val="000000"/>
+                </a:solidFill>
+                <a:latin typeface="Consolas" panose="020B0609020204030204" pitchFamily="49" charset="0"/>
+              </a:rPr>
+              <a:t> n, Point3 </a:t>
+            </a:r>
+            <a:r>
+              <a:rPr lang="en-US" dirty="0">
+                <a:solidFill>
+                  <a:srgbClr val="0000FF"/>
+                </a:solidFill>
+                <a:latin typeface="Consolas" panose="020B0609020204030204" pitchFamily="49" charset="0"/>
+              </a:rPr>
+              <a:t>array</a:t>
+            </a:r>
+            <a:r>
+              <a:rPr lang="en-US" dirty="0">
+                <a:solidFill>
+                  <a:srgbClr val="000000"/>
+                </a:solidFill>
+                <a:latin typeface="Consolas" panose="020B0609020204030204" pitchFamily="49" charset="0"/>
+              </a:rPr>
+              <a:t>[]);</a:t>
             </a:r>
             <a:endParaRPr lang="en-US" dirty="0"/>
-          </a:p>
-        </p:txBody>
-      </p:sp>
-      <p:sp>
-        <p:nvSpPr>
-          <p:cNvPr id="3" name="Content Placeholder 2"/>
-          <p:cNvSpPr>
-            <a:spLocks noGrp="1"/>
-          </p:cNvSpPr>
-          <p:nvPr>
-            <p:ph idx="1"/>
-          </p:nvPr>
-        </p:nvSpPr>
-        <p:spPr/>
-        <p:txBody>
-          <a:bodyPr/>
-          <a:lstStyle/>
-          <a:p>
-            <a:pPr marL="0" indent="0">
-              <a:buNone/>
-            </a:pPr>
-            <a:r>
-              <a:rPr lang="en-US" dirty="0" smtClean="0"/>
-              <a:t>Definitions</a:t>
-            </a:r>
-          </a:p>
-          <a:p>
-            <a:pPr marL="0" indent="0">
-              <a:buNone/>
-            </a:pPr>
-            <a:r>
-              <a:rPr lang="en-US" dirty="0" smtClean="0"/>
-              <a:t>Example</a:t>
-            </a:r>
           </a:p>
         </p:txBody>
       </p:sp>
     </p:spTree>
     <p:extLst>
       <p:ext uri="{BB962C8B-B14F-4D97-AF65-F5344CB8AC3E}">
-        <p14:creationId xmlns:p14="http://schemas.microsoft.com/office/powerpoint/2010/main" val="1136454848"/>
+        <p14:creationId xmlns:p14="http://schemas.microsoft.com/office/powerpoint/2010/main" val="123560890"/>
       </p:ext>
     </p:extLst>
   </p:cSld>
@@ -4681,7 +5441,7 @@
           <a:p>
             <a:r>
               <a:rPr lang="en-US" dirty="0" smtClean="0"/>
-              <a:t>C++ destructors</a:t>
+              <a:t>Constructors, destructors and Operators</a:t>
             </a:r>
             <a:endParaRPr lang="en-US" dirty="0"/>
           </a:p>
@@ -4702,29 +5462,28 @@
           <a:bodyPr/>
           <a:lstStyle/>
           <a:p>
-            <a:pPr marL="0" indent="0">
-              <a:buNone/>
-            </a:pPr>
             <a:r>
               <a:rPr lang="en-US" dirty="0" smtClean="0"/>
-              <a:t>Definitions</a:t>
-            </a:r>
-          </a:p>
-          <a:p>
-            <a:pPr marL="0" indent="0">
-              <a:buNone/>
-            </a:pPr>
+              <a:t>When and why to use it</a:t>
+            </a:r>
+          </a:p>
+          <a:p>
             <a:r>
               <a:rPr lang="en-US" dirty="0" smtClean="0"/>
-              <a:t>Example</a:t>
-            </a:r>
+              <a:t>How we can override default </a:t>
+            </a:r>
+            <a:r>
+              <a:rPr lang="en-US" dirty="0" err="1" smtClean="0"/>
+              <a:t>behaviour</a:t>
+            </a:r>
+            <a:endParaRPr lang="en-US" dirty="0"/>
           </a:p>
         </p:txBody>
       </p:sp>
     </p:spTree>
     <p:extLst>
       <p:ext uri="{BB962C8B-B14F-4D97-AF65-F5344CB8AC3E}">
-        <p14:creationId xmlns:p14="http://schemas.microsoft.com/office/powerpoint/2010/main" val="2626448550"/>
+        <p14:creationId xmlns:p14="http://schemas.microsoft.com/office/powerpoint/2010/main" val="3613436196"/>
       </p:ext>
     </p:extLst>
   </p:cSld>
@@ -4773,7 +5532,7 @@
           <a:p>
             <a:r>
               <a:rPr lang="en-US" dirty="0" smtClean="0"/>
-              <a:t>C++ Operators</a:t>
+              <a:t>C++ Constructors</a:t>
             </a:r>
             <a:endParaRPr lang="en-US" dirty="0"/>
           </a:p>
@@ -4789,12 +5548,7 @@
             <p:ph idx="1"/>
           </p:nvPr>
         </p:nvSpPr>
-        <p:spPr>
-          <a:xfrm>
-            <a:off x="775063" y="2243328"/>
-            <a:ext cx="10649276" cy="4050792"/>
-          </a:xfrm>
-        </p:spPr>
+        <p:spPr/>
         <p:txBody>
           <a:bodyPr/>
           <a:lstStyle/>
@@ -4821,7 +5575,7 @@
     </p:spTree>
     <p:extLst>
       <p:ext uri="{BB962C8B-B14F-4D97-AF65-F5344CB8AC3E}">
-        <p14:creationId xmlns:p14="http://schemas.microsoft.com/office/powerpoint/2010/main" val="3950658789"/>
+        <p14:creationId xmlns:p14="http://schemas.microsoft.com/office/powerpoint/2010/main" val="1136454848"/>
       </p:ext>
     </p:extLst>
   </p:cSld>
@@ -4858,14 +5612,19 @@
             <p:ph type="title"/>
           </p:nvPr>
         </p:nvSpPr>
-        <p:spPr/>
+        <p:spPr>
+          <a:xfrm>
+            <a:off x="478971" y="484632"/>
+            <a:ext cx="11138263" cy="1609344"/>
+          </a:xfrm>
+        </p:spPr>
         <p:txBody>
           <a:bodyPr/>
           <a:lstStyle/>
           <a:p>
             <a:r>
               <a:rPr lang="en-US" dirty="0" smtClean="0"/>
-              <a:t>Static members (methods and fields)</a:t>
+              <a:t>C++ destructors</a:t>
             </a:r>
             <a:endParaRPr lang="en-US" dirty="0"/>
           </a:p>
@@ -4890,7 +5649,7 @@
               <a:buNone/>
             </a:pPr>
             <a:r>
-              <a:rPr lang="en-US" dirty="0"/>
+              <a:rPr lang="en-US" dirty="0" smtClean="0"/>
               <a:t>Definitions</a:t>
             </a:r>
           </a:p>
@@ -4899,19 +5658,16 @@
               <a:buNone/>
             </a:pPr>
             <a:r>
-              <a:rPr lang="en-US" dirty="0"/>
+              <a:rPr lang="en-US" dirty="0" smtClean="0"/>
               <a:t>Example</a:t>
             </a:r>
-          </a:p>
-          <a:p>
-            <a:endParaRPr lang="en-US" dirty="0"/>
           </a:p>
         </p:txBody>
       </p:sp>
     </p:spTree>
     <p:extLst>
       <p:ext uri="{BB962C8B-B14F-4D97-AF65-F5344CB8AC3E}">
-        <p14:creationId xmlns:p14="http://schemas.microsoft.com/office/powerpoint/2010/main" val="3833502452"/>
+        <p14:creationId xmlns:p14="http://schemas.microsoft.com/office/powerpoint/2010/main" val="2626448550"/>
       </p:ext>
     </p:extLst>
   </p:cSld>
@@ -4948,14 +5704,19 @@
             <p:ph type="title"/>
           </p:nvPr>
         </p:nvSpPr>
-        <p:spPr/>
+        <p:spPr>
+          <a:xfrm>
+            <a:off x="478971" y="484632"/>
+            <a:ext cx="11138263" cy="1609344"/>
+          </a:xfrm>
+        </p:spPr>
         <p:txBody>
           <a:bodyPr/>
           <a:lstStyle/>
           <a:p>
             <a:r>
               <a:rPr lang="en-US" dirty="0" smtClean="0"/>
-              <a:t>Refactor Exam to use:</a:t>
+              <a:t>C++ Operators</a:t>
             </a:r>
             <a:endParaRPr lang="en-US" dirty="0"/>
           </a:p>
@@ -4971,59 +5732,39 @@
             <p:ph idx="1"/>
           </p:nvPr>
         </p:nvSpPr>
-        <p:spPr/>
+        <p:spPr>
+          <a:xfrm>
+            <a:off x="775063" y="2243328"/>
+            <a:ext cx="10649276" cy="4050792"/>
+          </a:xfrm>
+        </p:spPr>
         <p:txBody>
           <a:bodyPr/>
           <a:lstStyle/>
           <a:p>
-            <a:endParaRPr lang="en-US" dirty="0" smtClean="0"/>
-          </a:p>
-          <a:p>
+            <a:pPr marL="0" indent="0">
+              <a:buNone/>
+            </a:pPr>
             <a:r>
               <a:rPr lang="en-US" dirty="0" smtClean="0"/>
-              <a:t>Separate .h and .</a:t>
-            </a:r>
-            <a:r>
-              <a:rPr lang="en-US" dirty="0" err="1" smtClean="0"/>
-              <a:t>cpp</a:t>
-            </a:r>
+              <a:t>Definitions</a:t>
+            </a:r>
+          </a:p>
+          <a:p>
+            <a:pPr marL="0" indent="0">
+              <a:buNone/>
+            </a:pPr>
             <a:r>
               <a:rPr lang="en-US" dirty="0" smtClean="0"/>
-              <a:t> files</a:t>
-            </a:r>
-          </a:p>
-          <a:p>
-            <a:r>
-              <a:rPr lang="en-US" dirty="0" err="1" smtClean="0"/>
-              <a:t>CopyConstructors</a:t>
-            </a:r>
-            <a:endParaRPr lang="en-US" dirty="0" smtClean="0"/>
-          </a:p>
-          <a:p>
-            <a:r>
-              <a:rPr lang="en-US" dirty="0" smtClean="0"/>
-              <a:t>Override operator = , - and &lt;&lt;(with and without friend function)</a:t>
-            </a:r>
-          </a:p>
-          <a:p>
-            <a:r>
-              <a:rPr lang="en-US" dirty="0" smtClean="0"/>
-              <a:t>Destructors</a:t>
-            </a:r>
-          </a:p>
-          <a:p>
-            <a:r>
-              <a:rPr lang="en-US" dirty="0" smtClean="0"/>
-              <a:t>Managers with static methods for input, symmetry and output methods</a:t>
-            </a:r>
-            <a:endParaRPr lang="en-US" dirty="0"/>
+              <a:t>Example</a:t>
+            </a:r>
           </a:p>
         </p:txBody>
       </p:sp>
     </p:spTree>
     <p:extLst>
       <p:ext uri="{BB962C8B-B14F-4D97-AF65-F5344CB8AC3E}">
-        <p14:creationId xmlns:p14="http://schemas.microsoft.com/office/powerpoint/2010/main" val="3259570251"/>
+        <p14:creationId xmlns:p14="http://schemas.microsoft.com/office/powerpoint/2010/main" val="3950658789"/>
       </p:ext>
     </p:extLst>
   </p:cSld>
@@ -5060,49 +5801,60 @@
             <p:ph type="title"/>
           </p:nvPr>
         </p:nvSpPr>
-        <p:spPr>
-          <a:xfrm>
-            <a:off x="69669" y="484632"/>
-            <a:ext cx="12122331" cy="1609344"/>
-          </a:xfrm>
-        </p:spPr>
-        <p:txBody>
-          <a:bodyPr>
-            <a:normAutofit/>
-          </a:bodyPr>
-          <a:lstStyle/>
-          <a:p>
-            <a:r>
-              <a:rPr lang="en-US" sz="3600" dirty="0" smtClean="0"/>
-              <a:t>Problem4: Override operator&lt;&lt; (with and without friend function)</a:t>
-            </a:r>
-            <a:endParaRPr lang="en-US" sz="3600" dirty="0"/>
-          </a:p>
-        </p:txBody>
-      </p:sp>
-      <p:sp>
-        <p:nvSpPr>
-          <p:cNvPr id="3" name="Content Placeholder 2"/>
-          <p:cNvSpPr>
-            <a:spLocks noGrp="1"/>
-          </p:cNvSpPr>
-          <p:nvPr>
-            <p:ph idx="1"/>
-          </p:nvPr>
-        </p:nvSpPr>
         <p:spPr/>
         <p:txBody>
           <a:bodyPr/>
           <a:lstStyle/>
           <a:p>
-            <a:endParaRPr lang="en-US"/>
+            <a:r>
+              <a:rPr lang="en-US" dirty="0" smtClean="0"/>
+              <a:t>Static members (methods and fields)</a:t>
+            </a:r>
+            <a:endParaRPr lang="en-US" dirty="0"/>
+          </a:p>
+        </p:txBody>
+      </p:sp>
+      <p:sp>
+        <p:nvSpPr>
+          <p:cNvPr id="3" name="Content Placeholder 2"/>
+          <p:cNvSpPr>
+            <a:spLocks noGrp="1"/>
+          </p:cNvSpPr>
+          <p:nvPr>
+            <p:ph idx="1"/>
+          </p:nvPr>
+        </p:nvSpPr>
+        <p:spPr/>
+        <p:txBody>
+          <a:bodyPr/>
+          <a:lstStyle/>
+          <a:p>
+            <a:pPr marL="0" indent="0">
+              <a:buNone/>
+            </a:pPr>
+            <a:r>
+              <a:rPr lang="en-US" dirty="0"/>
+              <a:t>Definitions</a:t>
+            </a:r>
+          </a:p>
+          <a:p>
+            <a:pPr marL="0" indent="0">
+              <a:buNone/>
+            </a:pPr>
+            <a:r>
+              <a:rPr lang="en-US" dirty="0"/>
+              <a:t>Example</a:t>
+            </a:r>
+          </a:p>
+          <a:p>
+            <a:endParaRPr lang="en-US" dirty="0"/>
           </a:p>
         </p:txBody>
       </p:sp>
     </p:spTree>
     <p:extLst>
       <p:ext uri="{BB962C8B-B14F-4D97-AF65-F5344CB8AC3E}">
-        <p14:creationId xmlns:p14="http://schemas.microsoft.com/office/powerpoint/2010/main" val="3360036759"/>
+        <p14:creationId xmlns:p14="http://schemas.microsoft.com/office/powerpoint/2010/main" val="3833502452"/>
       </p:ext>
     </p:extLst>
   </p:cSld>
@@ -5146,23 +5898,7 @@
           <a:p>
             <a:r>
               <a:rPr lang="en-US" dirty="0" smtClean="0"/>
-              <a:t>Problem5: </a:t>
-            </a:r>
-            <a:r>
-              <a:rPr lang="en-US" dirty="0"/>
-              <a:t>Override </a:t>
-            </a:r>
-            <a:r>
-              <a:rPr lang="en-US" dirty="0" smtClean="0"/>
-              <a:t>operator</a:t>
-            </a:r>
-            <a:r>
-              <a:rPr lang="en-US" dirty="0"/>
-              <a:t>+</a:t>
-            </a:r>
-            <a:r>
-              <a:rPr lang="en-US" dirty="0" smtClean="0"/>
-              <a:t> </a:t>
+              <a:t>Refactor Exam to use:</a:t>
             </a:r>
             <a:endParaRPr lang="en-US" dirty="0"/>
           </a:p>
@@ -5183,14 +5919,54 @@
           <a:bodyPr/>
           <a:lstStyle/>
           <a:p>
-            <a:endParaRPr lang="en-US"/>
+            <a:endParaRPr lang="en-US" dirty="0" smtClean="0"/>
+          </a:p>
+          <a:p>
+            <a:r>
+              <a:rPr lang="en-US" dirty="0" smtClean="0"/>
+              <a:t>Separate .h and .</a:t>
+            </a:r>
+            <a:r>
+              <a:rPr lang="en-US" dirty="0" err="1" smtClean="0"/>
+              <a:t>cpp</a:t>
+            </a:r>
+            <a:r>
+              <a:rPr lang="en-US" dirty="0" smtClean="0"/>
+              <a:t> files</a:t>
+            </a:r>
+          </a:p>
+          <a:p>
+            <a:r>
+              <a:rPr lang="en-US" dirty="0" err="1" smtClean="0"/>
+              <a:t>CopyConstructors</a:t>
+            </a:r>
+            <a:endParaRPr lang="en-US" dirty="0" smtClean="0"/>
+          </a:p>
+          <a:p>
+            <a:r>
+              <a:rPr lang="en-US" dirty="0" smtClean="0"/>
+              <a:t>Override operator = , - and &lt;&lt;(with and without friend function)</a:t>
+            </a:r>
+          </a:p>
+          <a:p>
+            <a:r>
+              <a:rPr lang="en-US" dirty="0" smtClean="0"/>
+              <a:t>Destructors</a:t>
+            </a:r>
+          </a:p>
+          <a:p>
+            <a:r>
+              <a:rPr lang="en-US" dirty="0" smtClean="0"/>
+              <a:t>Managers with static methods for input, symmetry and output methods</a:t>
+            </a:r>
+            <a:endParaRPr lang="en-US" dirty="0"/>
           </a:p>
         </p:txBody>
       </p:sp>
     </p:spTree>
     <p:extLst>
       <p:ext uri="{BB962C8B-B14F-4D97-AF65-F5344CB8AC3E}">
-        <p14:creationId xmlns:p14="http://schemas.microsoft.com/office/powerpoint/2010/main" val="1383791230"/>
+        <p14:creationId xmlns:p14="http://schemas.microsoft.com/office/powerpoint/2010/main" val="3259570251"/>
       </p:ext>
     </p:extLst>
   </p:cSld>
@@ -5227,26 +6003,23 @@
             <p:ph type="title"/>
           </p:nvPr>
         </p:nvSpPr>
-        <p:spPr/>
+        <p:spPr>
+          <a:xfrm>
+            <a:off x="69669" y="484632"/>
+            <a:ext cx="12122331" cy="1609344"/>
+          </a:xfrm>
+        </p:spPr>
         <p:txBody>
           <a:bodyPr>
-            <a:normAutofit fontScale="90000"/>
+            <a:normAutofit/>
           </a:bodyPr>
           <a:lstStyle/>
           <a:p>
             <a:r>
-              <a:rPr lang="en-US" smtClean="0"/>
-              <a:t>Problem5: Refactor </a:t>
-            </a:r>
-            <a:r>
-              <a:rPr lang="en-US" dirty="0" smtClean="0"/>
-              <a:t>Solution to use override operators and Constructors where it is </a:t>
-            </a:r>
-            <a:r>
-              <a:rPr lang="en-US" dirty="0" err="1" smtClean="0"/>
-              <a:t>posible</a:t>
-            </a:r>
-            <a:endParaRPr lang="en-US" dirty="0"/>
+              <a:rPr lang="en-US" sz="3600" dirty="0" smtClean="0"/>
+              <a:t>Problem4: Override operator&lt;&lt; (with and without friend function)</a:t>
+            </a:r>
+            <a:endParaRPr lang="en-US" sz="3600" dirty="0"/>
           </a:p>
         </p:txBody>
       </p:sp>
@@ -5265,14 +6038,102 @@
           <a:bodyPr/>
           <a:lstStyle/>
           <a:p>
-            <a:endParaRPr lang="en-US" dirty="0"/>
+            <a:endParaRPr lang="en-US"/>
           </a:p>
         </p:txBody>
       </p:sp>
     </p:spTree>
     <p:extLst>
       <p:ext uri="{BB962C8B-B14F-4D97-AF65-F5344CB8AC3E}">
-        <p14:creationId xmlns:p14="http://schemas.microsoft.com/office/powerpoint/2010/main" val="1746763090"/>
+        <p14:creationId xmlns:p14="http://schemas.microsoft.com/office/powerpoint/2010/main" val="3360036759"/>
+      </p:ext>
+    </p:extLst>
+  </p:cSld>
+  <p:clrMapOvr>
+    <a:masterClrMapping/>
+  </p:clrMapOvr>
+</p:sld>
+</file>
+
+<file path=ppt/slides/slide19.xml><?xml version="1.0" encoding="utf-8"?>
+<p:sld xmlns:a="http://schemas.openxmlformats.org/drawingml/2006/main" xmlns:r="http://schemas.openxmlformats.org/officeDocument/2006/relationships" xmlns:p="http://schemas.openxmlformats.org/presentationml/2006/main">
+  <p:cSld>
+    <p:spTree>
+      <p:nvGrpSpPr>
+        <p:cNvPr id="1" name=""/>
+        <p:cNvGrpSpPr/>
+        <p:nvPr/>
+      </p:nvGrpSpPr>
+      <p:grpSpPr>
+        <a:xfrm>
+          <a:off x="0" y="0"/>
+          <a:ext cx="0" cy="0"/>
+          <a:chOff x="0" y="0"/>
+          <a:chExt cx="0" cy="0"/>
+        </a:xfrm>
+      </p:grpSpPr>
+      <p:sp>
+        <p:nvSpPr>
+          <p:cNvPr id="2" name="Title 1"/>
+          <p:cNvSpPr>
+            <a:spLocks noGrp="1"/>
+          </p:cNvSpPr>
+          <p:nvPr>
+            <p:ph type="title"/>
+          </p:nvPr>
+        </p:nvSpPr>
+        <p:spPr/>
+        <p:txBody>
+          <a:bodyPr/>
+          <a:lstStyle/>
+          <a:p>
+            <a:r>
+              <a:rPr lang="en-US" dirty="0" smtClean="0"/>
+              <a:t>Problem5: </a:t>
+            </a:r>
+            <a:r>
+              <a:rPr lang="en-US" dirty="0"/>
+              <a:t>Override </a:t>
+            </a:r>
+            <a:r>
+              <a:rPr lang="en-US" dirty="0" smtClean="0"/>
+              <a:t>operator</a:t>
+            </a:r>
+            <a:r>
+              <a:rPr lang="en-US" dirty="0"/>
+              <a:t>+</a:t>
+            </a:r>
+            <a:r>
+              <a:rPr lang="en-US" dirty="0" smtClean="0"/>
+              <a:t> </a:t>
+            </a:r>
+            <a:endParaRPr lang="en-US" dirty="0"/>
+          </a:p>
+        </p:txBody>
+      </p:sp>
+      <p:sp>
+        <p:nvSpPr>
+          <p:cNvPr id="3" name="Content Placeholder 2"/>
+          <p:cNvSpPr>
+            <a:spLocks noGrp="1"/>
+          </p:cNvSpPr>
+          <p:nvPr>
+            <p:ph idx="1"/>
+          </p:nvPr>
+        </p:nvSpPr>
+        <p:spPr/>
+        <p:txBody>
+          <a:bodyPr/>
+          <a:lstStyle/>
+          <a:p>
+            <a:endParaRPr lang="en-US"/>
+          </a:p>
+        </p:txBody>
+      </p:sp>
+    </p:spTree>
+    <p:extLst>
+      <p:ext uri="{BB962C8B-B14F-4D97-AF65-F5344CB8AC3E}">
+        <p14:creationId xmlns:p14="http://schemas.microsoft.com/office/powerpoint/2010/main" val="1383791230"/>
       </p:ext>
     </p:extLst>
   </p:cSld>
@@ -5299,6 +6160,36 @@
           <a:chExt cx="0" cy="0"/>
         </a:xfrm>
       </p:grpSpPr>
+      <p:pic>
+        <p:nvPicPr>
+          <p:cNvPr id="5" name="Picture 4"/>
+          <p:cNvPicPr>
+            <a:picLocks noChangeAspect="1"/>
+          </p:cNvPicPr>
+          <p:nvPr/>
+        </p:nvPicPr>
+        <p:blipFill>
+          <a:blip r:embed="rId3">
+            <a:extLst>
+              <a:ext uri="{28A0092B-C50C-407E-A947-70E740481C1C}">
+                <a14:useLocalDpi xmlns:a14="http://schemas.microsoft.com/office/drawing/2010/main" val="0"/>
+              </a:ext>
+            </a:extLst>
+          </a:blip>
+          <a:stretch>
+            <a:fillRect/>
+          </a:stretch>
+        </p:blipFill>
+        <p:spPr>
+          <a:xfrm>
+            <a:off x="0" y="0"/>
+            <a:ext cx="12192000" cy="6858000"/>
+          </a:xfrm>
+          <a:prstGeom prst="rect">
+            <a:avLst/>
+          </a:prstGeom>
+        </p:spPr>
+      </p:pic>
       <p:sp>
         <p:nvSpPr>
           <p:cNvPr id="2" name="Title 1"/>
@@ -5306,517 +6197,107 @@
             <a:spLocks noGrp="1"/>
           </p:cNvSpPr>
           <p:nvPr>
-            <p:ph type="title"/>
-          </p:nvPr>
-        </p:nvSpPr>
-        <p:spPr/>
+            <p:ph type="ctrTitle"/>
+          </p:nvPr>
+        </p:nvSpPr>
+        <p:spPr>
+          <a:xfrm>
+            <a:off x="560070" y="1406097"/>
+            <a:ext cx="11631930" cy="3035808"/>
+          </a:xfrm>
+        </p:spPr>
         <p:txBody>
           <a:bodyPr/>
           <a:lstStyle/>
           <a:p>
             <a:r>
-              <a:rPr lang="en-US" dirty="0" smtClean="0"/>
-              <a:t>Solution:</a:t>
-            </a:r>
-            <a:endParaRPr lang="en-US" dirty="0"/>
-          </a:p>
-        </p:txBody>
-      </p:sp>
-      <p:sp>
-        <p:nvSpPr>
-          <p:cNvPr id="3" name="Content Placeholder 2"/>
-          <p:cNvSpPr>
-            <a:spLocks noGrp="1"/>
-          </p:cNvSpPr>
-          <p:nvPr>
-            <p:ph idx="1"/>
-          </p:nvPr>
-        </p:nvSpPr>
-        <p:spPr/>
+              <a:rPr lang="en-US" sz="6000" dirty="0">
+                <a:solidFill>
+                  <a:schemeClr val="bg1"/>
+                </a:solidFill>
+              </a:rPr>
+              <a:t>Exercise </a:t>
+            </a:r>
+            <a:r>
+              <a:rPr lang="en-US" sz="6000" dirty="0" smtClean="0">
+                <a:solidFill>
+                  <a:schemeClr val="bg1"/>
+                </a:solidFill>
+              </a:rPr>
+              <a:t>3(</a:t>
+            </a:r>
+            <a:r>
+              <a:rPr lang="en-US" sz="7200" dirty="0" smtClean="0">
+                <a:solidFill>
+                  <a:schemeClr val="bg1"/>
+                </a:solidFill>
+              </a:rPr>
+              <a:t>Continue</a:t>
+            </a:r>
+            <a:r>
+              <a:rPr lang="en-US" sz="6000" dirty="0" smtClean="0">
+                <a:solidFill>
+                  <a:schemeClr val="bg1"/>
+                </a:solidFill>
+              </a:rPr>
+              <a:t>): </a:t>
+            </a:r>
+            <a:r>
+              <a:rPr lang="en-US" sz="6000" dirty="0">
+                <a:solidFill>
+                  <a:schemeClr val="bg1"/>
+                </a:solidFill>
+              </a:rPr>
+              <a:t>C++ Streams</a:t>
+            </a:r>
+          </a:p>
+        </p:txBody>
+      </p:sp>
+      <p:sp>
+        <p:nvSpPr>
+          <p:cNvPr id="3" name="Subtitle 2"/>
+          <p:cNvSpPr>
+            <a:spLocks noGrp="1"/>
+          </p:cNvSpPr>
+          <p:nvPr>
+            <p:ph type="subTitle" idx="1"/>
+          </p:nvPr>
+        </p:nvSpPr>
+        <p:spPr>
+          <a:xfrm>
+            <a:off x="731519" y="4639589"/>
+            <a:ext cx="10676709" cy="2075848"/>
+          </a:xfrm>
+        </p:spPr>
         <p:txBody>
           <a:bodyPr>
-            <a:normAutofit fontScale="92500" lnSpcReduction="20000"/>
+            <a:normAutofit/>
           </a:bodyPr>
           <a:lstStyle/>
           <a:p>
-            <a:pPr marL="0" indent="0">
-              <a:buNone/>
+            <a:pPr marL="457200" indent="-457200">
+              <a:buFontTx/>
+              <a:buChar char="-"/>
             </a:pPr>
-            <a:r>
-              <a:rPr lang="en-US" dirty="0">
-                <a:solidFill>
-                  <a:srgbClr val="008000"/>
-                </a:solidFill>
-                <a:latin typeface="Consolas" panose="020B0609020204030204" pitchFamily="49" charset="0"/>
-              </a:rPr>
-              <a:t>//A)</a:t>
-            </a:r>
-            <a:endParaRPr lang="en-US" dirty="0">
-              <a:solidFill>
-                <a:srgbClr val="000000"/>
-              </a:solidFill>
-              <a:latin typeface="Consolas" panose="020B0609020204030204" pitchFamily="49" charset="0"/>
-            </a:endParaRPr>
-          </a:p>
-          <a:p>
-            <a:pPr marL="0" indent="0">
-              <a:buNone/>
+            <a:endParaRPr lang="en-US" sz="2600" dirty="0" smtClean="0"/>
+          </a:p>
+          <a:p>
+            <a:pPr marL="457200" indent="-457200">
+              <a:buFontTx/>
+              <a:buChar char="-"/>
             </a:pPr>
             <a:r>
-              <a:rPr lang="en-US" dirty="0" err="1">
-                <a:solidFill>
-                  <a:srgbClr val="2B91AF"/>
-                </a:solidFill>
-                <a:latin typeface="Consolas" panose="020B0609020204030204" pitchFamily="49" charset="0"/>
-              </a:rPr>
-              <a:t>ofstream</a:t>
-            </a:r>
-            <a:r>
-              <a:rPr lang="en-US" dirty="0">
-                <a:solidFill>
-                  <a:srgbClr val="000000"/>
-                </a:solidFill>
-                <a:latin typeface="Consolas" panose="020B0609020204030204" pitchFamily="49" charset="0"/>
-              </a:rPr>
-              <a:t> </a:t>
-            </a:r>
-            <a:r>
-              <a:rPr lang="en-US" dirty="0" err="1">
-                <a:solidFill>
-                  <a:srgbClr val="000000"/>
-                </a:solidFill>
-                <a:latin typeface="Consolas" panose="020B0609020204030204" pitchFamily="49" charset="0"/>
-              </a:rPr>
-              <a:t>myfile</a:t>
-            </a:r>
-            <a:r>
-              <a:rPr lang="en-US" dirty="0">
-                <a:solidFill>
-                  <a:srgbClr val="000000"/>
-                </a:solidFill>
-                <a:latin typeface="Consolas" panose="020B0609020204030204" pitchFamily="49" charset="0"/>
-              </a:rPr>
-              <a:t>; </a:t>
-            </a:r>
-            <a:r>
-              <a:rPr lang="en-US" dirty="0">
-                <a:solidFill>
-                  <a:srgbClr val="008000"/>
-                </a:solidFill>
-                <a:latin typeface="Consolas" panose="020B0609020204030204" pitchFamily="49" charset="0"/>
-              </a:rPr>
-              <a:t>// Static or on the stack</a:t>
-            </a:r>
-            <a:endParaRPr lang="en-US" dirty="0">
-              <a:solidFill>
-                <a:srgbClr val="000000"/>
-              </a:solidFill>
-              <a:latin typeface="Consolas" panose="020B0609020204030204" pitchFamily="49" charset="0"/>
-            </a:endParaRPr>
-          </a:p>
-          <a:p>
-            <a:pPr marL="0" indent="0">
-              <a:buNone/>
-            </a:pPr>
-            <a:r>
-              <a:rPr lang="en-US" dirty="0" err="1">
-                <a:solidFill>
-                  <a:srgbClr val="000000"/>
-                </a:solidFill>
-                <a:latin typeface="Consolas" panose="020B0609020204030204" pitchFamily="49" charset="0"/>
-              </a:rPr>
-              <a:t>myfile.open</a:t>
-            </a:r>
-            <a:r>
-              <a:rPr lang="en-US" dirty="0">
-                <a:solidFill>
-                  <a:srgbClr val="000000"/>
-                </a:solidFill>
-                <a:latin typeface="Consolas" panose="020B0609020204030204" pitchFamily="49" charset="0"/>
-              </a:rPr>
-              <a:t>(</a:t>
-            </a:r>
-            <a:r>
-              <a:rPr lang="en-US" dirty="0">
-                <a:solidFill>
-                  <a:srgbClr val="A31515"/>
-                </a:solidFill>
-                <a:latin typeface="Consolas" panose="020B0609020204030204" pitchFamily="49" charset="0"/>
-              </a:rPr>
-              <a:t>"myFirstFile.txt"</a:t>
-            </a:r>
-            <a:r>
-              <a:rPr lang="en-US" dirty="0">
-                <a:solidFill>
-                  <a:srgbClr val="000000"/>
-                </a:solidFill>
-                <a:latin typeface="Consolas" panose="020B0609020204030204" pitchFamily="49" charset="0"/>
-              </a:rPr>
-              <a:t>);</a:t>
-            </a:r>
-          </a:p>
-          <a:p>
-            <a:pPr marL="0" indent="0">
-              <a:buNone/>
-            </a:pPr>
-            <a:r>
-              <a:rPr lang="en-US" dirty="0" err="1">
-                <a:solidFill>
-                  <a:srgbClr val="000000"/>
-                </a:solidFill>
-                <a:latin typeface="Consolas" panose="020B0609020204030204" pitchFamily="49" charset="0"/>
-              </a:rPr>
-              <a:t>myfile</a:t>
-            </a:r>
-            <a:r>
-              <a:rPr lang="en-US" dirty="0">
-                <a:solidFill>
-                  <a:srgbClr val="000000"/>
-                </a:solidFill>
-                <a:latin typeface="Consolas" panose="020B0609020204030204" pitchFamily="49" charset="0"/>
-              </a:rPr>
-              <a:t> </a:t>
-            </a:r>
-            <a:r>
-              <a:rPr lang="en-US" dirty="0">
-                <a:solidFill>
-                  <a:srgbClr val="008080"/>
-                </a:solidFill>
-                <a:latin typeface="Consolas" panose="020B0609020204030204" pitchFamily="49" charset="0"/>
-              </a:rPr>
-              <a:t>&lt;&lt;</a:t>
-            </a:r>
-            <a:r>
-              <a:rPr lang="en-US" dirty="0">
-                <a:solidFill>
-                  <a:srgbClr val="000000"/>
-                </a:solidFill>
-                <a:latin typeface="Consolas" panose="020B0609020204030204" pitchFamily="49" charset="0"/>
-              </a:rPr>
-              <a:t> </a:t>
-            </a:r>
-            <a:r>
-              <a:rPr lang="en-US" dirty="0">
-                <a:solidFill>
-                  <a:srgbClr val="A31515"/>
-                </a:solidFill>
-                <a:latin typeface="Consolas" panose="020B0609020204030204" pitchFamily="49" charset="0"/>
-              </a:rPr>
-              <a:t>"Hello stream.\n"</a:t>
-            </a:r>
-            <a:r>
-              <a:rPr lang="en-US" dirty="0">
-                <a:solidFill>
-                  <a:srgbClr val="000000"/>
-                </a:solidFill>
-                <a:latin typeface="Consolas" panose="020B0609020204030204" pitchFamily="49" charset="0"/>
-              </a:rPr>
-              <a:t>;</a:t>
-            </a:r>
-          </a:p>
-          <a:p>
-            <a:pPr marL="0" indent="0">
-              <a:buNone/>
-            </a:pPr>
-            <a:r>
-              <a:rPr lang="en-US" dirty="0" err="1">
-                <a:solidFill>
-                  <a:srgbClr val="000000"/>
-                </a:solidFill>
-                <a:latin typeface="Consolas" panose="020B0609020204030204" pitchFamily="49" charset="0"/>
-              </a:rPr>
-              <a:t>myfile.close</a:t>
-            </a:r>
-            <a:r>
-              <a:rPr lang="en-US" dirty="0">
-                <a:solidFill>
-                  <a:srgbClr val="000000"/>
-                </a:solidFill>
-                <a:latin typeface="Consolas" panose="020B0609020204030204" pitchFamily="49" charset="0"/>
-              </a:rPr>
-              <a:t>();</a:t>
-            </a:r>
-          </a:p>
-          <a:p>
-            <a:pPr marL="0" indent="0">
-              <a:buNone/>
-            </a:pPr>
-            <a:endParaRPr lang="en-US" dirty="0">
-              <a:solidFill>
-                <a:srgbClr val="000000"/>
-              </a:solidFill>
-              <a:latin typeface="Consolas" panose="020B0609020204030204" pitchFamily="49" charset="0"/>
-            </a:endParaRPr>
-          </a:p>
-          <a:p>
-            <a:pPr marL="0" indent="0">
-              <a:buNone/>
-            </a:pPr>
-            <a:r>
-              <a:rPr lang="en-US" dirty="0">
-                <a:solidFill>
-                  <a:srgbClr val="008000"/>
-                </a:solidFill>
-                <a:latin typeface="Consolas" panose="020B0609020204030204" pitchFamily="49" charset="0"/>
-              </a:rPr>
-              <a:t>//B)</a:t>
-            </a:r>
-            <a:endParaRPr lang="en-US" dirty="0">
-              <a:solidFill>
-                <a:srgbClr val="000000"/>
-              </a:solidFill>
-              <a:latin typeface="Consolas" panose="020B0609020204030204" pitchFamily="49" charset="0"/>
-            </a:endParaRPr>
-          </a:p>
-          <a:p>
-            <a:pPr marL="0" indent="0">
-              <a:buNone/>
-            </a:pPr>
-            <a:r>
-              <a:rPr lang="en-US" dirty="0" err="1">
-                <a:solidFill>
-                  <a:srgbClr val="2B91AF"/>
-                </a:solidFill>
-                <a:latin typeface="Consolas" panose="020B0609020204030204" pitchFamily="49" charset="0"/>
-              </a:rPr>
-              <a:t>ofstream</a:t>
-            </a:r>
-            <a:r>
-              <a:rPr lang="en-US" dirty="0">
-                <a:solidFill>
-                  <a:srgbClr val="000000"/>
-                </a:solidFill>
-                <a:latin typeface="Consolas" panose="020B0609020204030204" pitchFamily="49" charset="0"/>
-              </a:rPr>
-              <a:t>* </a:t>
-            </a:r>
-            <a:r>
-              <a:rPr lang="en-US" dirty="0" err="1">
-                <a:solidFill>
-                  <a:srgbClr val="000000"/>
-                </a:solidFill>
-                <a:latin typeface="Consolas" panose="020B0609020204030204" pitchFamily="49" charset="0"/>
-              </a:rPr>
-              <a:t>pMyFile</a:t>
-            </a:r>
-            <a:r>
-              <a:rPr lang="en-US" dirty="0">
-                <a:solidFill>
-                  <a:srgbClr val="000000"/>
-                </a:solidFill>
-                <a:latin typeface="Consolas" panose="020B0609020204030204" pitchFamily="49" charset="0"/>
-              </a:rPr>
-              <a:t> = </a:t>
-            </a:r>
-            <a:r>
-              <a:rPr lang="en-US" dirty="0">
-                <a:solidFill>
-                  <a:srgbClr val="0000FF"/>
-                </a:solidFill>
-                <a:latin typeface="Consolas" panose="020B0609020204030204" pitchFamily="49" charset="0"/>
-              </a:rPr>
-              <a:t>new</a:t>
-            </a:r>
-            <a:r>
-              <a:rPr lang="en-US" dirty="0">
-                <a:solidFill>
-                  <a:srgbClr val="000000"/>
-                </a:solidFill>
-                <a:latin typeface="Consolas" panose="020B0609020204030204" pitchFamily="49" charset="0"/>
-              </a:rPr>
-              <a:t> </a:t>
-            </a:r>
-            <a:r>
-              <a:rPr lang="en-US" dirty="0" err="1">
-                <a:solidFill>
-                  <a:srgbClr val="2B91AF"/>
-                </a:solidFill>
-                <a:latin typeface="Consolas" panose="020B0609020204030204" pitchFamily="49" charset="0"/>
-              </a:rPr>
-              <a:t>ofstream</a:t>
-            </a:r>
-            <a:r>
-              <a:rPr lang="en-US" dirty="0">
-                <a:solidFill>
-                  <a:srgbClr val="000000"/>
-                </a:solidFill>
-                <a:latin typeface="Consolas" panose="020B0609020204030204" pitchFamily="49" charset="0"/>
-              </a:rPr>
-              <a:t>; </a:t>
-            </a:r>
-            <a:r>
-              <a:rPr lang="en-US" dirty="0">
-                <a:solidFill>
-                  <a:srgbClr val="008000"/>
-                </a:solidFill>
-                <a:latin typeface="Consolas" panose="020B0609020204030204" pitchFamily="49" charset="0"/>
-              </a:rPr>
-              <a:t>// On the heap</a:t>
-            </a:r>
-            <a:endParaRPr lang="en-US" dirty="0">
-              <a:solidFill>
-                <a:srgbClr val="000000"/>
-              </a:solidFill>
-              <a:latin typeface="Consolas" panose="020B0609020204030204" pitchFamily="49" charset="0"/>
-            </a:endParaRPr>
-          </a:p>
-          <a:p>
-            <a:pPr marL="0" indent="0">
-              <a:buNone/>
-            </a:pPr>
-            <a:r>
-              <a:rPr lang="en-US" dirty="0" err="1">
-                <a:solidFill>
-                  <a:srgbClr val="000000"/>
-                </a:solidFill>
-                <a:latin typeface="Consolas" panose="020B0609020204030204" pitchFamily="49" charset="0"/>
-              </a:rPr>
-              <a:t>pMyFile</a:t>
-            </a:r>
-            <a:r>
-              <a:rPr lang="en-US" dirty="0">
-                <a:solidFill>
-                  <a:srgbClr val="000000"/>
-                </a:solidFill>
-                <a:latin typeface="Consolas" panose="020B0609020204030204" pitchFamily="49" charset="0"/>
-              </a:rPr>
-              <a:t>-&gt;open(</a:t>
-            </a:r>
-            <a:r>
-              <a:rPr lang="en-US" dirty="0">
-                <a:solidFill>
-                  <a:srgbClr val="A31515"/>
-                </a:solidFill>
-                <a:latin typeface="Consolas" panose="020B0609020204030204" pitchFamily="49" charset="0"/>
-              </a:rPr>
-              <a:t>"</a:t>
-            </a:r>
-            <a:r>
-              <a:rPr lang="en-US" dirty="0" smtClean="0">
-                <a:solidFill>
-                  <a:srgbClr val="A31515"/>
-                </a:solidFill>
-                <a:latin typeface="Consolas" panose="020B0609020204030204" pitchFamily="49" charset="0"/>
-              </a:rPr>
-              <a:t>myFirstFile.txt</a:t>
-            </a:r>
-            <a:r>
-              <a:rPr lang="en-US" dirty="0">
-                <a:solidFill>
-                  <a:srgbClr val="A31515"/>
-                </a:solidFill>
-                <a:latin typeface="Consolas" panose="020B0609020204030204" pitchFamily="49" charset="0"/>
-              </a:rPr>
-              <a:t>"</a:t>
-            </a:r>
-            <a:r>
-              <a:rPr lang="en-US" dirty="0">
-                <a:solidFill>
-                  <a:srgbClr val="000000"/>
-                </a:solidFill>
-                <a:latin typeface="Consolas" panose="020B0609020204030204" pitchFamily="49" charset="0"/>
-              </a:rPr>
-              <a:t>);</a:t>
-            </a:r>
-          </a:p>
-          <a:p>
-            <a:pPr marL="0" indent="0">
-              <a:buNone/>
-            </a:pPr>
-            <a:r>
-              <a:rPr lang="en-US" dirty="0">
-                <a:solidFill>
-                  <a:srgbClr val="000000"/>
-                </a:solidFill>
-                <a:latin typeface="Consolas" panose="020B0609020204030204" pitchFamily="49" charset="0"/>
-              </a:rPr>
-              <a:t>*</a:t>
-            </a:r>
-            <a:r>
-              <a:rPr lang="en-US" dirty="0" err="1">
-                <a:solidFill>
-                  <a:srgbClr val="000000"/>
-                </a:solidFill>
-                <a:latin typeface="Consolas" panose="020B0609020204030204" pitchFamily="49" charset="0"/>
-              </a:rPr>
-              <a:t>pMyFile</a:t>
-            </a:r>
-            <a:r>
-              <a:rPr lang="en-US" dirty="0">
-                <a:solidFill>
-                  <a:srgbClr val="000000"/>
-                </a:solidFill>
-                <a:latin typeface="Consolas" panose="020B0609020204030204" pitchFamily="49" charset="0"/>
-              </a:rPr>
-              <a:t> </a:t>
-            </a:r>
-            <a:r>
-              <a:rPr lang="en-US" dirty="0">
-                <a:solidFill>
-                  <a:srgbClr val="008080"/>
-                </a:solidFill>
-                <a:latin typeface="Consolas" panose="020B0609020204030204" pitchFamily="49" charset="0"/>
-              </a:rPr>
-              <a:t>&lt;&lt;</a:t>
-            </a:r>
-            <a:r>
-              <a:rPr lang="en-US" dirty="0">
-                <a:solidFill>
-                  <a:srgbClr val="000000"/>
-                </a:solidFill>
-                <a:latin typeface="Consolas" panose="020B0609020204030204" pitchFamily="49" charset="0"/>
-              </a:rPr>
-              <a:t> </a:t>
-            </a:r>
-            <a:r>
-              <a:rPr lang="en-US" dirty="0">
-                <a:solidFill>
-                  <a:srgbClr val="A31515"/>
-                </a:solidFill>
-                <a:latin typeface="Consolas" panose="020B0609020204030204" pitchFamily="49" charset="0"/>
-              </a:rPr>
-              <a:t>"Hello stream.\n"</a:t>
-            </a:r>
-            <a:r>
-              <a:rPr lang="en-US" dirty="0">
-                <a:solidFill>
-                  <a:srgbClr val="000000"/>
-                </a:solidFill>
-                <a:latin typeface="Consolas" panose="020B0609020204030204" pitchFamily="49" charset="0"/>
-              </a:rPr>
-              <a:t>;</a:t>
-            </a:r>
-          </a:p>
-          <a:p>
-            <a:pPr marL="0" indent="0">
-              <a:buNone/>
-            </a:pPr>
-            <a:r>
-              <a:rPr lang="en-US" dirty="0" err="1">
-                <a:solidFill>
-                  <a:srgbClr val="000000"/>
-                </a:solidFill>
-                <a:latin typeface="Consolas" panose="020B0609020204030204" pitchFamily="49" charset="0"/>
-              </a:rPr>
-              <a:t>pMyFile</a:t>
-            </a:r>
-            <a:r>
-              <a:rPr lang="en-US" dirty="0">
-                <a:solidFill>
-                  <a:srgbClr val="000000"/>
-                </a:solidFill>
-                <a:latin typeface="Consolas" panose="020B0609020204030204" pitchFamily="49" charset="0"/>
-              </a:rPr>
-              <a:t>-&gt;close();</a:t>
-            </a:r>
-            <a:endParaRPr lang="en-US" dirty="0"/>
+              <a:rPr lang="en-US" dirty="0" smtClean="0"/>
+              <a:t>‘</a:t>
+            </a:r>
+            <a:endParaRPr lang="en-US" sz="1800" i="1" u="sng" dirty="0"/>
           </a:p>
         </p:txBody>
       </p:sp>
     </p:spTree>
     <p:extLst>
       <p:ext uri="{BB962C8B-B14F-4D97-AF65-F5344CB8AC3E}">
-        <p14:creationId xmlns:p14="http://schemas.microsoft.com/office/powerpoint/2010/main" val="4076030398"/>
+        <p14:creationId xmlns:p14="http://schemas.microsoft.com/office/powerpoint/2010/main" val="1691936236"/>
       </p:ext>
     </p:extLst>
   </p:cSld>
@@ -5830,6 +6311,88 @@
       </p:par>
     </p:tnLst>
   </p:timing>
+</p:sld>
+</file>
+
+<file path=ppt/slides/slide20.xml><?xml version="1.0" encoding="utf-8"?>
+<p:sld xmlns:a="http://schemas.openxmlformats.org/drawingml/2006/main" xmlns:r="http://schemas.openxmlformats.org/officeDocument/2006/relationships" xmlns:p="http://schemas.openxmlformats.org/presentationml/2006/main">
+  <p:cSld>
+    <p:spTree>
+      <p:nvGrpSpPr>
+        <p:cNvPr id="1" name=""/>
+        <p:cNvGrpSpPr/>
+        <p:nvPr/>
+      </p:nvGrpSpPr>
+      <p:grpSpPr>
+        <a:xfrm>
+          <a:off x="0" y="0"/>
+          <a:ext cx="0" cy="0"/>
+          <a:chOff x="0" y="0"/>
+          <a:chExt cx="0" cy="0"/>
+        </a:xfrm>
+      </p:grpSpPr>
+      <p:sp>
+        <p:nvSpPr>
+          <p:cNvPr id="2" name="Title 1"/>
+          <p:cNvSpPr>
+            <a:spLocks noGrp="1"/>
+          </p:cNvSpPr>
+          <p:nvPr>
+            <p:ph type="title"/>
+          </p:nvPr>
+        </p:nvSpPr>
+        <p:spPr/>
+        <p:txBody>
+          <a:bodyPr>
+            <a:normAutofit fontScale="90000"/>
+          </a:bodyPr>
+          <a:lstStyle/>
+          <a:p>
+            <a:r>
+              <a:rPr lang="en-US" smtClean="0"/>
+              <a:t>Problem5: Refactor </a:t>
+            </a:r>
+            <a:r>
+              <a:rPr lang="en-US" dirty="0" smtClean="0"/>
+              <a:t>Solution to use override operators and Constructors where it is </a:t>
+            </a:r>
+            <a:r>
+              <a:rPr lang="en-US" dirty="0" err="1" smtClean="0"/>
+              <a:t>posible</a:t>
+            </a:r>
+            <a:endParaRPr lang="en-US" dirty="0"/>
+          </a:p>
+        </p:txBody>
+      </p:sp>
+      <p:sp>
+        <p:nvSpPr>
+          <p:cNvPr id="3" name="Content Placeholder 2"/>
+          <p:cNvSpPr>
+            <a:spLocks noGrp="1"/>
+          </p:cNvSpPr>
+          <p:nvPr>
+            <p:ph idx="1"/>
+          </p:nvPr>
+        </p:nvSpPr>
+        <p:spPr/>
+        <p:txBody>
+          <a:bodyPr/>
+          <a:lstStyle/>
+          <a:p>
+            <a:endParaRPr lang="en-US" dirty="0"/>
+          </a:p>
+        </p:txBody>
+      </p:sp>
+    </p:spTree>
+    <p:extLst>
+      <p:ext uri="{BB962C8B-B14F-4D97-AF65-F5344CB8AC3E}">
+        <p14:creationId xmlns:p14="http://schemas.microsoft.com/office/powerpoint/2010/main" val="1746763090"/>
+      </p:ext>
+    </p:extLst>
+  </p:cSld>
+  <p:clrMapOvr>
+    <a:masterClrMapping/>
+  </p:clrMapOvr>
 </p:sld>
 </file>
 
@@ -5862,8 +6425,77 @@
         </p:nvSpPr>
         <p:spPr>
           <a:xfrm>
-            <a:off x="354330" y="484632"/>
-            <a:ext cx="11532870" cy="1609344"/>
+            <a:off x="494212" y="420951"/>
+            <a:ext cx="11290118" cy="2630859"/>
+          </a:xfrm>
+        </p:spPr>
+        <p:txBody>
+          <a:bodyPr>
+            <a:normAutofit fontScale="90000"/>
+          </a:bodyPr>
+          <a:lstStyle/>
+          <a:p>
+            <a:r>
+              <a:rPr lang="en-US" sz="4400" dirty="0" smtClean="0"/>
+              <a:t>Problem 1: </a:t>
+            </a:r>
+            <a:r>
+              <a:rPr lang="en-US" sz="4400" dirty="0"/>
+              <a:t>Use stream object to write “HELLO STREAM” in </a:t>
+            </a:r>
+            <a:r>
+              <a:rPr lang="en-US" sz="4400" dirty="0" smtClean="0"/>
+              <a:t>“myFistsFile.txt” file</a:t>
+            </a:r>
+            <a:br>
+              <a:rPr lang="en-US" sz="4400" dirty="0" smtClean="0"/>
+            </a:br>
+            <a:r>
+              <a:rPr lang="en-US" sz="4400" dirty="0" smtClean="0"/>
+              <a:t>A) using Stack for stream object</a:t>
+            </a:r>
+            <a:br>
+              <a:rPr lang="en-US" sz="4400" dirty="0" smtClean="0"/>
+            </a:br>
+            <a:r>
+              <a:rPr lang="en-US" sz="4400" dirty="0" smtClean="0"/>
+              <a:t>B) using Heap (Dynamically) for stream object</a:t>
+            </a:r>
+            <a:r>
+              <a:rPr lang="en-US" dirty="0" smtClean="0">
+                <a:solidFill>
+                  <a:srgbClr val="000000"/>
+                </a:solidFill>
+                <a:latin typeface="Segoe UI" panose="020B0502040204020203" pitchFamily="34" charset="0"/>
+              </a:rPr>
+              <a:t/>
+            </a:r>
+            <a:br>
+              <a:rPr lang="en-US" dirty="0" smtClean="0">
+                <a:solidFill>
+                  <a:srgbClr val="000000"/>
+                </a:solidFill>
+                <a:latin typeface="Segoe UI" panose="020B0502040204020203" pitchFamily="34" charset="0"/>
+              </a:rPr>
+            </a:br>
+            <a:endParaRPr lang="en-US" dirty="0"/>
+          </a:p>
+        </p:txBody>
+      </p:sp>
+      <p:sp>
+        <p:nvSpPr>
+          <p:cNvPr id="3" name="Content Placeholder 2"/>
+          <p:cNvSpPr>
+            <a:spLocks noGrp="1"/>
+          </p:cNvSpPr>
+          <p:nvPr>
+            <p:ph idx="1"/>
+          </p:nvPr>
+        </p:nvSpPr>
+        <p:spPr>
+          <a:xfrm>
+            <a:off x="252549" y="3634740"/>
+            <a:ext cx="10875699" cy="2975066"/>
           </a:xfrm>
         </p:spPr>
         <p:txBody>
@@ -5872,43 +6504,22 @@
           </a:bodyPr>
           <a:lstStyle/>
           <a:p>
-            <a:r>
-              <a:rPr lang="en-US" sz="4400" dirty="0" smtClean="0"/>
-              <a:t>Problem2: Modify solution to Write “Hello Stream” Twice Using Flags to append</a:t>
-            </a:r>
-            <a:endParaRPr lang="en-US" sz="4400" dirty="0"/>
-          </a:p>
-        </p:txBody>
-      </p:sp>
-      <p:sp>
-        <p:nvSpPr>
-          <p:cNvPr id="3" name="Content Placeholder 2"/>
-          <p:cNvSpPr>
-            <a:spLocks noGrp="1"/>
-          </p:cNvSpPr>
-          <p:nvPr>
-            <p:ph idx="1"/>
-          </p:nvPr>
-        </p:nvSpPr>
-        <p:spPr/>
-        <p:txBody>
-          <a:bodyPr/>
-          <a:lstStyle/>
-          <a:p>
             <a:pPr marL="0" indent="0">
               <a:buNone/>
             </a:pPr>
-            <a:endParaRPr lang="en-US" dirty="0" smtClean="0"/>
-          </a:p>
-          <a:p>
-            <a:endParaRPr lang="en-US" dirty="0"/>
+            <a:endParaRPr lang="en-US" sz="3200" dirty="0" smtClean="0">
+              <a:solidFill>
+                <a:srgbClr val="0000FF"/>
+              </a:solidFill>
+              <a:latin typeface="Consolas" panose="020B0609020204030204" pitchFamily="49" charset="0"/>
+            </a:endParaRPr>
           </a:p>
         </p:txBody>
       </p:sp>
     </p:spTree>
     <p:extLst>
       <p:ext uri="{BB962C8B-B14F-4D97-AF65-F5344CB8AC3E}">
-        <p14:creationId xmlns:p14="http://schemas.microsoft.com/office/powerpoint/2010/main" val="2212994101"/>
+        <p14:creationId xmlns:p14="http://schemas.microsoft.com/office/powerpoint/2010/main" val="4218710207"/>
       </p:ext>
     </p:extLst>
   </p:cSld>
@@ -5952,53 +6563,35 @@
             <p:ph type="title"/>
           </p:nvPr>
         </p:nvSpPr>
-        <p:spPr>
-          <a:xfrm>
-            <a:off x="1069848" y="484632"/>
-            <a:ext cx="10817352" cy="1609344"/>
-          </a:xfrm>
-        </p:spPr>
+        <p:spPr/>
+        <p:txBody>
+          <a:bodyPr/>
+          <a:lstStyle/>
+          <a:p>
+            <a:r>
+              <a:rPr lang="en-US" dirty="0" smtClean="0"/>
+              <a:t>Solution:</a:t>
+            </a:r>
+            <a:endParaRPr lang="en-US" dirty="0"/>
+          </a:p>
+        </p:txBody>
+      </p:sp>
+      <p:sp>
+        <p:nvSpPr>
+          <p:cNvPr id="3" name="Content Placeholder 2"/>
+          <p:cNvSpPr>
+            <a:spLocks noGrp="1"/>
+          </p:cNvSpPr>
+          <p:nvPr>
+            <p:ph idx="1"/>
+          </p:nvPr>
+        </p:nvSpPr>
+        <p:spPr/>
         <p:txBody>
           <a:bodyPr>
-            <a:normAutofit/>
+            <a:normAutofit fontScale="92500" lnSpcReduction="20000"/>
           </a:bodyPr>
           <a:lstStyle/>
-          <a:p>
-            <a:r>
-              <a:rPr lang="en-US" sz="4400" dirty="0" smtClean="0"/>
-              <a:t>Solution:</a:t>
-            </a:r>
-            <a:endParaRPr lang="en-US" sz="4400" dirty="0"/>
-          </a:p>
-        </p:txBody>
-      </p:sp>
-      <p:sp>
-        <p:nvSpPr>
-          <p:cNvPr id="3" name="Content Placeholder 2"/>
-          <p:cNvSpPr>
-            <a:spLocks noGrp="1"/>
-          </p:cNvSpPr>
-          <p:nvPr>
-            <p:ph idx="1"/>
-          </p:nvPr>
-        </p:nvSpPr>
-        <p:spPr>
-          <a:xfrm>
-            <a:off x="1069848" y="2121408"/>
-            <a:ext cx="10337292" cy="4050792"/>
-          </a:xfrm>
-        </p:spPr>
-        <p:txBody>
-          <a:bodyPr>
-            <a:normAutofit fontScale="85000" lnSpcReduction="20000"/>
-          </a:bodyPr>
-          <a:lstStyle/>
-          <a:p>
-            <a:pPr marL="0" indent="0">
-              <a:buNone/>
-            </a:pPr>
-            <a:endParaRPr lang="en-US" dirty="0" smtClean="0"/>
-          </a:p>
           <a:p>
             <a:pPr marL="0" indent="0">
               <a:buNone/>
@@ -6350,86 +6943,35 @@
                 </a:solidFill>
                 <a:latin typeface="Consolas" panose="020B0609020204030204" pitchFamily="49" charset="0"/>
               </a:rPr>
-              <a:t>"myFirstFile.txt"</a:t>
-            </a:r>
-            <a:r>
-              <a:rPr lang="en-US" dirty="0">
-                <a:solidFill>
-                  <a:srgbClr val="000000"/>
-                </a:solidFill>
-                <a:latin typeface="Consolas" panose="020B0609020204030204" pitchFamily="49" charset="0"/>
-              </a:rPr>
-              <a:t>, </a:t>
-            </a:r>
-            <a:r>
-              <a:rPr lang="en-US" dirty="0" err="1">
-                <a:solidFill>
-                  <a:srgbClr val="2B91AF"/>
-                </a:solidFill>
-                <a:latin typeface="Consolas" panose="020B0609020204030204" pitchFamily="49" charset="0"/>
-              </a:rPr>
-              <a:t>ios</a:t>
-            </a:r>
-            <a:r>
-              <a:rPr lang="en-US" dirty="0">
-                <a:solidFill>
-                  <a:srgbClr val="000000"/>
-                </a:solidFill>
-                <a:latin typeface="Consolas" panose="020B0609020204030204" pitchFamily="49" charset="0"/>
-              </a:rPr>
-              <a:t>::app</a:t>
+              <a:t>"</a:t>
             </a:r>
             <a:r>
               <a:rPr lang="en-US" dirty="0" smtClean="0">
                 <a:solidFill>
-                  <a:srgbClr val="000000"/>
-                </a:solidFill>
-                <a:latin typeface="Consolas" panose="020B0609020204030204" pitchFamily="49" charset="0"/>
-              </a:rPr>
-              <a:t>); </a:t>
-            </a:r>
-            <a:r>
-              <a:rPr lang="en-US" dirty="0">
-                <a:solidFill>
-                  <a:srgbClr val="008000"/>
-                </a:solidFill>
-                <a:latin typeface="Consolas" panose="020B0609020204030204" pitchFamily="49" charset="0"/>
-              </a:rPr>
-              <a:t>// using </a:t>
-            </a:r>
-            <a:r>
-              <a:rPr lang="en-US" dirty="0" smtClean="0">
-                <a:solidFill>
-                  <a:srgbClr val="008000"/>
-                </a:solidFill>
-                <a:latin typeface="Consolas" panose="020B0609020204030204" pitchFamily="49" charset="0"/>
-              </a:rPr>
-              <a:t>flag </a:t>
-            </a:r>
-            <a:r>
-              <a:rPr lang="en-US" dirty="0" err="1" smtClean="0">
-                <a:solidFill>
-                  <a:srgbClr val="008000"/>
-                </a:solidFill>
-                <a:latin typeface="Consolas" panose="020B0609020204030204" pitchFamily="49" charset="0"/>
-              </a:rPr>
-              <a:t>ios</a:t>
-            </a:r>
-            <a:r>
-              <a:rPr lang="en-US" dirty="0" smtClean="0">
-                <a:solidFill>
-                  <a:srgbClr val="008000"/>
-                </a:solidFill>
-                <a:latin typeface="Consolas" panose="020B0609020204030204" pitchFamily="49" charset="0"/>
-              </a:rPr>
-              <a:t>::app to indicate append</a:t>
-            </a:r>
-            <a:endParaRPr lang="en-US" dirty="0">
-              <a:solidFill>
-                <a:srgbClr val="008000"/>
-              </a:solidFill>
-              <a:latin typeface="Consolas" panose="020B0609020204030204" pitchFamily="49" charset="0"/>
-            </a:endParaRPr>
+                  <a:srgbClr val="A31515"/>
+                </a:solidFill>
+                <a:latin typeface="Consolas" panose="020B0609020204030204" pitchFamily="49" charset="0"/>
+              </a:rPr>
+              <a:t>myFirstFile.txt</a:t>
+            </a:r>
+            <a:r>
+              <a:rPr lang="en-US" dirty="0">
+                <a:solidFill>
+                  <a:srgbClr val="A31515"/>
+                </a:solidFill>
+                <a:latin typeface="Consolas" panose="020B0609020204030204" pitchFamily="49" charset="0"/>
+              </a:rPr>
+              <a:t>"</a:t>
+            </a:r>
+            <a:r>
+              <a:rPr lang="en-US" dirty="0">
+                <a:solidFill>
+                  <a:srgbClr val="000000"/>
+                </a:solidFill>
+                <a:latin typeface="Consolas" panose="020B0609020204030204" pitchFamily="49" charset="0"/>
+              </a:rPr>
+              <a:t>);</a:t>
+            </a:r>
           </a:p>
           <a:p>
             <a:pPr marL="0" indent="0">
@@ -6528,7 +7070,7 @@
     </p:spTree>
     <p:extLst>
       <p:ext uri="{BB962C8B-B14F-4D97-AF65-F5344CB8AC3E}">
-        <p14:creationId xmlns:p14="http://schemas.microsoft.com/office/powerpoint/2010/main" val="2165756878"/>
+        <p14:creationId xmlns:p14="http://schemas.microsoft.com/office/powerpoint/2010/main" val="4076030398"/>
       </p:ext>
     </p:extLst>
   </p:cSld>
@@ -6572,49 +7114,55 @@
             <p:ph type="title"/>
           </p:nvPr>
         </p:nvSpPr>
+        <p:spPr>
+          <a:xfrm>
+            <a:off x="354330" y="484632"/>
+            <a:ext cx="11532870" cy="1609344"/>
+          </a:xfrm>
+        </p:spPr>
+        <p:txBody>
+          <a:bodyPr>
+            <a:normAutofit/>
+          </a:bodyPr>
+          <a:lstStyle/>
+          <a:p>
+            <a:r>
+              <a:rPr lang="en-US" sz="4400" dirty="0" smtClean="0"/>
+              <a:t>Problem2: Modify solution to Write “Hello Stream” Twice Using Flags to append</a:t>
+            </a:r>
+            <a:endParaRPr lang="en-US" sz="4400" dirty="0"/>
+          </a:p>
+        </p:txBody>
+      </p:sp>
+      <p:sp>
+        <p:nvSpPr>
+          <p:cNvPr id="3" name="Content Placeholder 2"/>
+          <p:cNvSpPr>
+            <a:spLocks noGrp="1"/>
+          </p:cNvSpPr>
+          <p:nvPr>
+            <p:ph idx="1"/>
+          </p:nvPr>
+        </p:nvSpPr>
         <p:spPr/>
         <p:txBody>
           <a:bodyPr/>
           <a:lstStyle/>
           <a:p>
-            <a:r>
-              <a:rPr lang="en-US" dirty="0" smtClean="0"/>
-              <a:t>Problem3: Write Program which read</a:t>
-            </a:r>
-            <a:br>
-              <a:rPr lang="en-US" dirty="0" smtClean="0"/>
-            </a:br>
-            <a:r>
-              <a:rPr lang="en-US" dirty="0" smtClean="0"/>
-              <a:t>added text from “myFirstFile.txt”</a:t>
-            </a:r>
+            <a:pPr marL="0" indent="0">
+              <a:buNone/>
+            </a:pPr>
+            <a:endParaRPr lang="en-US" dirty="0" smtClean="0"/>
+          </a:p>
+          <a:p>
             <a:endParaRPr lang="en-US" dirty="0"/>
-          </a:p>
-        </p:txBody>
-      </p:sp>
-      <p:sp>
-        <p:nvSpPr>
-          <p:cNvPr id="3" name="Content Placeholder 2"/>
-          <p:cNvSpPr>
-            <a:spLocks noGrp="1"/>
-          </p:cNvSpPr>
-          <p:nvPr>
-            <p:ph idx="1"/>
-          </p:nvPr>
-        </p:nvSpPr>
-        <p:spPr/>
-        <p:txBody>
-          <a:bodyPr/>
-          <a:lstStyle/>
-          <a:p>
-            <a:endParaRPr lang="en-US"/>
           </a:p>
         </p:txBody>
       </p:sp>
     </p:spTree>
     <p:extLst>
       <p:ext uri="{BB962C8B-B14F-4D97-AF65-F5344CB8AC3E}">
-        <p14:creationId xmlns:p14="http://schemas.microsoft.com/office/powerpoint/2010/main" val="1513184570"/>
+        <p14:creationId xmlns:p14="http://schemas.microsoft.com/office/powerpoint/2010/main" val="2212994101"/>
       </p:ext>
     </p:extLst>
   </p:cSld>
@@ -6660,78 +7208,581 @@
         </p:nvSpPr>
         <p:spPr>
           <a:xfrm>
-            <a:off x="569323" y="1799953"/>
-            <a:ext cx="11212830" cy="2263139"/>
+            <a:off x="1069848" y="484632"/>
+            <a:ext cx="10817352" cy="1609344"/>
           </a:xfrm>
         </p:spPr>
         <p:txBody>
           <a:bodyPr>
-            <a:noAutofit/>
+            <a:normAutofit/>
           </a:bodyPr>
           <a:lstStyle/>
           <a:p>
             <a:r>
-              <a:rPr lang="en-US" sz="4400" i="1" dirty="0"/>
-              <a:t/>
-            </a:r>
-            <a:br>
-              <a:rPr lang="en-US" sz="4400" i="1" dirty="0"/>
-            </a:br>
-            <a:r>
-              <a:rPr lang="en-US" sz="4400" i="1" dirty="0" smtClean="0"/>
-              <a:t>Homework:</a:t>
-            </a:r>
-            <a:br>
-              <a:rPr lang="en-US" sz="4400" i="1" dirty="0" smtClean="0"/>
-            </a:br>
-            <a:r>
-              <a:rPr lang="en-US" sz="4400" i="1" dirty="0" smtClean="0"/>
-              <a:t/>
-            </a:r>
-            <a:br>
-              <a:rPr lang="en-US" sz="4400" i="1" dirty="0" smtClean="0"/>
-            </a:br>
-            <a:r>
-              <a:rPr lang="en-US" sz="4400" i="1" dirty="0" smtClean="0"/>
-              <a:t>Problem3:  Use Person Class (from previous exercise) and Save Person objects to “persons.txt” File</a:t>
-            </a:r>
-            <a:br>
-              <a:rPr lang="en-US" sz="4400" i="1" dirty="0" smtClean="0"/>
-            </a:br>
-            <a:r>
-              <a:rPr lang="en-US" sz="4400" i="1" dirty="0" smtClean="0"/>
-              <a:t/>
-            </a:r>
-            <a:br>
-              <a:rPr lang="en-US" sz="4400" i="1" dirty="0" smtClean="0"/>
-            </a:br>
-            <a:r>
-              <a:rPr lang="en-US" sz="4400" i="1" dirty="0" smtClean="0"/>
-              <a:t>Problem4:  Read from “persons.txt” </a:t>
-            </a:r>
-            <a:r>
-              <a:rPr lang="en-US" sz="4400" i="1" dirty="0" err="1" smtClean="0"/>
-              <a:t>aNd</a:t>
-            </a:r>
-            <a:r>
-              <a:rPr lang="en-US" sz="4400" i="1" dirty="0" smtClean="0"/>
-              <a:t> Write to standard Output Every Person you read</a:t>
-            </a:r>
-            <a:br>
-              <a:rPr lang="en-US" sz="4400" i="1" dirty="0" smtClean="0"/>
-            </a:br>
-            <a:r>
-              <a:rPr lang="en-US" sz="4400" i="1" dirty="0" smtClean="0"/>
-              <a:t>with some custom IOS::flags</a:t>
-            </a:r>
-            <a:endParaRPr lang="en-US" sz="4400" i="1" dirty="0"/>
+              <a:rPr lang="en-US" sz="4400" dirty="0" smtClean="0"/>
+              <a:t>Solution:</a:t>
+            </a:r>
+            <a:endParaRPr lang="en-US" sz="4400" dirty="0"/>
+          </a:p>
+        </p:txBody>
+      </p:sp>
+      <p:sp>
+        <p:nvSpPr>
+          <p:cNvPr id="3" name="Content Placeholder 2"/>
+          <p:cNvSpPr>
+            <a:spLocks noGrp="1"/>
+          </p:cNvSpPr>
+          <p:nvPr>
+            <p:ph idx="1"/>
+          </p:nvPr>
+        </p:nvSpPr>
+        <p:spPr>
+          <a:xfrm>
+            <a:off x="1069848" y="2121408"/>
+            <a:ext cx="10337292" cy="4050792"/>
+          </a:xfrm>
+        </p:spPr>
+        <p:txBody>
+          <a:bodyPr>
+            <a:normAutofit fontScale="85000" lnSpcReduction="20000"/>
+          </a:bodyPr>
+          <a:lstStyle/>
+          <a:p>
+            <a:pPr marL="0" indent="0">
+              <a:buNone/>
+            </a:pPr>
+            <a:endParaRPr lang="en-US" dirty="0" smtClean="0"/>
+          </a:p>
+          <a:p>
+            <a:pPr marL="0" indent="0">
+              <a:buNone/>
+            </a:pPr>
+            <a:r>
+              <a:rPr lang="en-US" dirty="0">
+                <a:solidFill>
+                  <a:srgbClr val="008000"/>
+                </a:solidFill>
+                <a:latin typeface="Consolas" panose="020B0609020204030204" pitchFamily="49" charset="0"/>
+              </a:rPr>
+              <a:t>//A)</a:t>
+            </a:r>
+            <a:endParaRPr lang="en-US" dirty="0">
+              <a:solidFill>
+                <a:srgbClr val="000000"/>
+              </a:solidFill>
+              <a:latin typeface="Consolas" panose="020B0609020204030204" pitchFamily="49" charset="0"/>
+            </a:endParaRPr>
+          </a:p>
+          <a:p>
+            <a:pPr marL="0" indent="0">
+              <a:buNone/>
+            </a:pPr>
+            <a:r>
+              <a:rPr lang="en-US" dirty="0" err="1">
+                <a:solidFill>
+                  <a:srgbClr val="2B91AF"/>
+                </a:solidFill>
+                <a:latin typeface="Consolas" panose="020B0609020204030204" pitchFamily="49" charset="0"/>
+              </a:rPr>
+              <a:t>ofstream</a:t>
+            </a:r>
+            <a:r>
+              <a:rPr lang="en-US" dirty="0">
+                <a:solidFill>
+                  <a:srgbClr val="000000"/>
+                </a:solidFill>
+                <a:latin typeface="Consolas" panose="020B0609020204030204" pitchFamily="49" charset="0"/>
+              </a:rPr>
+              <a:t> </a:t>
+            </a:r>
+            <a:r>
+              <a:rPr lang="en-US" dirty="0" err="1">
+                <a:solidFill>
+                  <a:srgbClr val="000000"/>
+                </a:solidFill>
+                <a:latin typeface="Consolas" panose="020B0609020204030204" pitchFamily="49" charset="0"/>
+              </a:rPr>
+              <a:t>myfile</a:t>
+            </a:r>
+            <a:r>
+              <a:rPr lang="en-US" dirty="0">
+                <a:solidFill>
+                  <a:srgbClr val="000000"/>
+                </a:solidFill>
+                <a:latin typeface="Consolas" panose="020B0609020204030204" pitchFamily="49" charset="0"/>
+              </a:rPr>
+              <a:t>; </a:t>
+            </a:r>
+            <a:r>
+              <a:rPr lang="en-US" dirty="0">
+                <a:solidFill>
+                  <a:srgbClr val="008000"/>
+                </a:solidFill>
+                <a:latin typeface="Consolas" panose="020B0609020204030204" pitchFamily="49" charset="0"/>
+              </a:rPr>
+              <a:t>// Static or on the stack</a:t>
+            </a:r>
+            <a:endParaRPr lang="en-US" dirty="0">
+              <a:solidFill>
+                <a:srgbClr val="000000"/>
+              </a:solidFill>
+              <a:latin typeface="Consolas" panose="020B0609020204030204" pitchFamily="49" charset="0"/>
+            </a:endParaRPr>
+          </a:p>
+          <a:p>
+            <a:pPr marL="0" indent="0">
+              <a:buNone/>
+            </a:pPr>
+            <a:r>
+              <a:rPr lang="en-US" dirty="0" err="1">
+                <a:solidFill>
+                  <a:srgbClr val="000000"/>
+                </a:solidFill>
+                <a:latin typeface="Consolas" panose="020B0609020204030204" pitchFamily="49" charset="0"/>
+              </a:rPr>
+              <a:t>myfile.open</a:t>
+            </a:r>
+            <a:r>
+              <a:rPr lang="en-US" dirty="0">
+                <a:solidFill>
+                  <a:srgbClr val="000000"/>
+                </a:solidFill>
+                <a:latin typeface="Consolas" panose="020B0609020204030204" pitchFamily="49" charset="0"/>
+              </a:rPr>
+              <a:t>(</a:t>
+            </a:r>
+            <a:r>
+              <a:rPr lang="en-US" dirty="0">
+                <a:solidFill>
+                  <a:srgbClr val="A31515"/>
+                </a:solidFill>
+                <a:latin typeface="Consolas" panose="020B0609020204030204" pitchFamily="49" charset="0"/>
+              </a:rPr>
+              <a:t>"myFirstFile.txt"</a:t>
+            </a:r>
+            <a:r>
+              <a:rPr lang="en-US" dirty="0">
+                <a:solidFill>
+                  <a:srgbClr val="000000"/>
+                </a:solidFill>
+                <a:latin typeface="Consolas" panose="020B0609020204030204" pitchFamily="49" charset="0"/>
+              </a:rPr>
+              <a:t>);</a:t>
+            </a:r>
+          </a:p>
+          <a:p>
+            <a:pPr marL="0" indent="0">
+              <a:buNone/>
+            </a:pPr>
+            <a:r>
+              <a:rPr lang="en-US" dirty="0" err="1">
+                <a:solidFill>
+                  <a:srgbClr val="000000"/>
+                </a:solidFill>
+                <a:latin typeface="Consolas" panose="020B0609020204030204" pitchFamily="49" charset="0"/>
+              </a:rPr>
+              <a:t>myfile</a:t>
+            </a:r>
+            <a:r>
+              <a:rPr lang="en-US" dirty="0">
+                <a:solidFill>
+                  <a:srgbClr val="000000"/>
+                </a:solidFill>
+                <a:latin typeface="Consolas" panose="020B0609020204030204" pitchFamily="49" charset="0"/>
+              </a:rPr>
+              <a:t> </a:t>
+            </a:r>
+            <a:r>
+              <a:rPr lang="en-US" dirty="0">
+                <a:solidFill>
+                  <a:srgbClr val="008080"/>
+                </a:solidFill>
+                <a:latin typeface="Consolas" panose="020B0609020204030204" pitchFamily="49" charset="0"/>
+              </a:rPr>
+              <a:t>&lt;&lt;</a:t>
+            </a:r>
+            <a:r>
+              <a:rPr lang="en-US" dirty="0">
+                <a:solidFill>
+                  <a:srgbClr val="000000"/>
+                </a:solidFill>
+                <a:latin typeface="Consolas" panose="020B0609020204030204" pitchFamily="49" charset="0"/>
+              </a:rPr>
+              <a:t> </a:t>
+            </a:r>
+            <a:r>
+              <a:rPr lang="en-US" dirty="0">
+                <a:solidFill>
+                  <a:srgbClr val="A31515"/>
+                </a:solidFill>
+                <a:latin typeface="Consolas" panose="020B0609020204030204" pitchFamily="49" charset="0"/>
+              </a:rPr>
+              <a:t>"Hello stream.\n"</a:t>
+            </a:r>
+            <a:r>
+              <a:rPr lang="en-US" dirty="0">
+                <a:solidFill>
+                  <a:srgbClr val="000000"/>
+                </a:solidFill>
+                <a:latin typeface="Consolas" panose="020B0609020204030204" pitchFamily="49" charset="0"/>
+              </a:rPr>
+              <a:t>;</a:t>
+            </a:r>
+          </a:p>
+          <a:p>
+            <a:pPr marL="0" indent="0">
+              <a:buNone/>
+            </a:pPr>
+            <a:r>
+              <a:rPr lang="en-US" dirty="0" err="1">
+                <a:solidFill>
+                  <a:srgbClr val="000000"/>
+                </a:solidFill>
+                <a:latin typeface="Consolas" panose="020B0609020204030204" pitchFamily="49" charset="0"/>
+              </a:rPr>
+              <a:t>myfile.close</a:t>
+            </a:r>
+            <a:r>
+              <a:rPr lang="en-US" dirty="0">
+                <a:solidFill>
+                  <a:srgbClr val="000000"/>
+                </a:solidFill>
+                <a:latin typeface="Consolas" panose="020B0609020204030204" pitchFamily="49" charset="0"/>
+              </a:rPr>
+              <a:t>();</a:t>
+            </a:r>
+          </a:p>
+          <a:p>
+            <a:pPr marL="0" indent="0">
+              <a:buNone/>
+            </a:pPr>
+            <a:endParaRPr lang="en-US" dirty="0">
+              <a:solidFill>
+                <a:srgbClr val="000000"/>
+              </a:solidFill>
+              <a:latin typeface="Consolas" panose="020B0609020204030204" pitchFamily="49" charset="0"/>
+            </a:endParaRPr>
+          </a:p>
+          <a:p>
+            <a:pPr marL="0" indent="0">
+              <a:buNone/>
+            </a:pPr>
+            <a:r>
+              <a:rPr lang="en-US" dirty="0">
+                <a:solidFill>
+                  <a:srgbClr val="008000"/>
+                </a:solidFill>
+                <a:latin typeface="Consolas" panose="020B0609020204030204" pitchFamily="49" charset="0"/>
+              </a:rPr>
+              <a:t>//B)</a:t>
+            </a:r>
+            <a:endParaRPr lang="en-US" dirty="0">
+              <a:solidFill>
+                <a:srgbClr val="000000"/>
+              </a:solidFill>
+              <a:latin typeface="Consolas" panose="020B0609020204030204" pitchFamily="49" charset="0"/>
+            </a:endParaRPr>
+          </a:p>
+          <a:p>
+            <a:pPr marL="0" indent="0">
+              <a:buNone/>
+            </a:pPr>
+            <a:r>
+              <a:rPr lang="en-US" dirty="0" err="1">
+                <a:solidFill>
+                  <a:srgbClr val="2B91AF"/>
+                </a:solidFill>
+                <a:latin typeface="Consolas" panose="020B0609020204030204" pitchFamily="49" charset="0"/>
+              </a:rPr>
+              <a:t>ofstream</a:t>
+            </a:r>
+            <a:r>
+              <a:rPr lang="en-US" dirty="0">
+                <a:solidFill>
+                  <a:srgbClr val="000000"/>
+                </a:solidFill>
+                <a:latin typeface="Consolas" panose="020B0609020204030204" pitchFamily="49" charset="0"/>
+              </a:rPr>
+              <a:t>* </a:t>
+            </a:r>
+            <a:r>
+              <a:rPr lang="en-US" dirty="0" err="1">
+                <a:solidFill>
+                  <a:srgbClr val="000000"/>
+                </a:solidFill>
+                <a:latin typeface="Consolas" panose="020B0609020204030204" pitchFamily="49" charset="0"/>
+              </a:rPr>
+              <a:t>pMyFile</a:t>
+            </a:r>
+            <a:r>
+              <a:rPr lang="en-US" dirty="0">
+                <a:solidFill>
+                  <a:srgbClr val="000000"/>
+                </a:solidFill>
+                <a:latin typeface="Consolas" panose="020B0609020204030204" pitchFamily="49" charset="0"/>
+              </a:rPr>
+              <a:t> = </a:t>
+            </a:r>
+            <a:r>
+              <a:rPr lang="en-US" dirty="0">
+                <a:solidFill>
+                  <a:srgbClr val="0000FF"/>
+                </a:solidFill>
+                <a:latin typeface="Consolas" panose="020B0609020204030204" pitchFamily="49" charset="0"/>
+              </a:rPr>
+              <a:t>new</a:t>
+            </a:r>
+            <a:r>
+              <a:rPr lang="en-US" dirty="0">
+                <a:solidFill>
+                  <a:srgbClr val="000000"/>
+                </a:solidFill>
+                <a:latin typeface="Consolas" panose="020B0609020204030204" pitchFamily="49" charset="0"/>
+              </a:rPr>
+              <a:t> </a:t>
+            </a:r>
+            <a:r>
+              <a:rPr lang="en-US" dirty="0" err="1">
+                <a:solidFill>
+                  <a:srgbClr val="2B91AF"/>
+                </a:solidFill>
+                <a:latin typeface="Consolas" panose="020B0609020204030204" pitchFamily="49" charset="0"/>
+              </a:rPr>
+              <a:t>ofstream</a:t>
+            </a:r>
+            <a:r>
+              <a:rPr lang="en-US" dirty="0">
+                <a:solidFill>
+                  <a:srgbClr val="000000"/>
+                </a:solidFill>
+                <a:latin typeface="Consolas" panose="020B0609020204030204" pitchFamily="49" charset="0"/>
+              </a:rPr>
+              <a:t>; </a:t>
+            </a:r>
+            <a:r>
+              <a:rPr lang="en-US" dirty="0">
+                <a:solidFill>
+                  <a:srgbClr val="008000"/>
+                </a:solidFill>
+                <a:latin typeface="Consolas" panose="020B0609020204030204" pitchFamily="49" charset="0"/>
+              </a:rPr>
+              <a:t>// On the heap</a:t>
+            </a:r>
+            <a:endParaRPr lang="en-US" dirty="0">
+              <a:solidFill>
+                <a:srgbClr val="000000"/>
+              </a:solidFill>
+              <a:latin typeface="Consolas" panose="020B0609020204030204" pitchFamily="49" charset="0"/>
+            </a:endParaRPr>
+          </a:p>
+          <a:p>
+            <a:pPr marL="0" indent="0">
+              <a:buNone/>
+            </a:pPr>
+            <a:r>
+              <a:rPr lang="en-US" dirty="0" err="1">
+                <a:solidFill>
+                  <a:srgbClr val="000000"/>
+                </a:solidFill>
+                <a:latin typeface="Consolas" panose="020B0609020204030204" pitchFamily="49" charset="0"/>
+              </a:rPr>
+              <a:t>pMyFile</a:t>
+            </a:r>
+            <a:r>
+              <a:rPr lang="en-US" dirty="0">
+                <a:solidFill>
+                  <a:srgbClr val="000000"/>
+                </a:solidFill>
+                <a:latin typeface="Consolas" panose="020B0609020204030204" pitchFamily="49" charset="0"/>
+              </a:rPr>
+              <a:t>-&gt;open(</a:t>
+            </a:r>
+            <a:r>
+              <a:rPr lang="en-US" dirty="0">
+                <a:solidFill>
+                  <a:srgbClr val="A31515"/>
+                </a:solidFill>
+                <a:latin typeface="Consolas" panose="020B0609020204030204" pitchFamily="49" charset="0"/>
+              </a:rPr>
+              <a:t>"myFirstFile.txt"</a:t>
+            </a:r>
+            <a:r>
+              <a:rPr lang="en-US" dirty="0">
+                <a:solidFill>
+                  <a:srgbClr val="000000"/>
+                </a:solidFill>
+                <a:latin typeface="Consolas" panose="020B0609020204030204" pitchFamily="49" charset="0"/>
+              </a:rPr>
+              <a:t>, </a:t>
+            </a:r>
+            <a:r>
+              <a:rPr lang="en-US" dirty="0" err="1">
+                <a:solidFill>
+                  <a:srgbClr val="2B91AF"/>
+                </a:solidFill>
+                <a:latin typeface="Consolas" panose="020B0609020204030204" pitchFamily="49" charset="0"/>
+              </a:rPr>
+              <a:t>ios</a:t>
+            </a:r>
+            <a:r>
+              <a:rPr lang="en-US" dirty="0">
+                <a:solidFill>
+                  <a:srgbClr val="000000"/>
+                </a:solidFill>
+                <a:latin typeface="Consolas" panose="020B0609020204030204" pitchFamily="49" charset="0"/>
+              </a:rPr>
+              <a:t>::app</a:t>
+            </a:r>
+            <a:r>
+              <a:rPr lang="en-US" dirty="0" smtClean="0">
+                <a:solidFill>
+                  <a:srgbClr val="000000"/>
+                </a:solidFill>
+                <a:latin typeface="Consolas" panose="020B0609020204030204" pitchFamily="49" charset="0"/>
+              </a:rPr>
+              <a:t>); </a:t>
+            </a:r>
+            <a:r>
+              <a:rPr lang="en-US" dirty="0">
+                <a:solidFill>
+                  <a:srgbClr val="008000"/>
+                </a:solidFill>
+                <a:latin typeface="Consolas" panose="020B0609020204030204" pitchFamily="49" charset="0"/>
+              </a:rPr>
+              <a:t>// using </a:t>
+            </a:r>
+            <a:r>
+              <a:rPr lang="en-US" dirty="0" smtClean="0">
+                <a:solidFill>
+                  <a:srgbClr val="008000"/>
+                </a:solidFill>
+                <a:latin typeface="Consolas" panose="020B0609020204030204" pitchFamily="49" charset="0"/>
+              </a:rPr>
+              <a:t>flag </a:t>
+            </a:r>
+            <a:r>
+              <a:rPr lang="en-US" dirty="0" err="1" smtClean="0">
+                <a:solidFill>
+                  <a:srgbClr val="008000"/>
+                </a:solidFill>
+                <a:latin typeface="Consolas" panose="020B0609020204030204" pitchFamily="49" charset="0"/>
+              </a:rPr>
+              <a:t>ios</a:t>
+            </a:r>
+            <a:r>
+              <a:rPr lang="en-US" dirty="0" smtClean="0">
+                <a:solidFill>
+                  <a:srgbClr val="008000"/>
+                </a:solidFill>
+                <a:latin typeface="Consolas" panose="020B0609020204030204" pitchFamily="49" charset="0"/>
+              </a:rPr>
+              <a:t>::app to indicate append</a:t>
+            </a:r>
+            <a:endParaRPr lang="en-US" dirty="0">
+              <a:solidFill>
+                <a:srgbClr val="008000"/>
+              </a:solidFill>
+              <a:latin typeface="Consolas" panose="020B0609020204030204" pitchFamily="49" charset="0"/>
+            </a:endParaRPr>
+          </a:p>
+          <a:p>
+            <a:pPr marL="0" indent="0">
+              <a:buNone/>
+            </a:pPr>
+            <a:r>
+              <a:rPr lang="en-US" dirty="0">
+                <a:solidFill>
+                  <a:srgbClr val="000000"/>
+                </a:solidFill>
+                <a:latin typeface="Consolas" panose="020B0609020204030204" pitchFamily="49" charset="0"/>
+              </a:rPr>
+              <a:t>*</a:t>
+            </a:r>
+            <a:r>
+              <a:rPr lang="en-US" dirty="0" err="1">
+                <a:solidFill>
+                  <a:srgbClr val="000000"/>
+                </a:solidFill>
+                <a:latin typeface="Consolas" panose="020B0609020204030204" pitchFamily="49" charset="0"/>
+              </a:rPr>
+              <a:t>pMyFile</a:t>
+            </a:r>
+            <a:r>
+              <a:rPr lang="en-US" dirty="0">
+                <a:solidFill>
+                  <a:srgbClr val="000000"/>
+                </a:solidFill>
+                <a:latin typeface="Consolas" panose="020B0609020204030204" pitchFamily="49" charset="0"/>
+              </a:rPr>
+              <a:t> </a:t>
+            </a:r>
+            <a:r>
+              <a:rPr lang="en-US" dirty="0">
+                <a:solidFill>
+                  <a:srgbClr val="008080"/>
+                </a:solidFill>
+                <a:latin typeface="Consolas" panose="020B0609020204030204" pitchFamily="49" charset="0"/>
+              </a:rPr>
+              <a:t>&lt;&lt;</a:t>
+            </a:r>
+            <a:r>
+              <a:rPr lang="en-US" dirty="0">
+                <a:solidFill>
+                  <a:srgbClr val="000000"/>
+                </a:solidFill>
+                <a:latin typeface="Consolas" panose="020B0609020204030204" pitchFamily="49" charset="0"/>
+              </a:rPr>
+              <a:t> </a:t>
+            </a:r>
+            <a:r>
+              <a:rPr lang="en-US" dirty="0">
+                <a:solidFill>
+                  <a:srgbClr val="A31515"/>
+                </a:solidFill>
+                <a:latin typeface="Consolas" panose="020B0609020204030204" pitchFamily="49" charset="0"/>
+              </a:rPr>
+              <a:t>"Hello stream.\n"</a:t>
+            </a:r>
+            <a:r>
+              <a:rPr lang="en-US" dirty="0">
+                <a:solidFill>
+                  <a:srgbClr val="000000"/>
+                </a:solidFill>
+                <a:latin typeface="Consolas" panose="020B0609020204030204" pitchFamily="49" charset="0"/>
+              </a:rPr>
+              <a:t>;</a:t>
+            </a:r>
+          </a:p>
+          <a:p>
+            <a:pPr marL="0" indent="0">
+              <a:buNone/>
+            </a:pPr>
+            <a:r>
+              <a:rPr lang="en-US" dirty="0" err="1">
+                <a:solidFill>
+                  <a:srgbClr val="000000"/>
+                </a:solidFill>
+                <a:latin typeface="Consolas" panose="020B0609020204030204" pitchFamily="49" charset="0"/>
+              </a:rPr>
+              <a:t>pMyFile</a:t>
+            </a:r>
+            <a:r>
+              <a:rPr lang="en-US" dirty="0">
+                <a:solidFill>
+                  <a:srgbClr val="000000"/>
+                </a:solidFill>
+                <a:latin typeface="Consolas" panose="020B0609020204030204" pitchFamily="49" charset="0"/>
+              </a:rPr>
+              <a:t>-&gt;close();</a:t>
+            </a:r>
+            <a:endParaRPr lang="en-US" dirty="0"/>
           </a:p>
         </p:txBody>
       </p:sp>
     </p:spTree>
     <p:extLst>
       <p:ext uri="{BB962C8B-B14F-4D97-AF65-F5344CB8AC3E}">
-        <p14:creationId xmlns:p14="http://schemas.microsoft.com/office/powerpoint/2010/main" val="1198997443"/>
+        <p14:creationId xmlns:p14="http://schemas.microsoft.com/office/powerpoint/2010/main" val="2165756878"/>
       </p:ext>
     </p:extLst>
   </p:cSld>
@@ -6775,29 +7826,21 @@
             <p:ph type="title"/>
           </p:nvPr>
         </p:nvSpPr>
-        <p:spPr>
-          <a:xfrm>
-            <a:off x="261257" y="510758"/>
-            <a:ext cx="11128248" cy="577814"/>
-          </a:xfrm>
-        </p:spPr>
-        <p:txBody>
-          <a:bodyPr>
-            <a:normAutofit fontScale="90000"/>
-          </a:bodyPr>
+        <p:spPr/>
+        <p:txBody>
+          <a:bodyPr/>
           <a:lstStyle/>
           <a:p>
             <a:r>
-              <a:rPr lang="en-US" dirty="0" err="1" smtClean="0"/>
-              <a:t>Soluton</a:t>
-            </a:r>
-            <a:r>
               <a:rPr lang="en-US" dirty="0" smtClean="0"/>
-              <a:t> eXAm1</a:t>
-            </a:r>
-            <a:r>
+              <a:t>Problem3: Write Program which read</a:t>
+            </a:r>
+            <a:br>
               <a:rPr lang="en-US" dirty="0" smtClean="0"/>
-              <a:t>: Problem1 Implement Methods</a:t>
+            </a:br>
+            <a:r>
+              <a:rPr lang="en-US" dirty="0" smtClean="0"/>
+              <a:t>added text from “myFirstFile.txt”</a:t>
             </a:r>
             <a:endParaRPr lang="en-US" dirty="0"/>
           </a:p>
@@ -6813,786 +7856,32 @@
             <p:ph idx="1"/>
           </p:nvPr>
         </p:nvSpPr>
-        <p:spPr>
-          <a:xfrm>
-            <a:off x="121920" y="1219200"/>
-            <a:ext cx="11006328" cy="5638800"/>
-          </a:xfrm>
-        </p:spPr>
-        <p:txBody>
-          <a:bodyPr>
-            <a:normAutofit fontScale="92500" lnSpcReduction="20000"/>
-          </a:bodyPr>
+        <p:spPr/>
+        <p:txBody>
+          <a:bodyPr/>
           <a:lstStyle/>
           <a:p>
-            <a:pPr marL="0" indent="0">
-              <a:buNone/>
-            </a:pPr>
-            <a:r>
-              <a:rPr lang="en-US" dirty="0">
-                <a:solidFill>
-                  <a:srgbClr val="0000FF"/>
-                </a:solidFill>
-                <a:latin typeface="Consolas" panose="020B0609020204030204" pitchFamily="49" charset="0"/>
-              </a:rPr>
-              <a:t>class</a:t>
-            </a:r>
-            <a:r>
-              <a:rPr lang="en-US" dirty="0">
-                <a:solidFill>
-                  <a:srgbClr val="000000"/>
-                </a:solidFill>
-                <a:latin typeface="Consolas" panose="020B0609020204030204" pitchFamily="49" charset="0"/>
-              </a:rPr>
-              <a:t> Point3</a:t>
-            </a:r>
-          </a:p>
-          <a:p>
-            <a:pPr marL="0" indent="0">
-              <a:buNone/>
-            </a:pPr>
-            <a:r>
-              <a:rPr lang="en-US" dirty="0" smtClean="0">
-                <a:solidFill>
-                  <a:srgbClr val="000000"/>
-                </a:solidFill>
-                <a:latin typeface="Consolas" panose="020B0609020204030204" pitchFamily="49" charset="0"/>
-              </a:rPr>
-              <a:t>{</a:t>
-            </a:r>
-            <a:endParaRPr lang="en-US" dirty="0">
-              <a:solidFill>
-                <a:srgbClr val="000000"/>
-              </a:solidFill>
-              <a:latin typeface="Consolas" panose="020B0609020204030204" pitchFamily="49" charset="0"/>
-            </a:endParaRPr>
-          </a:p>
-          <a:p>
-            <a:pPr marL="0" indent="0">
-              <a:buNone/>
-            </a:pPr>
-            <a:r>
-              <a:rPr lang="en-US" dirty="0" smtClean="0">
-                <a:solidFill>
-                  <a:srgbClr val="0000FF"/>
-                </a:solidFill>
-                <a:latin typeface="Consolas" panose="020B0609020204030204" pitchFamily="49" charset="0"/>
-              </a:rPr>
-              <a:t>public</a:t>
-            </a:r>
-            <a:r>
-              <a:rPr lang="en-US" dirty="0">
-                <a:solidFill>
-                  <a:srgbClr val="000000"/>
-                </a:solidFill>
-                <a:latin typeface="Consolas" panose="020B0609020204030204" pitchFamily="49" charset="0"/>
-              </a:rPr>
-              <a:t>:</a:t>
-            </a:r>
-          </a:p>
-          <a:p>
-            <a:pPr marL="274320" lvl="1" indent="0">
-              <a:buNone/>
-            </a:pPr>
-            <a:r>
-              <a:rPr lang="fr-FR" dirty="0">
-                <a:solidFill>
-                  <a:srgbClr val="000000"/>
-                </a:solidFill>
-                <a:latin typeface="Consolas" panose="020B0609020204030204" pitchFamily="49" charset="0"/>
-              </a:rPr>
-              <a:t>Point3(</a:t>
-            </a:r>
-            <a:r>
-              <a:rPr lang="fr-FR" dirty="0">
-                <a:solidFill>
-                  <a:srgbClr val="0000FF"/>
-                </a:solidFill>
-                <a:latin typeface="Consolas" panose="020B0609020204030204" pitchFamily="49" charset="0"/>
-              </a:rPr>
-              <a:t>double</a:t>
-            </a:r>
-            <a:r>
-              <a:rPr lang="fr-FR" dirty="0">
-                <a:solidFill>
-                  <a:srgbClr val="000000"/>
-                </a:solidFill>
-                <a:latin typeface="Consolas" panose="020B0609020204030204" pitchFamily="49" charset="0"/>
-              </a:rPr>
-              <a:t> = 0, </a:t>
-            </a:r>
-            <a:r>
-              <a:rPr lang="fr-FR" dirty="0">
-                <a:solidFill>
-                  <a:srgbClr val="0000FF"/>
-                </a:solidFill>
-                <a:latin typeface="Consolas" panose="020B0609020204030204" pitchFamily="49" charset="0"/>
-              </a:rPr>
-              <a:t>double</a:t>
-            </a:r>
-            <a:r>
-              <a:rPr lang="fr-FR" dirty="0">
-                <a:solidFill>
-                  <a:srgbClr val="000000"/>
-                </a:solidFill>
-                <a:latin typeface="Consolas" panose="020B0609020204030204" pitchFamily="49" charset="0"/>
-              </a:rPr>
-              <a:t> = 0, </a:t>
-            </a:r>
-            <a:r>
-              <a:rPr lang="fr-FR" dirty="0">
-                <a:solidFill>
-                  <a:srgbClr val="0000FF"/>
-                </a:solidFill>
-                <a:latin typeface="Consolas" panose="020B0609020204030204" pitchFamily="49" charset="0"/>
-              </a:rPr>
-              <a:t>double</a:t>
-            </a:r>
-            <a:r>
-              <a:rPr lang="fr-FR" dirty="0">
-                <a:solidFill>
-                  <a:srgbClr val="000000"/>
-                </a:solidFill>
-                <a:latin typeface="Consolas" panose="020B0609020204030204" pitchFamily="49" charset="0"/>
-              </a:rPr>
-              <a:t> = 0);</a:t>
-            </a:r>
-          </a:p>
-          <a:p>
-            <a:pPr marL="274320" lvl="1" indent="0">
-              <a:buNone/>
-            </a:pPr>
-            <a:r>
-              <a:rPr lang="en-US" dirty="0" smtClean="0">
-                <a:solidFill>
-                  <a:srgbClr val="0000FF"/>
-                </a:solidFill>
-                <a:latin typeface="Consolas" panose="020B0609020204030204" pitchFamily="49" charset="0"/>
-              </a:rPr>
-              <a:t>double</a:t>
-            </a:r>
-            <a:r>
-              <a:rPr lang="en-US" dirty="0" smtClean="0">
-                <a:solidFill>
-                  <a:srgbClr val="000000"/>
-                </a:solidFill>
-                <a:latin typeface="Consolas" panose="020B0609020204030204" pitchFamily="49" charset="0"/>
-              </a:rPr>
-              <a:t> </a:t>
-            </a:r>
-            <a:r>
-              <a:rPr lang="en-US" dirty="0" err="1">
-                <a:solidFill>
-                  <a:srgbClr val="000000"/>
-                </a:solidFill>
-                <a:latin typeface="Consolas" panose="020B0609020204030204" pitchFamily="49" charset="0"/>
-              </a:rPr>
-              <a:t>GetX</a:t>
-            </a:r>
-            <a:r>
-              <a:rPr lang="en-US" dirty="0">
-                <a:solidFill>
-                  <a:srgbClr val="000000"/>
-                </a:solidFill>
-                <a:latin typeface="Consolas" panose="020B0609020204030204" pitchFamily="49" charset="0"/>
-              </a:rPr>
-              <a:t>() </a:t>
-            </a:r>
-            <a:r>
-              <a:rPr lang="en-US" dirty="0" err="1">
-                <a:solidFill>
-                  <a:srgbClr val="0000FF"/>
-                </a:solidFill>
-                <a:latin typeface="Consolas" panose="020B0609020204030204" pitchFamily="49" charset="0"/>
-              </a:rPr>
-              <a:t>const</a:t>
-            </a:r>
-            <a:r>
-              <a:rPr lang="en-US" dirty="0">
-                <a:solidFill>
-                  <a:srgbClr val="000000"/>
-                </a:solidFill>
-                <a:latin typeface="Consolas" panose="020B0609020204030204" pitchFamily="49" charset="0"/>
-              </a:rPr>
-              <a:t>;</a:t>
-            </a:r>
-          </a:p>
-          <a:p>
-            <a:pPr marL="274320" lvl="1" indent="0">
-              <a:buNone/>
-            </a:pPr>
-            <a:r>
-              <a:rPr lang="en-US" dirty="0">
-                <a:solidFill>
-                  <a:srgbClr val="0000FF"/>
-                </a:solidFill>
-                <a:latin typeface="Consolas" panose="020B0609020204030204" pitchFamily="49" charset="0"/>
-              </a:rPr>
-              <a:t>double</a:t>
-            </a:r>
-            <a:r>
-              <a:rPr lang="en-US" dirty="0">
-                <a:solidFill>
-                  <a:srgbClr val="000000"/>
-                </a:solidFill>
-                <a:latin typeface="Consolas" panose="020B0609020204030204" pitchFamily="49" charset="0"/>
-              </a:rPr>
-              <a:t> </a:t>
-            </a:r>
-            <a:r>
-              <a:rPr lang="en-US" dirty="0" err="1">
-                <a:solidFill>
-                  <a:srgbClr val="000000"/>
-                </a:solidFill>
-                <a:latin typeface="Consolas" panose="020B0609020204030204" pitchFamily="49" charset="0"/>
-              </a:rPr>
-              <a:t>GetY</a:t>
-            </a:r>
-            <a:r>
-              <a:rPr lang="en-US" dirty="0">
-                <a:solidFill>
-                  <a:srgbClr val="000000"/>
-                </a:solidFill>
-                <a:latin typeface="Consolas" panose="020B0609020204030204" pitchFamily="49" charset="0"/>
-              </a:rPr>
-              <a:t>() </a:t>
-            </a:r>
-            <a:r>
-              <a:rPr lang="en-US" dirty="0" err="1">
-                <a:solidFill>
-                  <a:srgbClr val="0000FF"/>
-                </a:solidFill>
-                <a:latin typeface="Consolas" panose="020B0609020204030204" pitchFamily="49" charset="0"/>
-              </a:rPr>
-              <a:t>const</a:t>
-            </a:r>
-            <a:r>
-              <a:rPr lang="en-US" dirty="0">
-                <a:solidFill>
-                  <a:srgbClr val="000000"/>
-                </a:solidFill>
-                <a:latin typeface="Consolas" panose="020B0609020204030204" pitchFamily="49" charset="0"/>
-              </a:rPr>
-              <a:t>;</a:t>
-            </a:r>
-          </a:p>
-          <a:p>
-            <a:pPr marL="274320" lvl="1" indent="0">
-              <a:buNone/>
-            </a:pPr>
-            <a:r>
-              <a:rPr lang="en-US" dirty="0">
-                <a:solidFill>
-                  <a:srgbClr val="0000FF"/>
-                </a:solidFill>
-                <a:latin typeface="Consolas" panose="020B0609020204030204" pitchFamily="49" charset="0"/>
-              </a:rPr>
-              <a:t>double</a:t>
-            </a:r>
-            <a:r>
-              <a:rPr lang="en-US" dirty="0">
-                <a:solidFill>
-                  <a:srgbClr val="000000"/>
-                </a:solidFill>
-                <a:latin typeface="Consolas" panose="020B0609020204030204" pitchFamily="49" charset="0"/>
-              </a:rPr>
-              <a:t> </a:t>
-            </a:r>
-            <a:r>
-              <a:rPr lang="en-US" dirty="0" err="1">
-                <a:solidFill>
-                  <a:srgbClr val="000000"/>
-                </a:solidFill>
-                <a:latin typeface="Consolas" panose="020B0609020204030204" pitchFamily="49" charset="0"/>
-              </a:rPr>
-              <a:t>GetZ</a:t>
-            </a:r>
-            <a:r>
-              <a:rPr lang="en-US" dirty="0">
-                <a:solidFill>
-                  <a:srgbClr val="000000"/>
-                </a:solidFill>
-                <a:latin typeface="Consolas" panose="020B0609020204030204" pitchFamily="49" charset="0"/>
-              </a:rPr>
-              <a:t>() </a:t>
-            </a:r>
-            <a:r>
-              <a:rPr lang="en-US" dirty="0" err="1" smtClean="0">
-                <a:solidFill>
-                  <a:srgbClr val="0000FF"/>
-                </a:solidFill>
-                <a:latin typeface="Consolas" panose="020B0609020204030204" pitchFamily="49" charset="0"/>
-              </a:rPr>
-              <a:t>const</a:t>
-            </a:r>
-            <a:r>
-              <a:rPr lang="en-US" dirty="0" smtClean="0">
-                <a:solidFill>
-                  <a:srgbClr val="000000"/>
-                </a:solidFill>
-                <a:latin typeface="Consolas" panose="020B0609020204030204" pitchFamily="49" charset="0"/>
-              </a:rPr>
-              <a:t>;</a:t>
-            </a:r>
-          </a:p>
-          <a:p>
-            <a:pPr marL="274320" lvl="1" indent="0">
-              <a:buNone/>
-            </a:pPr>
-            <a:r>
-              <a:rPr lang="en-US" dirty="0" smtClean="0">
-                <a:solidFill>
-                  <a:srgbClr val="0000FF"/>
-                </a:solidFill>
-                <a:latin typeface="Consolas" panose="020B0609020204030204" pitchFamily="49" charset="0"/>
-              </a:rPr>
-              <a:t>void</a:t>
-            </a:r>
-            <a:r>
-              <a:rPr lang="en-US" dirty="0" smtClean="0">
-                <a:solidFill>
-                  <a:srgbClr val="000000"/>
-                </a:solidFill>
-                <a:latin typeface="Consolas" panose="020B0609020204030204" pitchFamily="49" charset="0"/>
-              </a:rPr>
-              <a:t> </a:t>
-            </a:r>
-            <a:r>
-              <a:rPr lang="en-US" dirty="0" err="1">
-                <a:solidFill>
-                  <a:srgbClr val="000000"/>
-                </a:solidFill>
-                <a:latin typeface="Consolas" panose="020B0609020204030204" pitchFamily="49" charset="0"/>
-              </a:rPr>
-              <a:t>SetX</a:t>
-            </a:r>
-            <a:r>
-              <a:rPr lang="en-US" dirty="0">
-                <a:solidFill>
-                  <a:srgbClr val="000000"/>
-                </a:solidFill>
-                <a:latin typeface="Consolas" panose="020B0609020204030204" pitchFamily="49" charset="0"/>
-              </a:rPr>
-              <a:t>(</a:t>
-            </a:r>
-            <a:r>
-              <a:rPr lang="en-US" dirty="0">
-                <a:solidFill>
-                  <a:srgbClr val="0000FF"/>
-                </a:solidFill>
-                <a:latin typeface="Consolas" panose="020B0609020204030204" pitchFamily="49" charset="0"/>
-              </a:rPr>
-              <a:t>double</a:t>
-            </a:r>
-            <a:r>
-              <a:rPr lang="en-US" dirty="0">
-                <a:solidFill>
-                  <a:srgbClr val="000000"/>
-                </a:solidFill>
-                <a:latin typeface="Consolas" panose="020B0609020204030204" pitchFamily="49" charset="0"/>
-              </a:rPr>
-              <a:t>);</a:t>
-            </a:r>
-          </a:p>
-          <a:p>
-            <a:pPr marL="274320" lvl="1" indent="0">
-              <a:buNone/>
-            </a:pPr>
-            <a:r>
-              <a:rPr lang="en-US" dirty="0">
-                <a:solidFill>
-                  <a:srgbClr val="0000FF"/>
-                </a:solidFill>
-                <a:latin typeface="Consolas" panose="020B0609020204030204" pitchFamily="49" charset="0"/>
-              </a:rPr>
-              <a:t>void</a:t>
-            </a:r>
-            <a:r>
-              <a:rPr lang="en-US" dirty="0">
-                <a:solidFill>
-                  <a:srgbClr val="000000"/>
-                </a:solidFill>
-                <a:latin typeface="Consolas" panose="020B0609020204030204" pitchFamily="49" charset="0"/>
-              </a:rPr>
-              <a:t> </a:t>
-            </a:r>
-            <a:r>
-              <a:rPr lang="en-US" dirty="0" err="1">
-                <a:solidFill>
-                  <a:srgbClr val="000000"/>
-                </a:solidFill>
-                <a:latin typeface="Consolas" panose="020B0609020204030204" pitchFamily="49" charset="0"/>
-              </a:rPr>
-              <a:t>SetY</a:t>
-            </a:r>
-            <a:r>
-              <a:rPr lang="en-US" dirty="0">
-                <a:solidFill>
-                  <a:srgbClr val="000000"/>
-                </a:solidFill>
-                <a:latin typeface="Consolas" panose="020B0609020204030204" pitchFamily="49" charset="0"/>
-              </a:rPr>
-              <a:t>(</a:t>
-            </a:r>
-            <a:r>
-              <a:rPr lang="en-US" dirty="0">
-                <a:solidFill>
-                  <a:srgbClr val="0000FF"/>
-                </a:solidFill>
-                <a:latin typeface="Consolas" panose="020B0609020204030204" pitchFamily="49" charset="0"/>
-              </a:rPr>
-              <a:t>double</a:t>
-            </a:r>
-            <a:r>
-              <a:rPr lang="en-US" dirty="0">
-                <a:solidFill>
-                  <a:srgbClr val="000000"/>
-                </a:solidFill>
-                <a:latin typeface="Consolas" panose="020B0609020204030204" pitchFamily="49" charset="0"/>
-              </a:rPr>
-              <a:t>);</a:t>
-            </a:r>
-          </a:p>
-          <a:p>
-            <a:pPr marL="274320" lvl="1" indent="0">
-              <a:buNone/>
-            </a:pPr>
-            <a:r>
-              <a:rPr lang="en-US" dirty="0">
-                <a:solidFill>
-                  <a:srgbClr val="0000FF"/>
-                </a:solidFill>
-                <a:latin typeface="Consolas" panose="020B0609020204030204" pitchFamily="49" charset="0"/>
-              </a:rPr>
-              <a:t>void</a:t>
-            </a:r>
-            <a:r>
-              <a:rPr lang="en-US" dirty="0">
-                <a:solidFill>
-                  <a:srgbClr val="000000"/>
-                </a:solidFill>
-                <a:latin typeface="Consolas" panose="020B0609020204030204" pitchFamily="49" charset="0"/>
-              </a:rPr>
-              <a:t> </a:t>
-            </a:r>
-            <a:r>
-              <a:rPr lang="en-US" dirty="0" err="1">
-                <a:solidFill>
-                  <a:srgbClr val="000000"/>
-                </a:solidFill>
-                <a:latin typeface="Consolas" panose="020B0609020204030204" pitchFamily="49" charset="0"/>
-              </a:rPr>
-              <a:t>SetZ</a:t>
-            </a:r>
-            <a:r>
-              <a:rPr lang="en-US" dirty="0">
-                <a:solidFill>
-                  <a:srgbClr val="000000"/>
-                </a:solidFill>
-                <a:latin typeface="Consolas" panose="020B0609020204030204" pitchFamily="49" charset="0"/>
-              </a:rPr>
-              <a:t>(</a:t>
-            </a:r>
-            <a:r>
-              <a:rPr lang="en-US" dirty="0">
-                <a:solidFill>
-                  <a:srgbClr val="0000FF"/>
-                </a:solidFill>
-                <a:latin typeface="Consolas" panose="020B0609020204030204" pitchFamily="49" charset="0"/>
-              </a:rPr>
-              <a:t>double</a:t>
-            </a:r>
-            <a:r>
-              <a:rPr lang="en-US" dirty="0">
-                <a:solidFill>
-                  <a:srgbClr val="000000"/>
-                </a:solidFill>
-                <a:latin typeface="Consolas" panose="020B0609020204030204" pitchFamily="49" charset="0"/>
-              </a:rPr>
-              <a:t>);</a:t>
-            </a:r>
-          </a:p>
-          <a:p>
-            <a:pPr marL="274320" lvl="1" indent="0">
-              <a:buNone/>
-            </a:pPr>
-            <a:r>
-              <a:rPr lang="en-US" dirty="0" smtClean="0">
-                <a:solidFill>
-                  <a:srgbClr val="0000FF"/>
-                </a:solidFill>
-                <a:latin typeface="Consolas" panose="020B0609020204030204" pitchFamily="49" charset="0"/>
-              </a:rPr>
-              <a:t>void</a:t>
-            </a:r>
-            <a:r>
-              <a:rPr lang="en-US" dirty="0" smtClean="0">
-                <a:solidFill>
-                  <a:srgbClr val="000000"/>
-                </a:solidFill>
-                <a:latin typeface="Consolas" panose="020B0609020204030204" pitchFamily="49" charset="0"/>
-              </a:rPr>
-              <a:t> </a:t>
-            </a:r>
-            <a:r>
-              <a:rPr lang="en-US" dirty="0" err="1">
-                <a:solidFill>
-                  <a:srgbClr val="000000"/>
-                </a:solidFill>
-                <a:latin typeface="Consolas" panose="020B0609020204030204" pitchFamily="49" charset="0"/>
-              </a:rPr>
-              <a:t>TranslateByVector</a:t>
-            </a:r>
-            <a:r>
-              <a:rPr lang="en-US" dirty="0">
-                <a:solidFill>
-                  <a:srgbClr val="000000"/>
-                </a:solidFill>
-                <a:latin typeface="Consolas" panose="020B0609020204030204" pitchFamily="49" charset="0"/>
-              </a:rPr>
-              <a:t>(</a:t>
-            </a:r>
-            <a:r>
-              <a:rPr lang="en-US" dirty="0" err="1">
-                <a:solidFill>
-                  <a:srgbClr val="0000FF"/>
-                </a:solidFill>
-                <a:latin typeface="Consolas" panose="020B0609020204030204" pitchFamily="49" charset="0"/>
-              </a:rPr>
-              <a:t>const</a:t>
-            </a:r>
-            <a:r>
-              <a:rPr lang="en-US" dirty="0">
-                <a:solidFill>
-                  <a:srgbClr val="000000"/>
-                </a:solidFill>
-                <a:latin typeface="Consolas" panose="020B0609020204030204" pitchFamily="49" charset="0"/>
-              </a:rPr>
-              <a:t> Point3&amp; vector);</a:t>
-            </a:r>
-          </a:p>
-          <a:p>
-            <a:pPr marL="274320" lvl="1" indent="0">
-              <a:buNone/>
-            </a:pPr>
-            <a:r>
-              <a:rPr lang="en-US" dirty="0">
-                <a:solidFill>
-                  <a:srgbClr val="000000"/>
-                </a:solidFill>
-                <a:latin typeface="Consolas" panose="020B0609020204030204" pitchFamily="49" charset="0"/>
-              </a:rPr>
-              <a:t>Point3&amp; </a:t>
-            </a:r>
-            <a:r>
-              <a:rPr lang="en-US" dirty="0" err="1">
-                <a:solidFill>
-                  <a:srgbClr val="000000"/>
-                </a:solidFill>
-                <a:latin typeface="Consolas" panose="020B0609020204030204" pitchFamily="49" charset="0"/>
-              </a:rPr>
-              <a:t>GetSymetry</a:t>
-            </a:r>
-            <a:r>
-              <a:rPr lang="en-US" dirty="0" smtClean="0">
-                <a:solidFill>
-                  <a:srgbClr val="000000"/>
-                </a:solidFill>
-                <a:latin typeface="Consolas" panose="020B0609020204030204" pitchFamily="49" charset="0"/>
-              </a:rPr>
-              <a:t>();</a:t>
-            </a:r>
-            <a:endParaRPr lang="en-US" dirty="0">
-              <a:solidFill>
-                <a:srgbClr val="000000"/>
-              </a:solidFill>
-              <a:latin typeface="Consolas" panose="020B0609020204030204" pitchFamily="49" charset="0"/>
-            </a:endParaRPr>
-          </a:p>
-          <a:p>
-            <a:pPr marL="0" indent="0">
-              <a:buNone/>
-            </a:pPr>
-            <a:endParaRPr lang="en-US" dirty="0" smtClean="0">
-              <a:solidFill>
-                <a:srgbClr val="0000FF"/>
-              </a:solidFill>
-              <a:latin typeface="Consolas" panose="020B0609020204030204" pitchFamily="49" charset="0"/>
-            </a:endParaRPr>
-          </a:p>
-          <a:p>
-            <a:pPr marL="0" indent="0">
-              <a:buNone/>
-            </a:pPr>
-            <a:r>
-              <a:rPr lang="en-US" dirty="0" smtClean="0">
-                <a:solidFill>
-                  <a:srgbClr val="0000FF"/>
-                </a:solidFill>
-                <a:latin typeface="Consolas" panose="020B0609020204030204" pitchFamily="49" charset="0"/>
-              </a:rPr>
-              <a:t>private</a:t>
-            </a:r>
-            <a:r>
-              <a:rPr lang="en-US" dirty="0">
-                <a:solidFill>
-                  <a:srgbClr val="000000"/>
-                </a:solidFill>
-                <a:latin typeface="Consolas" panose="020B0609020204030204" pitchFamily="49" charset="0"/>
-              </a:rPr>
-              <a:t>:</a:t>
-            </a:r>
-          </a:p>
-          <a:p>
-            <a:pPr marL="274320" lvl="1" indent="0">
-              <a:buNone/>
-            </a:pPr>
-            <a:r>
-              <a:rPr lang="en-US" dirty="0">
-                <a:solidFill>
-                  <a:srgbClr val="0000FF"/>
-                </a:solidFill>
-                <a:latin typeface="Consolas" panose="020B0609020204030204" pitchFamily="49" charset="0"/>
-              </a:rPr>
-              <a:t>double</a:t>
-            </a:r>
-            <a:r>
-              <a:rPr lang="en-US" dirty="0">
-                <a:solidFill>
-                  <a:srgbClr val="000000"/>
-                </a:solidFill>
-                <a:latin typeface="Consolas" panose="020B0609020204030204" pitchFamily="49" charset="0"/>
-              </a:rPr>
-              <a:t> </a:t>
-            </a:r>
-            <a:r>
-              <a:rPr lang="en-US" dirty="0" err="1">
-                <a:solidFill>
-                  <a:srgbClr val="000000"/>
-                </a:solidFill>
-                <a:latin typeface="Consolas" panose="020B0609020204030204" pitchFamily="49" charset="0"/>
-              </a:rPr>
-              <a:t>m_x</a:t>
-            </a:r>
-            <a:r>
-              <a:rPr lang="en-US" dirty="0">
-                <a:solidFill>
-                  <a:srgbClr val="000000"/>
-                </a:solidFill>
-                <a:latin typeface="Consolas" panose="020B0609020204030204" pitchFamily="49" charset="0"/>
-              </a:rPr>
-              <a:t>;</a:t>
-            </a:r>
-          </a:p>
-          <a:p>
-            <a:pPr marL="274320" lvl="1" indent="0">
-              <a:buNone/>
-            </a:pPr>
-            <a:r>
-              <a:rPr lang="en-US" dirty="0">
-                <a:solidFill>
-                  <a:srgbClr val="0000FF"/>
-                </a:solidFill>
-                <a:latin typeface="Consolas" panose="020B0609020204030204" pitchFamily="49" charset="0"/>
-              </a:rPr>
-              <a:t>double</a:t>
-            </a:r>
-            <a:r>
-              <a:rPr lang="en-US" dirty="0">
-                <a:solidFill>
-                  <a:srgbClr val="000000"/>
-                </a:solidFill>
-                <a:latin typeface="Consolas" panose="020B0609020204030204" pitchFamily="49" charset="0"/>
-              </a:rPr>
-              <a:t> </a:t>
-            </a:r>
-            <a:r>
-              <a:rPr lang="en-US" dirty="0" err="1">
-                <a:solidFill>
-                  <a:srgbClr val="000000"/>
-                </a:solidFill>
-                <a:latin typeface="Consolas" panose="020B0609020204030204" pitchFamily="49" charset="0"/>
-              </a:rPr>
-              <a:t>m_y</a:t>
-            </a:r>
-            <a:r>
-              <a:rPr lang="en-US" dirty="0">
-                <a:solidFill>
-                  <a:srgbClr val="000000"/>
-                </a:solidFill>
-                <a:latin typeface="Consolas" panose="020B0609020204030204" pitchFamily="49" charset="0"/>
-              </a:rPr>
-              <a:t>;</a:t>
-            </a:r>
-          </a:p>
-          <a:p>
-            <a:pPr marL="274320" lvl="1" indent="0">
-              <a:buNone/>
-            </a:pPr>
-            <a:r>
-              <a:rPr lang="en-US" dirty="0">
-                <a:solidFill>
-                  <a:srgbClr val="0000FF"/>
-                </a:solidFill>
-                <a:latin typeface="Consolas" panose="020B0609020204030204" pitchFamily="49" charset="0"/>
-              </a:rPr>
-              <a:t>double</a:t>
-            </a:r>
-            <a:r>
-              <a:rPr lang="en-US" dirty="0">
-                <a:solidFill>
-                  <a:srgbClr val="000000"/>
-                </a:solidFill>
-                <a:latin typeface="Consolas" panose="020B0609020204030204" pitchFamily="49" charset="0"/>
-              </a:rPr>
-              <a:t> </a:t>
-            </a:r>
-            <a:r>
-              <a:rPr lang="en-US" dirty="0" err="1">
-                <a:solidFill>
-                  <a:srgbClr val="000000"/>
-                </a:solidFill>
-                <a:latin typeface="Consolas" panose="020B0609020204030204" pitchFamily="49" charset="0"/>
-              </a:rPr>
-              <a:t>m_z</a:t>
-            </a:r>
-            <a:r>
-              <a:rPr lang="en-US" dirty="0">
-                <a:solidFill>
-                  <a:srgbClr val="000000"/>
-                </a:solidFill>
-                <a:latin typeface="Consolas" panose="020B0609020204030204" pitchFamily="49" charset="0"/>
-              </a:rPr>
-              <a:t>;</a:t>
-            </a:r>
-          </a:p>
-          <a:p>
-            <a:pPr marL="0" indent="0">
-              <a:buNone/>
-            </a:pPr>
-            <a:r>
-              <a:rPr lang="en-US" dirty="0">
-                <a:solidFill>
-                  <a:srgbClr val="000000"/>
-                </a:solidFill>
-                <a:latin typeface="Consolas" panose="020B0609020204030204" pitchFamily="49" charset="0"/>
-              </a:rPr>
-              <a:t>};</a:t>
-            </a:r>
-            <a:endParaRPr lang="en-US" dirty="0"/>
+            <a:endParaRPr lang="en-US"/>
           </a:p>
         </p:txBody>
       </p:sp>
     </p:spTree>
     <p:extLst>
       <p:ext uri="{BB962C8B-B14F-4D97-AF65-F5344CB8AC3E}">
-        <p14:creationId xmlns:p14="http://schemas.microsoft.com/office/powerpoint/2010/main" val="3270518214"/>
+        <p14:creationId xmlns:p14="http://schemas.microsoft.com/office/powerpoint/2010/main" val="1513184570"/>
       </p:ext>
     </p:extLst>
   </p:cSld>
   <p:clrMapOvr>
     <a:masterClrMapping/>
   </p:clrMapOvr>
+  <p:timing>
+    <p:tnLst>
+      <p:par>
+        <p:cTn id="1" dur="indefinite" restart="never" nodeType="tmRoot"/>
+      </p:par>
+    </p:tnLst>
+  </p:timing>
 </p:sld>
 </file>
 
@@ -7625,498 +7914,91 @@
         </p:nvSpPr>
         <p:spPr>
           <a:xfrm>
-            <a:off x="304799" y="484632"/>
-            <a:ext cx="11686903" cy="577814"/>
+            <a:off x="569323" y="1799953"/>
+            <a:ext cx="11212830" cy="2263139"/>
           </a:xfrm>
         </p:spPr>
         <p:txBody>
           <a:bodyPr>
-            <a:normAutofit fontScale="90000"/>
+            <a:noAutofit/>
           </a:bodyPr>
           <a:lstStyle/>
           <a:p>
             <a:r>
-              <a:rPr lang="en-US" dirty="0" smtClean="0"/>
-              <a:t>Solution eXAm1</a:t>
-            </a:r>
-            <a:r>
-              <a:rPr lang="en-US" dirty="0" smtClean="0"/>
-              <a:t>: Problem1 Implement Methods(2)</a:t>
-            </a:r>
-            <a:endParaRPr lang="en-US" dirty="0"/>
-          </a:p>
-        </p:txBody>
-      </p:sp>
-      <p:sp>
-        <p:nvSpPr>
-          <p:cNvPr id="3" name="Content Placeholder 2"/>
-          <p:cNvSpPr>
-            <a:spLocks noGrp="1"/>
-          </p:cNvSpPr>
-          <p:nvPr>
-            <p:ph idx="1"/>
-          </p:nvPr>
-        </p:nvSpPr>
-        <p:spPr>
-          <a:xfrm>
-            <a:off x="121920" y="1219200"/>
-            <a:ext cx="11006328" cy="5638800"/>
-          </a:xfrm>
-        </p:spPr>
-        <p:txBody>
-          <a:bodyPr>
-            <a:normAutofit/>
-          </a:bodyPr>
-          <a:lstStyle/>
-          <a:p>
-            <a:pPr marL="0" indent="0">
-              <a:buNone/>
-            </a:pPr>
-            <a:r>
-              <a:rPr lang="en-US" dirty="0">
-                <a:solidFill>
-                  <a:srgbClr val="0000FF"/>
-                </a:solidFill>
-                <a:latin typeface="Consolas" panose="020B0609020204030204" pitchFamily="49" charset="0"/>
-              </a:rPr>
-              <a:t>class</a:t>
-            </a:r>
-            <a:r>
-              <a:rPr lang="en-US" dirty="0">
-                <a:solidFill>
-                  <a:srgbClr val="000000"/>
-                </a:solidFill>
-                <a:latin typeface="Consolas" panose="020B0609020204030204" pitchFamily="49" charset="0"/>
-              </a:rPr>
-              <a:t> Triangle</a:t>
-            </a:r>
-          </a:p>
-          <a:p>
-            <a:pPr marL="0" indent="0">
-              <a:buNone/>
-            </a:pPr>
-            <a:r>
-              <a:rPr lang="en-US" dirty="0">
-                <a:solidFill>
-                  <a:srgbClr val="000000"/>
-                </a:solidFill>
-                <a:latin typeface="Consolas" panose="020B0609020204030204" pitchFamily="49" charset="0"/>
-              </a:rPr>
-              <a:t>{</a:t>
-            </a:r>
-          </a:p>
-          <a:p>
-            <a:pPr marL="0" indent="0">
-              <a:buNone/>
-            </a:pPr>
-            <a:r>
-              <a:rPr lang="en-US" dirty="0">
-                <a:solidFill>
-                  <a:srgbClr val="0000FF"/>
-                </a:solidFill>
-                <a:latin typeface="Consolas" panose="020B0609020204030204" pitchFamily="49" charset="0"/>
-              </a:rPr>
-              <a:t>public</a:t>
-            </a:r>
-            <a:r>
-              <a:rPr lang="en-US" dirty="0">
-                <a:solidFill>
-                  <a:srgbClr val="000000"/>
-                </a:solidFill>
-                <a:latin typeface="Consolas" panose="020B0609020204030204" pitchFamily="49" charset="0"/>
-              </a:rPr>
-              <a:t>:</a:t>
-            </a:r>
-          </a:p>
-          <a:p>
-            <a:pPr marL="274320" lvl="1" indent="0">
-              <a:buNone/>
-            </a:pPr>
-            <a:r>
-              <a:rPr lang="en-US" dirty="0">
-                <a:solidFill>
-                  <a:srgbClr val="000000"/>
-                </a:solidFill>
-                <a:latin typeface="Consolas" panose="020B0609020204030204" pitchFamily="49" charset="0"/>
-              </a:rPr>
-              <a:t>Triangle();</a:t>
-            </a:r>
-          </a:p>
-          <a:p>
-            <a:pPr marL="274320" lvl="1" indent="0">
-              <a:buNone/>
-            </a:pPr>
-            <a:r>
-              <a:rPr lang="en-US" dirty="0">
-                <a:solidFill>
-                  <a:srgbClr val="0000FF"/>
-                </a:solidFill>
-                <a:latin typeface="Consolas" panose="020B0609020204030204" pitchFamily="49" charset="0"/>
-              </a:rPr>
-              <a:t>void</a:t>
-            </a:r>
-            <a:r>
-              <a:rPr lang="en-US" dirty="0">
-                <a:solidFill>
-                  <a:srgbClr val="000000"/>
-                </a:solidFill>
-                <a:latin typeface="Consolas" panose="020B0609020204030204" pitchFamily="49" charset="0"/>
-              </a:rPr>
-              <a:t> </a:t>
-            </a:r>
-            <a:r>
-              <a:rPr lang="en-US" dirty="0" err="1">
-                <a:solidFill>
-                  <a:srgbClr val="000000"/>
-                </a:solidFill>
-                <a:latin typeface="Consolas" panose="020B0609020204030204" pitchFamily="49" charset="0"/>
-              </a:rPr>
-              <a:t>SetA</a:t>
-            </a:r>
-            <a:r>
-              <a:rPr lang="en-US" dirty="0">
-                <a:solidFill>
-                  <a:srgbClr val="000000"/>
-                </a:solidFill>
-                <a:latin typeface="Consolas" panose="020B0609020204030204" pitchFamily="49" charset="0"/>
-              </a:rPr>
-              <a:t>(</a:t>
-            </a:r>
-            <a:r>
-              <a:rPr lang="en-US" dirty="0" err="1">
-                <a:solidFill>
-                  <a:srgbClr val="0000FF"/>
-                </a:solidFill>
-                <a:latin typeface="Consolas" panose="020B0609020204030204" pitchFamily="49" charset="0"/>
-              </a:rPr>
-              <a:t>const</a:t>
-            </a:r>
-            <a:r>
-              <a:rPr lang="en-US" dirty="0">
-                <a:solidFill>
-                  <a:srgbClr val="000000"/>
-                </a:solidFill>
-                <a:latin typeface="Consolas" panose="020B0609020204030204" pitchFamily="49" charset="0"/>
-              </a:rPr>
-              <a:t> Point3&amp;);</a:t>
-            </a:r>
-          </a:p>
-          <a:p>
-            <a:pPr marL="274320" lvl="1" indent="0">
-              <a:buNone/>
-            </a:pPr>
-            <a:r>
-              <a:rPr lang="en-US" dirty="0">
-                <a:solidFill>
-                  <a:srgbClr val="0000FF"/>
-                </a:solidFill>
-                <a:latin typeface="Consolas" panose="020B0609020204030204" pitchFamily="49" charset="0"/>
-              </a:rPr>
-              <a:t>void</a:t>
-            </a:r>
-            <a:r>
-              <a:rPr lang="en-US" dirty="0">
-                <a:solidFill>
-                  <a:srgbClr val="000000"/>
-                </a:solidFill>
-                <a:latin typeface="Consolas" panose="020B0609020204030204" pitchFamily="49" charset="0"/>
-              </a:rPr>
-              <a:t> </a:t>
-            </a:r>
-            <a:r>
-              <a:rPr lang="en-US" dirty="0" err="1">
-                <a:solidFill>
-                  <a:srgbClr val="000000"/>
-                </a:solidFill>
-                <a:latin typeface="Consolas" panose="020B0609020204030204" pitchFamily="49" charset="0"/>
-              </a:rPr>
-              <a:t>SetB</a:t>
-            </a:r>
-            <a:r>
-              <a:rPr lang="en-US" dirty="0">
-                <a:solidFill>
-                  <a:srgbClr val="000000"/>
-                </a:solidFill>
-                <a:latin typeface="Consolas" panose="020B0609020204030204" pitchFamily="49" charset="0"/>
-              </a:rPr>
-              <a:t>(</a:t>
-            </a:r>
-            <a:r>
-              <a:rPr lang="en-US" dirty="0" err="1">
-                <a:solidFill>
-                  <a:srgbClr val="0000FF"/>
-                </a:solidFill>
-                <a:latin typeface="Consolas" panose="020B0609020204030204" pitchFamily="49" charset="0"/>
-              </a:rPr>
-              <a:t>const</a:t>
-            </a:r>
-            <a:r>
-              <a:rPr lang="en-US" dirty="0">
-                <a:solidFill>
-                  <a:srgbClr val="000000"/>
-                </a:solidFill>
-                <a:latin typeface="Consolas" panose="020B0609020204030204" pitchFamily="49" charset="0"/>
-              </a:rPr>
-              <a:t> Point3&amp;);</a:t>
-            </a:r>
-          </a:p>
-          <a:p>
-            <a:pPr marL="274320" lvl="1" indent="0">
-              <a:buNone/>
-            </a:pPr>
-            <a:r>
-              <a:rPr lang="en-US" dirty="0">
-                <a:solidFill>
-                  <a:srgbClr val="0000FF"/>
-                </a:solidFill>
-                <a:latin typeface="Consolas" panose="020B0609020204030204" pitchFamily="49" charset="0"/>
-              </a:rPr>
-              <a:t>void</a:t>
-            </a:r>
-            <a:r>
-              <a:rPr lang="en-US" dirty="0">
-                <a:solidFill>
-                  <a:srgbClr val="000000"/>
-                </a:solidFill>
-                <a:latin typeface="Consolas" panose="020B0609020204030204" pitchFamily="49" charset="0"/>
-              </a:rPr>
-              <a:t> </a:t>
-            </a:r>
-            <a:r>
-              <a:rPr lang="en-US" dirty="0" err="1">
-                <a:solidFill>
-                  <a:srgbClr val="000000"/>
-                </a:solidFill>
-                <a:latin typeface="Consolas" panose="020B0609020204030204" pitchFamily="49" charset="0"/>
-              </a:rPr>
-              <a:t>SetC</a:t>
-            </a:r>
-            <a:r>
-              <a:rPr lang="en-US" dirty="0">
-                <a:solidFill>
-                  <a:srgbClr val="000000"/>
-                </a:solidFill>
-                <a:latin typeface="Consolas" panose="020B0609020204030204" pitchFamily="49" charset="0"/>
-              </a:rPr>
-              <a:t>(</a:t>
-            </a:r>
-            <a:r>
-              <a:rPr lang="en-US" dirty="0" err="1">
-                <a:solidFill>
-                  <a:srgbClr val="0000FF"/>
-                </a:solidFill>
-                <a:latin typeface="Consolas" panose="020B0609020204030204" pitchFamily="49" charset="0"/>
-              </a:rPr>
-              <a:t>const</a:t>
-            </a:r>
-            <a:r>
-              <a:rPr lang="en-US" dirty="0">
-                <a:solidFill>
-                  <a:srgbClr val="000000"/>
-                </a:solidFill>
-                <a:latin typeface="Consolas" panose="020B0609020204030204" pitchFamily="49" charset="0"/>
-              </a:rPr>
-              <a:t> Point3&amp;);</a:t>
-            </a:r>
-          </a:p>
-          <a:p>
-            <a:pPr marL="274320" lvl="1" indent="0">
-              <a:buNone/>
-            </a:pPr>
-            <a:r>
-              <a:rPr lang="en-US" dirty="0">
-                <a:solidFill>
-                  <a:srgbClr val="0000FF"/>
-                </a:solidFill>
-                <a:latin typeface="Consolas" panose="020B0609020204030204" pitchFamily="49" charset="0"/>
-              </a:rPr>
-              <a:t>double</a:t>
-            </a:r>
-            <a:r>
-              <a:rPr lang="en-US" dirty="0">
-                <a:solidFill>
-                  <a:srgbClr val="000000"/>
-                </a:solidFill>
-                <a:latin typeface="Consolas" panose="020B0609020204030204" pitchFamily="49" charset="0"/>
-              </a:rPr>
-              <a:t> </a:t>
-            </a:r>
-            <a:r>
-              <a:rPr lang="en-US" dirty="0" err="1">
-                <a:solidFill>
-                  <a:srgbClr val="000000"/>
-                </a:solidFill>
-                <a:latin typeface="Consolas" panose="020B0609020204030204" pitchFamily="49" charset="0"/>
-              </a:rPr>
-              <a:t>GetPerimeter</a:t>
-            </a:r>
-            <a:r>
-              <a:rPr lang="en-US" dirty="0" smtClean="0">
-                <a:solidFill>
-                  <a:srgbClr val="000000"/>
-                </a:solidFill>
-                <a:latin typeface="Consolas" panose="020B0609020204030204" pitchFamily="49" charset="0"/>
-              </a:rPr>
-              <a:t>();</a:t>
-            </a:r>
-          </a:p>
-          <a:p>
-            <a:pPr marL="274320" lvl="1" indent="0">
-              <a:buNone/>
-            </a:pPr>
-            <a:endParaRPr lang="en-US" dirty="0">
-              <a:solidFill>
-                <a:srgbClr val="000000"/>
-              </a:solidFill>
-              <a:latin typeface="Consolas" panose="020B0609020204030204" pitchFamily="49" charset="0"/>
-            </a:endParaRPr>
-          </a:p>
-          <a:p>
-            <a:pPr marL="0" indent="0">
-              <a:buNone/>
-            </a:pPr>
-            <a:r>
-              <a:rPr lang="en-US" dirty="0">
-                <a:solidFill>
-                  <a:srgbClr val="0000FF"/>
-                </a:solidFill>
-                <a:latin typeface="Consolas" panose="020B0609020204030204" pitchFamily="49" charset="0"/>
-              </a:rPr>
-              <a:t>private</a:t>
-            </a:r>
-            <a:r>
-              <a:rPr lang="en-US" dirty="0">
-                <a:solidFill>
-                  <a:srgbClr val="000000"/>
-                </a:solidFill>
-                <a:latin typeface="Consolas" panose="020B0609020204030204" pitchFamily="49" charset="0"/>
-              </a:rPr>
-              <a:t>:</a:t>
-            </a:r>
-          </a:p>
-          <a:p>
-            <a:pPr marL="274320" lvl="1" indent="0">
-              <a:buNone/>
-            </a:pPr>
-            <a:r>
-              <a:rPr lang="en-US" dirty="0">
-                <a:solidFill>
-                  <a:srgbClr val="000000"/>
-                </a:solidFill>
-                <a:latin typeface="Consolas" panose="020B0609020204030204" pitchFamily="49" charset="0"/>
-              </a:rPr>
-              <a:t>Point3 </a:t>
-            </a:r>
-            <a:r>
-              <a:rPr lang="en-US" dirty="0" err="1">
-                <a:solidFill>
-                  <a:srgbClr val="000000"/>
-                </a:solidFill>
-                <a:latin typeface="Consolas" panose="020B0609020204030204" pitchFamily="49" charset="0"/>
-              </a:rPr>
-              <a:t>m_a</a:t>
-            </a:r>
-            <a:r>
-              <a:rPr lang="en-US" dirty="0">
-                <a:solidFill>
-                  <a:srgbClr val="000000"/>
-                </a:solidFill>
-                <a:latin typeface="Consolas" panose="020B0609020204030204" pitchFamily="49" charset="0"/>
-              </a:rPr>
-              <a:t>;</a:t>
-            </a:r>
-          </a:p>
-          <a:p>
-            <a:pPr marL="274320" lvl="1" indent="0">
-              <a:buNone/>
-            </a:pPr>
-            <a:r>
-              <a:rPr lang="en-US" dirty="0">
-                <a:solidFill>
-                  <a:srgbClr val="000000"/>
-                </a:solidFill>
-                <a:latin typeface="Consolas" panose="020B0609020204030204" pitchFamily="49" charset="0"/>
-              </a:rPr>
-              <a:t>Point3 </a:t>
-            </a:r>
-            <a:r>
-              <a:rPr lang="en-US" dirty="0" err="1">
-                <a:solidFill>
-                  <a:srgbClr val="000000"/>
-                </a:solidFill>
-                <a:latin typeface="Consolas" panose="020B0609020204030204" pitchFamily="49" charset="0"/>
-              </a:rPr>
-              <a:t>m_b</a:t>
-            </a:r>
-            <a:r>
-              <a:rPr lang="en-US" dirty="0">
-                <a:solidFill>
-                  <a:srgbClr val="000000"/>
-                </a:solidFill>
-                <a:latin typeface="Consolas" panose="020B0609020204030204" pitchFamily="49" charset="0"/>
-              </a:rPr>
-              <a:t>;</a:t>
-            </a:r>
-          </a:p>
-          <a:p>
-            <a:pPr marL="274320" lvl="1" indent="0">
-              <a:buNone/>
-            </a:pPr>
-            <a:r>
-              <a:rPr lang="en-US" dirty="0">
-                <a:solidFill>
-                  <a:srgbClr val="000000"/>
-                </a:solidFill>
-                <a:latin typeface="Consolas" panose="020B0609020204030204" pitchFamily="49" charset="0"/>
-              </a:rPr>
-              <a:t>Point3 </a:t>
-            </a:r>
-            <a:r>
-              <a:rPr lang="en-US" dirty="0" err="1">
-                <a:solidFill>
-                  <a:srgbClr val="000000"/>
-                </a:solidFill>
-                <a:latin typeface="Consolas" panose="020B0609020204030204" pitchFamily="49" charset="0"/>
-              </a:rPr>
-              <a:t>m_c</a:t>
-            </a:r>
-            <a:r>
-              <a:rPr lang="en-US" dirty="0">
-                <a:solidFill>
-                  <a:srgbClr val="000000"/>
-                </a:solidFill>
-                <a:latin typeface="Consolas" panose="020B0609020204030204" pitchFamily="49" charset="0"/>
-              </a:rPr>
-              <a:t>;</a:t>
-            </a:r>
-          </a:p>
-          <a:p>
-            <a:pPr marL="0" indent="0">
-              <a:buNone/>
-            </a:pPr>
-            <a:r>
-              <a:rPr lang="en-US" dirty="0">
-                <a:solidFill>
-                  <a:srgbClr val="000000"/>
-                </a:solidFill>
-                <a:latin typeface="Consolas" panose="020B0609020204030204" pitchFamily="49" charset="0"/>
-              </a:rPr>
-              <a:t>};</a:t>
-            </a:r>
-            <a:endParaRPr lang="en-US" dirty="0"/>
+              <a:rPr lang="en-US" sz="4400" i="1" dirty="0"/>
+              <a:t/>
+            </a:r>
+            <a:br>
+              <a:rPr lang="en-US" sz="4400" i="1" dirty="0"/>
+            </a:br>
+            <a:r>
+              <a:rPr lang="en-US" sz="4400" i="1" dirty="0" smtClean="0"/>
+              <a:t>Homework:</a:t>
+            </a:r>
+            <a:br>
+              <a:rPr lang="en-US" sz="4400" i="1" dirty="0" smtClean="0"/>
+            </a:br>
+            <a:r>
+              <a:rPr lang="en-US" sz="4400" i="1" dirty="0" smtClean="0"/>
+              <a:t/>
+            </a:r>
+            <a:br>
+              <a:rPr lang="en-US" sz="4400" i="1" dirty="0" smtClean="0"/>
+            </a:br>
+            <a:r>
+              <a:rPr lang="en-US" sz="4400" i="1" dirty="0" smtClean="0"/>
+              <a:t>Problem3:  Use Person Class (from previous exercise) and Save Person objects to “persons.txt” File</a:t>
+            </a:r>
+            <a:br>
+              <a:rPr lang="en-US" sz="4400" i="1" dirty="0" smtClean="0"/>
+            </a:br>
+            <a:r>
+              <a:rPr lang="en-US" sz="4400" i="1" dirty="0" smtClean="0"/>
+              <a:t/>
+            </a:r>
+            <a:br>
+              <a:rPr lang="en-US" sz="4400" i="1" dirty="0" smtClean="0"/>
+            </a:br>
+            <a:r>
+              <a:rPr lang="en-US" sz="4400" i="1" dirty="0" smtClean="0"/>
+              <a:t>Problem4:  Read from “persons.txt” </a:t>
+            </a:r>
+            <a:r>
+              <a:rPr lang="en-US" sz="4400" i="1" dirty="0" err="1" smtClean="0"/>
+              <a:t>aNd</a:t>
+            </a:r>
+            <a:r>
+              <a:rPr lang="en-US" sz="4400" i="1" dirty="0" smtClean="0"/>
+              <a:t> Write to standard Output Every Person you read</a:t>
+            </a:r>
+            <a:br>
+              <a:rPr lang="en-US" sz="4400" i="1" dirty="0" smtClean="0"/>
+            </a:br>
+            <a:r>
+              <a:rPr lang="en-US" sz="4400" i="1" dirty="0" smtClean="0"/>
+              <a:t>with some custom IOS::flags</a:t>
+            </a:r>
+            <a:endParaRPr lang="en-US" sz="4400" i="1" dirty="0"/>
           </a:p>
         </p:txBody>
       </p:sp>
     </p:spTree>
     <p:extLst>
       <p:ext uri="{BB962C8B-B14F-4D97-AF65-F5344CB8AC3E}">
-        <p14:creationId xmlns:p14="http://schemas.microsoft.com/office/powerpoint/2010/main" val="3329039973"/>
+        <p14:creationId xmlns:p14="http://schemas.microsoft.com/office/powerpoint/2010/main" val="1198997443"/>
       </p:ext>
     </p:extLst>
   </p:cSld>
   <p:clrMapOvr>
     <a:masterClrMapping/>
   </p:clrMapOvr>
+  <p:timing>
+    <p:tnLst>
+      <p:par>
+        <p:cTn id="1" dur="indefinite" restart="never" nodeType="tmRoot"/>
+      </p:par>
+    </p:tnLst>
+  </p:timing>
 </p:sld>
 </file>
 
@@ -8149,28 +8031,25 @@
         </p:nvSpPr>
         <p:spPr>
           <a:xfrm>
-            <a:off x="339634" y="484632"/>
-            <a:ext cx="11460480" cy="577814"/>
+            <a:off x="261257" y="510758"/>
+            <a:ext cx="11128248" cy="577814"/>
           </a:xfrm>
         </p:spPr>
         <p:txBody>
           <a:bodyPr>
-            <a:noAutofit/>
+            <a:normAutofit fontScale="90000"/>
           </a:bodyPr>
           <a:lstStyle/>
           <a:p>
             <a:r>
-              <a:rPr lang="en-US" sz="4400" dirty="0" smtClean="0"/>
-              <a:t>Solution eXAm1</a:t>
-            </a:r>
-            <a:r>
-              <a:rPr lang="en-US" sz="4400" dirty="0" smtClean="0"/>
-              <a:t>: </a:t>
-            </a:r>
-            <a:r>
-              <a:rPr lang="en-US" sz="4400" dirty="0"/>
-              <a:t>Problem 2 : Define functions which :</a:t>
-            </a:r>
+              <a:rPr lang="en-US" dirty="0" err="1" smtClean="0"/>
+              <a:t>Soluton</a:t>
+            </a:r>
+            <a:r>
+              <a:rPr lang="en-US" dirty="0" smtClean="0"/>
+              <a:t> eXAm1: Problem1 Implement Methods</a:t>
+            </a:r>
+            <a:endParaRPr lang="en-US" dirty="0"/>
           </a:p>
         </p:txBody>
       </p:sp>
@@ -8186,13 +8065,13 @@
         </p:nvSpPr>
         <p:spPr>
           <a:xfrm>
-            <a:off x="129322" y="1367246"/>
-            <a:ext cx="11853672" cy="5490754"/>
+            <a:off x="121920" y="1219200"/>
+            <a:ext cx="11006328" cy="5638800"/>
           </a:xfrm>
         </p:spPr>
         <p:txBody>
           <a:bodyPr>
-            <a:normAutofit/>
+            <a:normAutofit fontScale="92500" lnSpcReduction="20000"/>
           </a:bodyPr>
           <a:lstStyle/>
           <a:p>
@@ -8202,11 +8081,20 @@
             <a:r>
               <a:rPr lang="en-US" dirty="0">
                 <a:solidFill>
-                  <a:srgbClr val="000000"/>
-                </a:solidFill>
-                <a:latin typeface="Consolas" panose="020B0609020204030204" pitchFamily="49" charset="0"/>
-              </a:rPr>
-              <a:t>A) Input Array of Point3 points</a:t>
+                  <a:srgbClr val="0000FF"/>
+                </a:solidFill>
+                <a:latin typeface="Consolas" panose="020B0609020204030204" pitchFamily="49" charset="0"/>
+              </a:rPr>
+              <a:t>class</a:t>
+            </a:r>
+            <a:r>
+              <a:rPr lang="en-US" dirty="0">
+                <a:solidFill>
+                  <a:srgbClr val="000000"/>
+                </a:solidFill>
+                <a:latin typeface="Consolas" panose="020B0609020204030204" pitchFamily="49" charset="0"/>
+              </a:rPr>
+              <a:t> Point3</a:t>
             </a:r>
           </a:p>
           <a:p>
@@ -8216,71 +8104,12 @@
             <a:r>
               <a:rPr lang="en-US" dirty="0" smtClean="0">
                 <a:solidFill>
-                  <a:srgbClr val="0000FF"/>
-                </a:solidFill>
-                <a:latin typeface="Consolas" panose="020B0609020204030204" pitchFamily="49" charset="0"/>
-              </a:rPr>
-              <a:t>void</a:t>
-            </a:r>
-            <a:r>
-              <a:rPr lang="en-US" dirty="0" smtClean="0">
-                <a:solidFill>
-                  <a:srgbClr val="000000"/>
-                </a:solidFill>
-                <a:latin typeface="Consolas" panose="020B0609020204030204" pitchFamily="49" charset="0"/>
-              </a:rPr>
-              <a:t> </a:t>
-            </a:r>
-            <a:r>
-              <a:rPr lang="en-US" dirty="0">
-                <a:solidFill>
-                  <a:srgbClr val="000000"/>
-                </a:solidFill>
-                <a:latin typeface="Consolas" panose="020B0609020204030204" pitchFamily="49" charset="0"/>
-              </a:rPr>
-              <a:t>Input(</a:t>
-            </a:r>
-            <a:r>
-              <a:rPr lang="en-US" dirty="0" err="1">
-                <a:solidFill>
-                  <a:srgbClr val="0000FF"/>
-                </a:solidFill>
-                <a:latin typeface="Consolas" panose="020B0609020204030204" pitchFamily="49" charset="0"/>
-              </a:rPr>
-              <a:t>int</a:t>
-            </a:r>
-            <a:r>
-              <a:rPr lang="en-US" dirty="0">
-                <a:solidFill>
-                  <a:srgbClr val="000000"/>
-                </a:solidFill>
-                <a:latin typeface="Consolas" panose="020B0609020204030204" pitchFamily="49" charset="0"/>
-              </a:rPr>
-              <a:t> n, Point3 </a:t>
-            </a:r>
-            <a:r>
-              <a:rPr lang="en-US" dirty="0">
-                <a:solidFill>
-                  <a:srgbClr val="0000FF"/>
-                </a:solidFill>
-                <a:latin typeface="Consolas" panose="020B0609020204030204" pitchFamily="49" charset="0"/>
-              </a:rPr>
-              <a:t>array</a:t>
-            </a:r>
-            <a:r>
-              <a:rPr lang="en-US" dirty="0">
-                <a:solidFill>
-                  <a:srgbClr val="000000"/>
-                </a:solidFill>
-                <a:latin typeface="Consolas" panose="020B0609020204030204" pitchFamily="49" charset="0"/>
-              </a:rPr>
-              <a:t>[]);</a:t>
-            </a:r>
-          </a:p>
-          <a:p>
-            <a:pPr marL="0" indent="0">
-              <a:buNone/>
-            </a:pPr>
+                  <a:srgbClr val="000000"/>
+                </a:solidFill>
+                <a:latin typeface="Consolas" panose="020B0609020204030204" pitchFamily="49" charset="0"/>
+              </a:rPr>
+              <a:t>{</a:t>
+            </a:r>
             <a:endParaRPr lang="en-US" dirty="0">
               <a:solidFill>
                 <a:srgbClr val="000000"/>
@@ -8293,26 +8122,280 @@
               <a:buNone/>
             </a:pPr>
             <a:r>
-              <a:rPr lang="en-US" dirty="0">
-                <a:solidFill>
-                  <a:srgbClr val="000000"/>
-                </a:solidFill>
-                <a:latin typeface="Consolas" panose="020B0609020204030204" pitchFamily="49" charset="0"/>
-              </a:rPr>
-              <a:t>B) Modify Array of Point3 points with symmetry point by center Point3(0, 0, 0).</a:t>
-            </a:r>
-          </a:p>
-          <a:p>
-            <a:pPr marL="0" indent="0">
+              <a:rPr lang="en-US" dirty="0" smtClean="0">
+                <a:solidFill>
+                  <a:srgbClr val="0000FF"/>
+                </a:solidFill>
+                <a:latin typeface="Consolas" panose="020B0609020204030204" pitchFamily="49" charset="0"/>
+              </a:rPr>
+              <a:t>public</a:t>
+            </a:r>
+            <a:r>
+              <a:rPr lang="en-US" dirty="0">
+                <a:solidFill>
+                  <a:srgbClr val="000000"/>
+                </a:solidFill>
+                <a:latin typeface="Consolas" panose="020B0609020204030204" pitchFamily="49" charset="0"/>
+              </a:rPr>
+              <a:t>:</a:t>
+            </a:r>
+          </a:p>
+          <a:p>
+            <a:pPr marL="274320" lvl="1" indent="0">
               <a:buNone/>
             </a:pPr>
             <a:r>
+              <a:rPr lang="fr-FR" dirty="0">
+                <a:solidFill>
+                  <a:srgbClr val="000000"/>
+                </a:solidFill>
+                <a:latin typeface="Consolas" panose="020B0609020204030204" pitchFamily="49" charset="0"/>
+              </a:rPr>
+              <a:t>Point3(</a:t>
+            </a:r>
+            <a:r>
+              <a:rPr lang="fr-FR" dirty="0">
+                <a:solidFill>
+                  <a:srgbClr val="0000FF"/>
+                </a:solidFill>
+                <a:latin typeface="Consolas" panose="020B0609020204030204" pitchFamily="49" charset="0"/>
+              </a:rPr>
+              <a:t>double</a:t>
+            </a:r>
+            <a:r>
+              <a:rPr lang="fr-FR" dirty="0">
+                <a:solidFill>
+                  <a:srgbClr val="000000"/>
+                </a:solidFill>
+                <a:latin typeface="Consolas" panose="020B0609020204030204" pitchFamily="49" charset="0"/>
+              </a:rPr>
+              <a:t> = 0, </a:t>
+            </a:r>
+            <a:r>
+              <a:rPr lang="fr-FR" dirty="0">
+                <a:solidFill>
+                  <a:srgbClr val="0000FF"/>
+                </a:solidFill>
+                <a:latin typeface="Consolas" panose="020B0609020204030204" pitchFamily="49" charset="0"/>
+              </a:rPr>
+              <a:t>double</a:t>
+            </a:r>
+            <a:r>
+              <a:rPr lang="fr-FR" dirty="0">
+                <a:solidFill>
+                  <a:srgbClr val="000000"/>
+                </a:solidFill>
+                <a:latin typeface="Consolas" panose="020B0609020204030204" pitchFamily="49" charset="0"/>
+              </a:rPr>
+              <a:t> = 0, </a:t>
+            </a:r>
+            <a:r>
+              <a:rPr lang="fr-FR" dirty="0">
+                <a:solidFill>
+                  <a:srgbClr val="0000FF"/>
+                </a:solidFill>
+                <a:latin typeface="Consolas" panose="020B0609020204030204" pitchFamily="49" charset="0"/>
+              </a:rPr>
+              <a:t>double</a:t>
+            </a:r>
+            <a:r>
+              <a:rPr lang="fr-FR" dirty="0">
+                <a:solidFill>
+                  <a:srgbClr val="000000"/>
+                </a:solidFill>
+                <a:latin typeface="Consolas" panose="020B0609020204030204" pitchFamily="49" charset="0"/>
+              </a:rPr>
+              <a:t> = 0);</a:t>
+            </a:r>
+          </a:p>
+          <a:p>
+            <a:pPr marL="274320" lvl="1" indent="0">
+              <a:buNone/>
+            </a:pPr>
+            <a:r>
               <a:rPr lang="en-US" dirty="0" smtClean="0">
                 <a:solidFill>
                   <a:srgbClr val="0000FF"/>
                 </a:solidFill>
                 <a:latin typeface="Consolas" panose="020B0609020204030204" pitchFamily="49" charset="0"/>
               </a:rPr>
+              <a:t>double</a:t>
+            </a:r>
+            <a:r>
+              <a:rPr lang="en-US" dirty="0" smtClean="0">
+                <a:solidFill>
+                  <a:srgbClr val="000000"/>
+                </a:solidFill>
+                <a:latin typeface="Consolas" panose="020B0609020204030204" pitchFamily="49" charset="0"/>
+              </a:rPr>
+              <a:t> </a:t>
+            </a:r>
+            <a:r>
+              <a:rPr lang="en-US" dirty="0" err="1">
+                <a:solidFill>
+                  <a:srgbClr val="000000"/>
+                </a:solidFill>
+                <a:latin typeface="Consolas" panose="020B0609020204030204" pitchFamily="49" charset="0"/>
+              </a:rPr>
+              <a:t>GetX</a:t>
+            </a:r>
+            <a:r>
+              <a:rPr lang="en-US" dirty="0">
+                <a:solidFill>
+                  <a:srgbClr val="000000"/>
+                </a:solidFill>
+                <a:latin typeface="Consolas" panose="020B0609020204030204" pitchFamily="49" charset="0"/>
+              </a:rPr>
+              <a:t>() </a:t>
+            </a:r>
+            <a:r>
+              <a:rPr lang="en-US" dirty="0" err="1">
+                <a:solidFill>
+                  <a:srgbClr val="0000FF"/>
+                </a:solidFill>
+                <a:latin typeface="Consolas" panose="020B0609020204030204" pitchFamily="49" charset="0"/>
+              </a:rPr>
+              <a:t>const</a:t>
+            </a:r>
+            <a:r>
+              <a:rPr lang="en-US" dirty="0">
+                <a:solidFill>
+                  <a:srgbClr val="000000"/>
+                </a:solidFill>
+                <a:latin typeface="Consolas" panose="020B0609020204030204" pitchFamily="49" charset="0"/>
+              </a:rPr>
+              <a:t>;</a:t>
+            </a:r>
+          </a:p>
+          <a:p>
+            <a:pPr marL="274320" lvl="1" indent="0">
+              <a:buNone/>
+            </a:pPr>
+            <a:r>
+              <a:rPr lang="en-US" dirty="0">
+                <a:solidFill>
+                  <a:srgbClr val="0000FF"/>
+                </a:solidFill>
+                <a:latin typeface="Consolas" panose="020B0609020204030204" pitchFamily="49" charset="0"/>
+              </a:rPr>
+              <a:t>double</a:t>
+            </a:r>
+            <a:r>
+              <a:rPr lang="en-US" dirty="0">
+                <a:solidFill>
+                  <a:srgbClr val="000000"/>
+                </a:solidFill>
+                <a:latin typeface="Consolas" panose="020B0609020204030204" pitchFamily="49" charset="0"/>
+              </a:rPr>
+              <a:t> </a:t>
+            </a:r>
+            <a:r>
+              <a:rPr lang="en-US" dirty="0" err="1">
+                <a:solidFill>
+                  <a:srgbClr val="000000"/>
+                </a:solidFill>
+                <a:latin typeface="Consolas" panose="020B0609020204030204" pitchFamily="49" charset="0"/>
+              </a:rPr>
+              <a:t>GetY</a:t>
+            </a:r>
+            <a:r>
+              <a:rPr lang="en-US" dirty="0">
+                <a:solidFill>
+                  <a:srgbClr val="000000"/>
+                </a:solidFill>
+                <a:latin typeface="Consolas" panose="020B0609020204030204" pitchFamily="49" charset="0"/>
+              </a:rPr>
+              <a:t>() </a:t>
+            </a:r>
+            <a:r>
+              <a:rPr lang="en-US" dirty="0" err="1">
+                <a:solidFill>
+                  <a:srgbClr val="0000FF"/>
+                </a:solidFill>
+                <a:latin typeface="Consolas" panose="020B0609020204030204" pitchFamily="49" charset="0"/>
+              </a:rPr>
+              <a:t>const</a:t>
+            </a:r>
+            <a:r>
+              <a:rPr lang="en-US" dirty="0">
+                <a:solidFill>
+                  <a:srgbClr val="000000"/>
+                </a:solidFill>
+                <a:latin typeface="Consolas" panose="020B0609020204030204" pitchFamily="49" charset="0"/>
+              </a:rPr>
+              <a:t>;</a:t>
+            </a:r>
+          </a:p>
+          <a:p>
+            <a:pPr marL="274320" lvl="1" indent="0">
+              <a:buNone/>
+            </a:pPr>
+            <a:r>
+              <a:rPr lang="en-US" dirty="0">
+                <a:solidFill>
+                  <a:srgbClr val="0000FF"/>
+                </a:solidFill>
+                <a:latin typeface="Consolas" panose="020B0609020204030204" pitchFamily="49" charset="0"/>
+              </a:rPr>
+              <a:t>double</a:t>
+            </a:r>
+            <a:r>
+              <a:rPr lang="en-US" dirty="0">
+                <a:solidFill>
+                  <a:srgbClr val="000000"/>
+                </a:solidFill>
+                <a:latin typeface="Consolas" panose="020B0609020204030204" pitchFamily="49" charset="0"/>
+              </a:rPr>
+              <a:t> </a:t>
+            </a:r>
+            <a:r>
+              <a:rPr lang="en-US" dirty="0" err="1">
+                <a:solidFill>
+                  <a:srgbClr val="000000"/>
+                </a:solidFill>
+                <a:latin typeface="Consolas" panose="020B0609020204030204" pitchFamily="49" charset="0"/>
+              </a:rPr>
+              <a:t>GetZ</a:t>
+            </a:r>
+            <a:r>
+              <a:rPr lang="en-US" dirty="0">
+                <a:solidFill>
+                  <a:srgbClr val="000000"/>
+                </a:solidFill>
+                <a:latin typeface="Consolas" panose="020B0609020204030204" pitchFamily="49" charset="0"/>
+              </a:rPr>
+              <a:t>() </a:t>
+            </a:r>
+            <a:r>
+              <a:rPr lang="en-US" dirty="0" err="1" smtClean="0">
+                <a:solidFill>
+                  <a:srgbClr val="0000FF"/>
+                </a:solidFill>
+                <a:latin typeface="Consolas" panose="020B0609020204030204" pitchFamily="49" charset="0"/>
+              </a:rPr>
+              <a:t>const</a:t>
+            </a:r>
+            <a:r>
+              <a:rPr lang="en-US" dirty="0" smtClean="0">
+                <a:solidFill>
+                  <a:srgbClr val="000000"/>
+                </a:solidFill>
+                <a:latin typeface="Consolas" panose="020B0609020204030204" pitchFamily="49" charset="0"/>
+              </a:rPr>
+              <a:t>;</a:t>
+            </a:r>
+          </a:p>
+          <a:p>
+            <a:pPr marL="274320" lvl="1" indent="0">
+              <a:buNone/>
+            </a:pPr>
+            <a:r>
+              <a:rPr lang="en-US" dirty="0" smtClean="0">
+                <a:solidFill>
+                  <a:srgbClr val="0000FF"/>
+                </a:solidFill>
+                <a:latin typeface="Consolas" panose="020B0609020204030204" pitchFamily="49" charset="0"/>
+              </a:rPr>
               <a:t>void</a:t>
             </a:r>
             <a:r>
@@ -8325,32 +8408,46 @@
               <a:t> </a:t>
             </a:r>
             <a:r>
-              <a:rPr lang="en-US" dirty="0">
-                <a:solidFill>
-                  <a:srgbClr val="000000"/>
-                </a:solidFill>
-                <a:latin typeface="Consolas" panose="020B0609020204030204" pitchFamily="49" charset="0"/>
-              </a:rPr>
-              <a:t>Symmetry(</a:t>
-            </a:r>
-            <a:r>
               <a:rPr lang="en-US" dirty="0" err="1">
                 <a:solidFill>
+                  <a:srgbClr val="000000"/>
+                </a:solidFill>
+                <a:latin typeface="Consolas" panose="020B0609020204030204" pitchFamily="49" charset="0"/>
+              </a:rPr>
+              <a:t>SetX</a:t>
+            </a:r>
+            <a:r>
+              <a:rPr lang="en-US" dirty="0">
+                <a:solidFill>
+                  <a:srgbClr val="000000"/>
+                </a:solidFill>
+                <a:latin typeface="Consolas" panose="020B0609020204030204" pitchFamily="49" charset="0"/>
+              </a:rPr>
+              <a:t>(</a:t>
+            </a:r>
+            <a:r>
+              <a:rPr lang="en-US" dirty="0">
+                <a:solidFill>
                   <a:srgbClr val="0000FF"/>
                 </a:solidFill>
                 <a:latin typeface="Consolas" panose="020B0609020204030204" pitchFamily="49" charset="0"/>
               </a:rPr>
-              <a:t>int</a:t>
-            </a:r>
-            <a:r>
-              <a:rPr lang="en-US" dirty="0">
-                <a:solidFill>
-                  <a:srgbClr val="000000"/>
-                </a:solidFill>
-                <a:latin typeface="Consolas" panose="020B0609020204030204" pitchFamily="49" charset="0"/>
-              </a:rPr>
-              <a:t> n, Point3 </a:t>
-            </a:r>
+              <a:t>double</a:t>
+            </a:r>
+            <a:r>
+              <a:rPr lang="en-US" dirty="0">
+                <a:solidFill>
+                  <a:srgbClr val="000000"/>
+                </a:solidFill>
+                <a:latin typeface="Consolas" panose="020B0609020204030204" pitchFamily="49" charset="0"/>
+              </a:rPr>
+              <a:t>);</a:t>
+            </a:r>
+          </a:p>
+          <a:p>
+            <a:pPr marL="274320" lvl="1" indent="0">
+              <a:buNone/>
+            </a:pPr>
             <a:r>
               <a:rPr lang="en-US" dirty="0">
                 <a:solidFill>
@@ -8358,22 +8455,203 @@
                 </a:solidFill>
                 <a:latin typeface="Consolas" panose="020B0609020204030204" pitchFamily="49" charset="0"/>
               </a:rPr>
-              <a:t>array</a:t>
-            </a:r>
-            <a:r>
-              <a:rPr lang="en-US" dirty="0">
-                <a:solidFill>
-                  <a:srgbClr val="000000"/>
-                </a:solidFill>
-                <a:latin typeface="Consolas" panose="020B0609020204030204" pitchFamily="49" charset="0"/>
-              </a:rPr>
-              <a:t>[]);</a:t>
-            </a:r>
-          </a:p>
-          <a:p>
-            <a:pPr marL="0" indent="0">
+              <a:t>void</a:t>
+            </a:r>
+            <a:r>
+              <a:rPr lang="en-US" dirty="0">
+                <a:solidFill>
+                  <a:srgbClr val="000000"/>
+                </a:solidFill>
+                <a:latin typeface="Consolas" panose="020B0609020204030204" pitchFamily="49" charset="0"/>
+              </a:rPr>
+              <a:t> </a:t>
+            </a:r>
+            <a:r>
+              <a:rPr lang="en-US" dirty="0" err="1">
+                <a:solidFill>
+                  <a:srgbClr val="000000"/>
+                </a:solidFill>
+                <a:latin typeface="Consolas" panose="020B0609020204030204" pitchFamily="49" charset="0"/>
+              </a:rPr>
+              <a:t>SetY</a:t>
+            </a:r>
+            <a:r>
+              <a:rPr lang="en-US" dirty="0">
+                <a:solidFill>
+                  <a:srgbClr val="000000"/>
+                </a:solidFill>
+                <a:latin typeface="Consolas" panose="020B0609020204030204" pitchFamily="49" charset="0"/>
+              </a:rPr>
+              <a:t>(</a:t>
+            </a:r>
+            <a:r>
+              <a:rPr lang="en-US" dirty="0">
+                <a:solidFill>
+                  <a:srgbClr val="0000FF"/>
+                </a:solidFill>
+                <a:latin typeface="Consolas" panose="020B0609020204030204" pitchFamily="49" charset="0"/>
+              </a:rPr>
+              <a:t>double</a:t>
+            </a:r>
+            <a:r>
+              <a:rPr lang="en-US" dirty="0">
+                <a:solidFill>
+                  <a:srgbClr val="000000"/>
+                </a:solidFill>
+                <a:latin typeface="Consolas" panose="020B0609020204030204" pitchFamily="49" charset="0"/>
+              </a:rPr>
+              <a:t>);</a:t>
+            </a:r>
+          </a:p>
+          <a:p>
+            <a:pPr marL="274320" lvl="1" indent="0">
               <a:buNone/>
             </a:pPr>
+            <a:r>
+              <a:rPr lang="en-US" dirty="0">
+                <a:solidFill>
+                  <a:srgbClr val="0000FF"/>
+                </a:solidFill>
+                <a:latin typeface="Consolas" panose="020B0609020204030204" pitchFamily="49" charset="0"/>
+              </a:rPr>
+              <a:t>void</a:t>
+            </a:r>
+            <a:r>
+              <a:rPr lang="en-US" dirty="0">
+                <a:solidFill>
+                  <a:srgbClr val="000000"/>
+                </a:solidFill>
+                <a:latin typeface="Consolas" panose="020B0609020204030204" pitchFamily="49" charset="0"/>
+              </a:rPr>
+              <a:t> </a:t>
+            </a:r>
+            <a:r>
+              <a:rPr lang="en-US" dirty="0" err="1">
+                <a:solidFill>
+                  <a:srgbClr val="000000"/>
+                </a:solidFill>
+                <a:latin typeface="Consolas" panose="020B0609020204030204" pitchFamily="49" charset="0"/>
+              </a:rPr>
+              <a:t>SetZ</a:t>
+            </a:r>
+            <a:r>
+              <a:rPr lang="en-US" dirty="0">
+                <a:solidFill>
+                  <a:srgbClr val="000000"/>
+                </a:solidFill>
+                <a:latin typeface="Consolas" panose="020B0609020204030204" pitchFamily="49" charset="0"/>
+              </a:rPr>
+              <a:t>(</a:t>
+            </a:r>
+            <a:r>
+              <a:rPr lang="en-US" dirty="0">
+                <a:solidFill>
+                  <a:srgbClr val="0000FF"/>
+                </a:solidFill>
+                <a:latin typeface="Consolas" panose="020B0609020204030204" pitchFamily="49" charset="0"/>
+              </a:rPr>
+              <a:t>double</a:t>
+            </a:r>
+            <a:r>
+              <a:rPr lang="en-US" dirty="0">
+                <a:solidFill>
+                  <a:srgbClr val="000000"/>
+                </a:solidFill>
+                <a:latin typeface="Consolas" panose="020B0609020204030204" pitchFamily="49" charset="0"/>
+              </a:rPr>
+              <a:t>);</a:t>
+            </a:r>
+          </a:p>
+          <a:p>
+            <a:pPr marL="274320" lvl="1" indent="0">
+              <a:buNone/>
+            </a:pPr>
+            <a:r>
+              <a:rPr lang="en-US" dirty="0" smtClean="0">
+                <a:solidFill>
+                  <a:srgbClr val="0000FF"/>
+                </a:solidFill>
+                <a:latin typeface="Consolas" panose="020B0609020204030204" pitchFamily="49" charset="0"/>
+              </a:rPr>
+              <a:t>void</a:t>
+            </a:r>
+            <a:r>
+              <a:rPr lang="en-US" dirty="0" smtClean="0">
+                <a:solidFill>
+                  <a:srgbClr val="000000"/>
+                </a:solidFill>
+                <a:latin typeface="Consolas" panose="020B0609020204030204" pitchFamily="49" charset="0"/>
+              </a:rPr>
+              <a:t> </a:t>
+            </a:r>
+            <a:r>
+              <a:rPr lang="en-US" dirty="0" err="1">
+                <a:solidFill>
+                  <a:srgbClr val="000000"/>
+                </a:solidFill>
+                <a:latin typeface="Consolas" panose="020B0609020204030204" pitchFamily="49" charset="0"/>
+              </a:rPr>
+              <a:t>TranslateByVector</a:t>
+            </a:r>
+            <a:r>
+              <a:rPr lang="en-US" dirty="0">
+                <a:solidFill>
+                  <a:srgbClr val="000000"/>
+                </a:solidFill>
+                <a:latin typeface="Consolas" panose="020B0609020204030204" pitchFamily="49" charset="0"/>
+              </a:rPr>
+              <a:t>(</a:t>
+            </a:r>
+            <a:r>
+              <a:rPr lang="en-US" dirty="0" err="1">
+                <a:solidFill>
+                  <a:srgbClr val="0000FF"/>
+                </a:solidFill>
+                <a:latin typeface="Consolas" panose="020B0609020204030204" pitchFamily="49" charset="0"/>
+              </a:rPr>
+              <a:t>const</a:t>
+            </a:r>
+            <a:r>
+              <a:rPr lang="en-US" dirty="0">
+                <a:solidFill>
+                  <a:srgbClr val="000000"/>
+                </a:solidFill>
+                <a:latin typeface="Consolas" panose="020B0609020204030204" pitchFamily="49" charset="0"/>
+              </a:rPr>
+              <a:t> Point3&amp; vector);</a:t>
+            </a:r>
+          </a:p>
+          <a:p>
+            <a:pPr marL="274320" lvl="1" indent="0">
+              <a:buNone/>
+            </a:pPr>
+            <a:r>
+              <a:rPr lang="en-US" dirty="0">
+                <a:solidFill>
+                  <a:srgbClr val="000000"/>
+                </a:solidFill>
+                <a:latin typeface="Consolas" panose="020B0609020204030204" pitchFamily="49" charset="0"/>
+              </a:rPr>
+              <a:t>Point3&amp; </a:t>
+            </a:r>
+            <a:r>
+              <a:rPr lang="en-US" dirty="0" err="1">
+                <a:solidFill>
+                  <a:srgbClr val="000000"/>
+                </a:solidFill>
+                <a:latin typeface="Consolas" panose="020B0609020204030204" pitchFamily="49" charset="0"/>
+              </a:rPr>
+              <a:t>GetSymetry</a:t>
+            </a:r>
+            <a:r>
+              <a:rPr lang="en-US" dirty="0" smtClean="0">
+                <a:solidFill>
+                  <a:srgbClr val="000000"/>
+                </a:solidFill>
+                <a:latin typeface="Consolas" panose="020B0609020204030204" pitchFamily="49" charset="0"/>
+              </a:rPr>
+              <a:t>();</a:t>
+            </a:r>
             <a:endParaRPr lang="en-US" dirty="0">
               <a:solidFill>
                 <a:srgbClr val="000000"/>
@@ -8385,15 +8663,12 @@
             <a:pPr marL="0" indent="0">
               <a:buNone/>
             </a:pPr>
-            <a:r>
-              <a:rPr lang="en-US" dirty="0">
-                <a:solidFill>
-                  <a:srgbClr val="000000"/>
-                </a:solidFill>
-                <a:latin typeface="Consolas" panose="020B0609020204030204" pitchFamily="49" charset="0"/>
-              </a:rPr>
-              <a:t>C) Output Array of Point3 points</a:t>
-            </a:r>
+            <a:endParaRPr lang="en-US" dirty="0" smtClean="0">
+              <a:solidFill>
+                <a:srgbClr val="0000FF"/>
+              </a:solidFill>
+              <a:latin typeface="Consolas" panose="020B0609020204030204" pitchFamily="49" charset="0"/>
+            </a:endParaRPr>
           </a:p>
           <a:p>
             <a:pPr marL="0" indent="0">
@@ -8406,10 +8681,33 @@
                 </a:solidFill>
                 <a:latin typeface="Consolas" panose="020B0609020204030204" pitchFamily="49" charset="0"/>
               </a:rPr>
-              <a:t>void</a:t>
-            </a:r>
-            <a:r>
-              <a:rPr lang="en-US" dirty="0" smtClean="0">
+              <a:t>private</a:t>
+            </a:r>
+            <a:r>
+              <a:rPr lang="en-US" dirty="0">
+                <a:solidFill>
+                  <a:srgbClr val="000000"/>
+                </a:solidFill>
+                <a:latin typeface="Consolas" panose="020B0609020204030204" pitchFamily="49" charset="0"/>
+              </a:rPr>
+              <a:t>:</a:t>
+            </a:r>
+          </a:p>
+          <a:p>
+            <a:pPr marL="274320" lvl="1" indent="0">
+              <a:buNone/>
+            </a:pPr>
+            <a:r>
+              <a:rPr lang="en-US" dirty="0">
+                <a:solidFill>
+                  <a:srgbClr val="0000FF"/>
+                </a:solidFill>
+                <a:latin typeface="Consolas" panose="020B0609020204030204" pitchFamily="49" charset="0"/>
+              </a:rPr>
+              <a:t>double</a:t>
+            </a:r>
+            <a:r>
+              <a:rPr lang="en-US" dirty="0">
                 <a:solidFill>
                   <a:srgbClr val="000000"/>
                 </a:solidFill>
@@ -8418,32 +8716,69 @@
               <a:t> </a:t>
             </a:r>
             <a:r>
-              <a:rPr lang="en-US" dirty="0">
-                <a:solidFill>
-                  <a:srgbClr val="000000"/>
-                </a:solidFill>
-                <a:latin typeface="Consolas" panose="020B0609020204030204" pitchFamily="49" charset="0"/>
-              </a:rPr>
-              <a:t>Output(</a:t>
-            </a:r>
-            <a:r>
               <a:rPr lang="en-US" dirty="0" err="1">
                 <a:solidFill>
+                  <a:srgbClr val="000000"/>
+                </a:solidFill>
+                <a:latin typeface="Consolas" panose="020B0609020204030204" pitchFamily="49" charset="0"/>
+              </a:rPr>
+              <a:t>m_x</a:t>
+            </a:r>
+            <a:r>
+              <a:rPr lang="en-US" dirty="0">
+                <a:solidFill>
+                  <a:srgbClr val="000000"/>
+                </a:solidFill>
+                <a:latin typeface="Consolas" panose="020B0609020204030204" pitchFamily="49" charset="0"/>
+              </a:rPr>
+              <a:t>;</a:t>
+            </a:r>
+          </a:p>
+          <a:p>
+            <a:pPr marL="274320" lvl="1" indent="0">
+              <a:buNone/>
+            </a:pPr>
+            <a:r>
+              <a:rPr lang="en-US" dirty="0">
+                <a:solidFill>
                   <a:srgbClr val="0000FF"/>
                 </a:solidFill>
                 <a:latin typeface="Consolas" panose="020B0609020204030204" pitchFamily="49" charset="0"/>
               </a:rPr>
-              <a:t>int</a:t>
-            </a:r>
-            <a:r>
-              <a:rPr lang="en-US" dirty="0">
-                <a:solidFill>
-                  <a:srgbClr val="000000"/>
-                </a:solidFill>
-                <a:latin typeface="Consolas" panose="020B0609020204030204" pitchFamily="49" charset="0"/>
-              </a:rPr>
-              <a:t> n, Point3 </a:t>
-            </a:r>
+              <a:t>double</a:t>
+            </a:r>
+            <a:r>
+              <a:rPr lang="en-US" dirty="0">
+                <a:solidFill>
+                  <a:srgbClr val="000000"/>
+                </a:solidFill>
+                <a:latin typeface="Consolas" panose="020B0609020204030204" pitchFamily="49" charset="0"/>
+              </a:rPr>
+              <a:t> </a:t>
+            </a:r>
+            <a:r>
+              <a:rPr lang="en-US" dirty="0" err="1">
+                <a:solidFill>
+                  <a:srgbClr val="000000"/>
+                </a:solidFill>
+                <a:latin typeface="Consolas" panose="020B0609020204030204" pitchFamily="49" charset="0"/>
+              </a:rPr>
+              <a:t>m_y</a:t>
+            </a:r>
+            <a:r>
+              <a:rPr lang="en-US" dirty="0">
+                <a:solidFill>
+                  <a:srgbClr val="000000"/>
+                </a:solidFill>
+                <a:latin typeface="Consolas" panose="020B0609020204030204" pitchFamily="49" charset="0"/>
+              </a:rPr>
+              <a:t>;</a:t>
+            </a:r>
+          </a:p>
+          <a:p>
+            <a:pPr marL="274320" lvl="1" indent="0">
+              <a:buNone/>
+            </a:pPr>
             <a:r>
               <a:rPr lang="en-US" dirty="0">
                 <a:solidFill>
@@ -8451,16 +8786,48 @@
                 </a:solidFill>
                 <a:latin typeface="Consolas" panose="020B0609020204030204" pitchFamily="49" charset="0"/>
               </a:rPr>
-              <a:t>array</a:t>
-            </a:r>
-            <a:r>
-              <a:rPr lang="en-US" dirty="0">
-                <a:solidFill>
-                  <a:srgbClr val="000000"/>
-                </a:solidFill>
-                <a:latin typeface="Consolas" panose="020B0609020204030204" pitchFamily="49" charset="0"/>
-              </a:rPr>
-              <a:t>[]);</a:t>
+              <a:t>double</a:t>
+            </a:r>
+            <a:r>
+              <a:rPr lang="en-US" dirty="0">
+                <a:solidFill>
+                  <a:srgbClr val="000000"/>
+                </a:solidFill>
+                <a:latin typeface="Consolas" panose="020B0609020204030204" pitchFamily="49" charset="0"/>
+              </a:rPr>
+              <a:t> </a:t>
+            </a:r>
+            <a:r>
+              <a:rPr lang="en-US" dirty="0" err="1">
+                <a:solidFill>
+                  <a:srgbClr val="000000"/>
+                </a:solidFill>
+                <a:latin typeface="Consolas" panose="020B0609020204030204" pitchFamily="49" charset="0"/>
+              </a:rPr>
+              <a:t>m_z</a:t>
+            </a:r>
+            <a:r>
+              <a:rPr lang="en-US" dirty="0">
+                <a:solidFill>
+                  <a:srgbClr val="000000"/>
+                </a:solidFill>
+                <a:latin typeface="Consolas" panose="020B0609020204030204" pitchFamily="49" charset="0"/>
+              </a:rPr>
+              <a:t>;</a:t>
+            </a:r>
+          </a:p>
+          <a:p>
+            <a:pPr marL="0" indent="0">
+              <a:buNone/>
+            </a:pPr>
+            <a:r>
+              <a:rPr lang="en-US" dirty="0">
+                <a:solidFill>
+                  <a:srgbClr val="000000"/>
+                </a:solidFill>
+                <a:latin typeface="Consolas" panose="020B0609020204030204" pitchFamily="49" charset="0"/>
+              </a:rPr>
+              <a:t>};</a:t>
             </a:r>
             <a:endParaRPr lang="en-US" dirty="0"/>
           </a:p>
@@ -8469,7 +8836,7 @@
     </p:spTree>
     <p:extLst>
       <p:ext uri="{BB962C8B-B14F-4D97-AF65-F5344CB8AC3E}">
-        <p14:creationId xmlns:p14="http://schemas.microsoft.com/office/powerpoint/2010/main" val="123560890"/>
+        <p14:creationId xmlns:p14="http://schemas.microsoft.com/office/powerpoint/2010/main" val="3270518214"/>
       </p:ext>
     </p:extLst>
   </p:cSld>

--- a/2019_03_21_Constructors_And_Operators/Exercise 4.pptx
+++ b/2019_03_21_Constructors_And_Operators/Exercise 4.pptx
@@ -225,7 +225,7 @@
           <a:p>
             <a:fld id="{EA040917-E8B0-43E0-A42F-0075974202E8}" type="datetimeFigureOut">
               <a:rPr lang="en-US" smtClean="0"/>
-              <a:t>3/20/2019</a:t>
+              <a:t>3/21/2019</a:t>
             </a:fld>
             <a:endParaRPr lang="en-US"/>
           </a:p>
@@ -1022,7 +1022,7 @@
           <a:p>
             <a:fld id="{83284890-85D2-4D7B-8EF5-15A9C1DB8F42}" type="datetimeFigureOut">
               <a:rPr lang="en-US" dirty="0"/>
-              <a:t>3/20/2019</a:t>
+              <a:t>3/21/2019</a:t>
             </a:fld>
             <a:endParaRPr lang="en-US" dirty="0"/>
           </a:p>
@@ -1197,7 +1197,7 @@
           <a:p>
             <a:fld id="{87157CC2-0FC8-4686-B024-99790E0F5162}" type="datetimeFigureOut">
               <a:rPr lang="en-US" dirty="0"/>
-              <a:t>3/20/2019</a:t>
+              <a:t>3/21/2019</a:t>
             </a:fld>
             <a:endParaRPr lang="en-US" dirty="0"/>
           </a:p>
@@ -1372,7 +1372,7 @@
           <a:p>
             <a:fld id="{F6764DA5-CD3D-4590-A511-FCD3BC7A793E}" type="datetimeFigureOut">
               <a:rPr lang="en-US" dirty="0"/>
-              <a:t>3/20/2019</a:t>
+              <a:t>3/21/2019</a:t>
             </a:fld>
             <a:endParaRPr lang="en-US" dirty="0"/>
           </a:p>
@@ -1537,7 +1537,7 @@
           <a:p>
             <a:fld id="{82F5661D-6934-4B32-B92C-470368BF1EC6}" type="datetimeFigureOut">
               <a:rPr lang="en-US" dirty="0"/>
-              <a:t>3/20/2019</a:t>
+              <a:t>3/21/2019</a:t>
             </a:fld>
             <a:endParaRPr lang="en-US" dirty="0"/>
           </a:p>
@@ -1845,7 +1845,7 @@
           <a:p>
             <a:fld id="{C6F822A4-8DA6-4447-9B1F-C5DB58435268}" type="datetimeFigureOut">
               <a:rPr lang="en-US" dirty="0"/>
-              <a:t>3/20/2019</a:t>
+              <a:t>3/21/2019</a:t>
             </a:fld>
             <a:endParaRPr lang="en-US" dirty="0"/>
           </a:p>
@@ -2227,7 +2227,7 @@
           <a:p>
             <a:fld id="{E548D31E-DCDA-41A7-9C67-C4B11B94D21D}" type="datetimeFigureOut">
               <a:rPr lang="en-US" dirty="0"/>
-              <a:t>3/20/2019</a:t>
+              <a:t>3/21/2019</a:t>
             </a:fld>
             <a:endParaRPr lang="en-US" dirty="0"/>
           </a:p>
@@ -2656,7 +2656,7 @@
           <a:p>
             <a:fld id="{9B3762C0-B258-48F1-ADE6-176B4174CCDD}" type="datetimeFigureOut">
               <a:rPr lang="en-US" dirty="0"/>
-              <a:t>3/20/2019</a:t>
+              <a:t>3/21/2019</a:t>
             </a:fld>
             <a:endParaRPr lang="en-US" dirty="0"/>
           </a:p>
@@ -2769,7 +2769,7 @@
           <a:p>
             <a:fld id="{677919A6-33EB-49BD-A62F-1FA56B9F9712}" type="datetimeFigureOut">
               <a:rPr lang="en-US" dirty="0"/>
-              <a:t>3/20/2019</a:t>
+              <a:t>3/21/2019</a:t>
             </a:fld>
             <a:endParaRPr lang="en-US" dirty="0"/>
           </a:p>
@@ -2859,7 +2859,7 @@
           <a:p>
             <a:fld id="{CA4E7D1B-D673-4CF6-8672-009D42ABD2A0}" type="datetimeFigureOut">
               <a:rPr lang="en-US" dirty="0"/>
-              <a:t>3/20/2019</a:t>
+              <a:t>3/21/2019</a:t>
             </a:fld>
             <a:endParaRPr lang="en-US" dirty="0"/>
           </a:p>
@@ -3204,7 +3204,7 @@
           <a:p>
             <a:fld id="{DA16AA21-1863-4931-97CB-99D0A168701B}" type="datetimeFigureOut">
               <a:rPr lang="en-US" dirty="0"/>
-              <a:t>3/20/2019</a:t>
+              <a:t>3/21/2019</a:t>
             </a:fld>
             <a:endParaRPr lang="en-US" dirty="0"/>
           </a:p>
@@ -3624,7 +3624,7 @@
           <a:p>
             <a:fld id="{3772C379-9A7C-4C87-A116-CBE9F58B04C5}" type="datetimeFigureOut">
               <a:rPr lang="en-US" dirty="0"/>
-              <a:t>3/20/2019</a:t>
+              <a:t>3/21/2019</a:t>
             </a:fld>
             <a:endParaRPr lang="en-US" dirty="0"/>
           </a:p>
@@ -3900,7 +3900,7 @@
           <a:p>
             <a:fld id="{8664C608-40B1-4030-A28D-5B74BC98ADCE}" type="datetimeFigureOut">
               <a:rPr lang="en-US" dirty="0"/>
-              <a:t>3/20/2019</a:t>
+              <a:t>3/21/2019</a:t>
             </a:fld>
             <a:endParaRPr lang="en-US" dirty="0"/>
           </a:p>
@@ -7936,7 +7936,76 @@
                 </a:solidFill>
                 <a:latin typeface="Consolas" panose="020B0609020204030204" pitchFamily="49" charset="0"/>
               </a:rPr>
-              <a:t>// </a:t>
+              <a:t>// Implicit call</a:t>
+            </a:r>
+          </a:p>
+          <a:p>
+            <a:r>
+              <a:rPr lang="en-US" dirty="0" smtClean="0">
+                <a:solidFill>
+                  <a:srgbClr val="2B91AF"/>
+                </a:solidFill>
+                <a:latin typeface="Consolas" panose="020B0609020204030204" pitchFamily="49" charset="0"/>
+              </a:rPr>
+              <a:t>	</a:t>
+            </a:r>
+            <a:r>
+              <a:rPr lang="en-US" dirty="0">
+                <a:solidFill>
+                  <a:srgbClr val="2B91AF"/>
+                </a:solidFill>
+                <a:latin typeface="Consolas" panose="020B0609020204030204" pitchFamily="49" charset="0"/>
+              </a:rPr>
+              <a:t>Point3D</a:t>
+            </a:r>
+            <a:r>
+              <a:rPr lang="en-US" dirty="0">
+                <a:solidFill>
+                  <a:srgbClr val="000000"/>
+                </a:solidFill>
+                <a:latin typeface="Consolas" panose="020B0609020204030204" pitchFamily="49" charset="0"/>
+              </a:rPr>
+              <a:t> </a:t>
+            </a:r>
+            <a:r>
+              <a:rPr lang="en-US" dirty="0" err="1">
+                <a:solidFill>
+                  <a:srgbClr val="000000"/>
+                </a:solidFill>
+                <a:latin typeface="Consolas" panose="020B0609020204030204" pitchFamily="49" charset="0"/>
+              </a:rPr>
+              <a:t>pt</a:t>
+            </a:r>
+            <a:r>
+              <a:rPr lang="en-US" dirty="0">
+                <a:solidFill>
+                  <a:srgbClr val="000000"/>
+                </a:solidFill>
+                <a:latin typeface="Consolas" panose="020B0609020204030204" pitchFamily="49" charset="0"/>
+              </a:rPr>
+              <a:t>(0.0, 1.0, 0.0);</a:t>
+            </a:r>
+          </a:p>
+          <a:p>
+            <a:r>
+              <a:rPr lang="en-US" dirty="0" smtClean="0">
+                <a:solidFill>
+                  <a:srgbClr val="000000"/>
+                </a:solidFill>
+                <a:latin typeface="Consolas" panose="020B0609020204030204" pitchFamily="49" charset="0"/>
+              </a:rPr>
+              <a:t>	</a:t>
+            </a:r>
+          </a:p>
+          <a:p>
+            <a:r>
+              <a:rPr lang="en-US" dirty="0">
+                <a:solidFill>
+                  <a:srgbClr val="000000"/>
+                </a:solidFill>
+                <a:latin typeface="Consolas" panose="020B0609020204030204" pitchFamily="49" charset="0"/>
+              </a:rPr>
+              <a:t>	</a:t>
             </a:r>
             <a:r>
               <a:rPr lang="en-US" dirty="0">
@@ -7945,101 +8014,8 @@
                 </a:solidFill>
                 <a:latin typeface="Consolas" panose="020B0609020204030204" pitchFamily="49" charset="0"/>
               </a:rPr>
-              <a:t>Implicit </a:t>
-            </a:r>
-            <a:r>
-              <a:rPr lang="en-US" dirty="0">
-                <a:solidFill>
-                  <a:srgbClr val="00B050"/>
-                </a:solidFill>
-                <a:latin typeface="Consolas" panose="020B0609020204030204" pitchFamily="49" charset="0"/>
-              </a:rPr>
-              <a:t>call</a:t>
-            </a:r>
-          </a:p>
-          <a:p>
-            <a:r>
-              <a:rPr lang="en-US" dirty="0" smtClean="0">
-                <a:solidFill>
-                  <a:srgbClr val="2B91AF"/>
-                </a:solidFill>
-                <a:latin typeface="Consolas" panose="020B0609020204030204" pitchFamily="49" charset="0"/>
-              </a:rPr>
-              <a:t>	</a:t>
-            </a:r>
-            <a:r>
-              <a:rPr lang="en-US" dirty="0">
-                <a:solidFill>
-                  <a:srgbClr val="2B91AF"/>
-                </a:solidFill>
-                <a:latin typeface="Consolas" panose="020B0609020204030204" pitchFamily="49" charset="0"/>
-              </a:rPr>
-              <a:t>Point3D</a:t>
-            </a:r>
-            <a:r>
-              <a:rPr lang="en-US" dirty="0">
-                <a:solidFill>
-                  <a:srgbClr val="000000"/>
-                </a:solidFill>
-                <a:latin typeface="Consolas" panose="020B0609020204030204" pitchFamily="49" charset="0"/>
-              </a:rPr>
-              <a:t> </a:t>
-            </a:r>
-            <a:r>
-              <a:rPr lang="en-US" dirty="0" err="1">
-                <a:solidFill>
-                  <a:srgbClr val="000000"/>
-                </a:solidFill>
-                <a:latin typeface="Consolas" panose="020B0609020204030204" pitchFamily="49" charset="0"/>
-              </a:rPr>
-              <a:t>pt</a:t>
-            </a:r>
-            <a:r>
-              <a:rPr lang="en-US" dirty="0">
-                <a:solidFill>
-                  <a:srgbClr val="000000"/>
-                </a:solidFill>
-                <a:latin typeface="Consolas" panose="020B0609020204030204" pitchFamily="49" charset="0"/>
-              </a:rPr>
-              <a:t>(0.0, 1.0, 0.0);</a:t>
-            </a:r>
-          </a:p>
-          <a:p>
-            <a:r>
-              <a:rPr lang="en-US" dirty="0" smtClean="0">
-                <a:solidFill>
-                  <a:srgbClr val="000000"/>
-                </a:solidFill>
-                <a:latin typeface="Consolas" panose="020B0609020204030204" pitchFamily="49" charset="0"/>
-              </a:rPr>
-              <a:t>	</a:t>
-            </a:r>
-          </a:p>
-          <a:p>
-            <a:r>
-              <a:rPr lang="en-US" dirty="0">
-                <a:solidFill>
-                  <a:srgbClr val="000000"/>
-                </a:solidFill>
-                <a:latin typeface="Consolas" panose="020B0609020204030204" pitchFamily="49" charset="0"/>
-              </a:rPr>
-              <a:t>	</a:t>
-            </a:r>
-            <a:r>
-              <a:rPr lang="en-US" dirty="0">
-                <a:solidFill>
-                  <a:srgbClr val="00B050"/>
-                </a:solidFill>
-                <a:latin typeface="Consolas" panose="020B0609020204030204" pitchFamily="49" charset="0"/>
-              </a:rPr>
               <a:t>// Explicit call</a:t>
             </a:r>
-            <a:endParaRPr lang="en-US" dirty="0">
-              <a:solidFill>
-                <a:srgbClr val="00B050"/>
-              </a:solidFill>
-              <a:latin typeface="Consolas" panose="020B0609020204030204" pitchFamily="49" charset="0"/>
-            </a:endParaRPr>
           </a:p>
           <a:p>
             <a:r>
@@ -8246,15 +8222,7 @@
           <a:p>
             <a:r>
               <a:rPr lang="en-US" dirty="0" smtClean="0"/>
-              <a:t>C++ </a:t>
-            </a:r>
-            <a:r>
-              <a:rPr lang="en-US" dirty="0" smtClean="0"/>
-              <a:t>Copy</a:t>
-            </a:r>
-            <a:r>
-              <a:rPr lang="en-US" dirty="0" smtClean="0"/>
-              <a:t> Constructors</a:t>
+              <a:t>C++ Copy Constructors</a:t>
             </a:r>
             <a:endParaRPr lang="en-US" dirty="0"/>
           </a:p>
@@ -9235,16 +9203,7 @@
                 </a:solidFill>
                 <a:latin typeface="Consolas" panose="020B0609020204030204" pitchFamily="49" charset="0"/>
               </a:rPr>
-              <a:t>call </a:t>
-            </a:r>
-            <a:r>
-              <a:rPr lang="en-US" dirty="0">
-                <a:solidFill>
-                  <a:srgbClr val="00B050"/>
-                </a:solidFill>
-                <a:latin typeface="Consolas" panose="020B0609020204030204" pitchFamily="49" charset="0"/>
-              </a:rPr>
-              <a:t>copy constructor</a:t>
+              <a:t>call copy constructor</a:t>
             </a:r>
           </a:p>
           <a:p>
@@ -9627,7 +9586,6 @@
               <a:rPr lang="en-US" sz="2800" b="1" dirty="0"/>
               <a:t>argument</a:t>
             </a:r>
-            <a:endParaRPr lang="en-US" sz="2800" b="1" dirty="0"/>
           </a:p>
           <a:p>
             <a:endParaRPr lang="en-US" sz="2800" b="1" dirty="0" smtClean="0"/>
@@ -10620,7 +10578,6 @@
               <a:rPr lang="en-US" dirty="0"/>
               <a:t>as well.</a:t>
             </a:r>
-            <a:endParaRPr lang="en-US" dirty="0"/>
           </a:p>
         </p:txBody>
       </p:sp>
@@ -13129,11 +13086,7 @@
           <a:p>
             <a:r>
               <a:rPr lang="en-US" sz="3200" dirty="0"/>
-              <a:t>Operator </a:t>
-            </a:r>
-            <a:r>
-              <a:rPr lang="en-US" sz="3200" dirty="0"/>
-              <a:t>.*</a:t>
+              <a:t>Operator .*</a:t>
             </a:r>
             <a:endParaRPr lang="en-US" sz="3200" dirty="0" smtClean="0"/>
           </a:p>
@@ -13146,13 +13099,8 @@
           <a:p>
             <a:r>
               <a:rPr lang="en-US" sz="3200" dirty="0"/>
-              <a:t>Operator </a:t>
-            </a:r>
-            <a:r>
-              <a:rPr lang="en-US" sz="3200" dirty="0"/>
-              <a:t>?:</a:t>
-            </a:r>
-            <a:endParaRPr lang="en-US" sz="3200" dirty="0"/>
+              <a:t>Operator ?:</a:t>
+            </a:r>
           </a:p>
           <a:p>
             <a:endParaRPr lang="en-US" dirty="0"/>
@@ -13957,12 +13905,6 @@
               </a:rPr>
               <a:t>//default	</a:t>
             </a:r>
-            <a:endParaRPr lang="en-US" dirty="0">
-              <a:solidFill>
-                <a:srgbClr val="00B050"/>
-              </a:solidFill>
-              <a:latin typeface="Consolas" panose="020B0609020204030204" pitchFamily="49" charset="0"/>
-            </a:endParaRPr>
           </a:p>
           <a:p>
             <a:r>
@@ -14389,11 +14331,7 @@
           <a:p>
             <a:r>
               <a:rPr lang="en-US" dirty="0" smtClean="0"/>
-              <a:t>Static </a:t>
-            </a:r>
-            <a:r>
-              <a:rPr lang="en-US" dirty="0" smtClean="0"/>
-              <a:t>methods Example:</a:t>
+              <a:t>Static methods Example:</a:t>
             </a:r>
             <a:endParaRPr lang="en-US" dirty="0"/>
           </a:p>
@@ -15539,11 +15477,7 @@
           <a:p>
             <a:r>
               <a:rPr lang="en-US" dirty="0" smtClean="0"/>
-              <a:t>Problem6: </a:t>
-            </a:r>
-            <a:r>
-              <a:rPr lang="en-US" dirty="0" smtClean="0"/>
-              <a:t>Refactor Solution to use override operators and Constructors where it is </a:t>
+              <a:t>Problem6: Refactor Solution to use override operators and Constructors where it is </a:t>
             </a:r>
             <a:r>
               <a:rPr lang="en-US" dirty="0" err="1" smtClean="0"/>
@@ -15778,7 +15712,7 @@
         <p:spPr/>
         <p:txBody>
           <a:bodyPr>
-            <a:normAutofit fontScale="92500" lnSpcReduction="20000"/>
+            <a:normAutofit fontScale="85000" lnSpcReduction="20000"/>
           </a:bodyPr>
           <a:lstStyle/>
           <a:p>
@@ -16070,7 +16004,7 @@
               <a:t> </a:t>
             </a:r>
             <a:r>
-              <a:rPr lang="en-US" dirty="0" err="1">
+              <a:rPr lang="en-US" dirty="0" err="1" smtClean="0">
                 <a:solidFill>
                   <a:srgbClr val="2B91AF"/>
                 </a:solidFill>
@@ -16079,7 +16013,16 @@
               <a:t>ofstream</a:t>
             </a:r>
             <a:r>
-              <a:rPr lang="en-US" dirty="0">
+              <a:rPr lang="en-US" smtClean="0">
+                <a:solidFill>
+                  <a:srgbClr val="2B91AF"/>
+                </a:solidFill>
+                <a:latin typeface="Consolas" panose="020B0609020204030204" pitchFamily="49" charset="0"/>
+              </a:rPr>
+              <a:t>()</a:t>
+            </a:r>
+            <a:r>
+              <a:rPr lang="en-US" smtClean="0">
                 <a:solidFill>
                   <a:srgbClr val="000000"/>
                 </a:solidFill>
@@ -16250,7 +16193,48 @@
                 </a:solidFill>
                 <a:latin typeface="Consolas" panose="020B0609020204030204" pitchFamily="49" charset="0"/>
               </a:rPr>
-              <a:t>-&gt;close();</a:t>
+              <a:t>-&gt;close</a:t>
+            </a:r>
+            <a:r>
+              <a:rPr lang="en-US" dirty="0" smtClean="0">
+                <a:solidFill>
+                  <a:srgbClr val="000000"/>
+                </a:solidFill>
+                <a:latin typeface="Consolas" panose="020B0609020204030204" pitchFamily="49" charset="0"/>
+              </a:rPr>
+              <a:t>();</a:t>
+            </a:r>
+          </a:p>
+          <a:p>
+            <a:pPr marL="0" indent="0">
+              <a:buNone/>
+            </a:pPr>
+            <a:r>
+              <a:rPr lang="en-US" dirty="0" smtClean="0">
+                <a:solidFill>
+                  <a:srgbClr val="000000"/>
+                </a:solidFill>
+                <a:latin typeface="Consolas" panose="020B0609020204030204" pitchFamily="49" charset="0"/>
+              </a:rPr>
+              <a:t>delete </a:t>
+            </a:r>
+            <a:r>
+              <a:rPr lang="en-US" dirty="0" err="1" smtClean="0">
+                <a:solidFill>
+                  <a:srgbClr val="000000"/>
+                </a:solidFill>
+                <a:latin typeface="Consolas" panose="020B0609020204030204" pitchFamily="49" charset="0"/>
+              </a:rPr>
+              <a:t>pMyFile</a:t>
+            </a:r>
+            <a:r>
+              <a:rPr lang="en-US" dirty="0" smtClean="0">
+                <a:solidFill>
+                  <a:srgbClr val="000000"/>
+                </a:solidFill>
+                <a:latin typeface="Consolas" panose="020B0609020204030204" pitchFamily="49" charset="0"/>
+              </a:rPr>
+              <a:t>;</a:t>
             </a:r>
             <a:endParaRPr lang="en-US" dirty="0"/>
           </a:p>
